--- a/src/main/java/com/ac/day20190215/链表的定义与使用分析.pptx
+++ b/src/main/java/com/ac/day20190215/链表的定义与使用分析.pptx
@@ -10,6 +10,8 @@
     <p:sldId id="262" r:id="rId4"/>
     <p:sldId id="263" r:id="rId5"/>
     <p:sldId id="264" r:id="rId6"/>
+    <p:sldId id="265" r:id="rId7"/>
+    <p:sldId id="266" r:id="rId8"/>
   </p:sldIdLst>
   <p:sldSz cx="12192000" cy="6858000"/>
   <p:notesSz cx="6858000" cy="9144000"/>
@@ -184,6 +186,34 @@
 </p:cmLst>
 </file>
 
+<file path=ppt/comments/comment5.xml><?xml version="1.0" encoding="utf-8"?>
+<p:cmLst xmlns:a="http://schemas.openxmlformats.org/drawingml/2006/main" xmlns:r="http://schemas.openxmlformats.org/officeDocument/2006/relationships" xmlns:p="http://schemas.openxmlformats.org/presentationml/2006/main">
+  <p:cm authorId="1" dt="2019-02-15T12:32:30.657" idx="1">
+    <p:pos x="10" y="10"/>
+    <p:text/>
+    <p:extLst>
+      <p:ext uri="{C676402C-5697-4E1C-873F-D02D1690AC5C}">
+        <p15:threadingInfo xmlns:p15="http://schemas.microsoft.com/office/powerpoint/2012/main" timeZoneBias="-480"/>
+      </p:ext>
+    </p:extLst>
+  </p:cm>
+</p:cmLst>
+</file>
+
+<file path=ppt/comments/comment6.xml><?xml version="1.0" encoding="utf-8"?>
+<p:cmLst xmlns:a="http://schemas.openxmlformats.org/drawingml/2006/main" xmlns:r="http://schemas.openxmlformats.org/officeDocument/2006/relationships" xmlns:p="http://schemas.openxmlformats.org/presentationml/2006/main">
+  <p:cm authorId="1" dt="2019-02-15T12:32:30.657" idx="1">
+    <p:pos x="10" y="10"/>
+    <p:text/>
+    <p:extLst>
+      <p:ext uri="{C676402C-5697-4E1C-873F-D02D1690AC5C}">
+        <p15:threadingInfo xmlns:p15="http://schemas.microsoft.com/office/powerpoint/2012/main" timeZoneBias="-480"/>
+      </p:ext>
+    </p:extLst>
+  </p:cm>
+</p:cmLst>
+</file>
+
 <file path=ppt/slideLayouts/slideLayout1.xml><?xml version="1.0" encoding="utf-8"?>
 <p:sldLayout xmlns:a="http://schemas.openxmlformats.org/drawingml/2006/main" xmlns:r="http://schemas.openxmlformats.org/officeDocument/2006/relationships" xmlns:p="http://schemas.openxmlformats.org/presentationml/2006/main" type="title" preserve="1">
   <p:cSld name="标题幻灯片">
@@ -331,7 +361,7 @@
           <a:p>
             <a:fld id="{8EFAD526-FDB9-46BC-83A8-CD6DFC0F7FFF}" type="datetimeFigureOut">
               <a:rPr lang="zh-CN" altLang="en-US" smtClean="0"/>
-              <a:t>2019/2/15</a:t>
+              <a:t>2019/2/18</a:t>
             </a:fld>
             <a:endParaRPr lang="zh-CN" altLang="en-US"/>
           </a:p>
@@ -529,7 +559,7 @@
           <a:p>
             <a:fld id="{8EFAD526-FDB9-46BC-83A8-CD6DFC0F7FFF}" type="datetimeFigureOut">
               <a:rPr lang="zh-CN" altLang="en-US" smtClean="0"/>
-              <a:t>2019/2/15</a:t>
+              <a:t>2019/2/18</a:t>
             </a:fld>
             <a:endParaRPr lang="zh-CN" altLang="en-US"/>
           </a:p>
@@ -737,7 +767,7 @@
           <a:p>
             <a:fld id="{8EFAD526-FDB9-46BC-83A8-CD6DFC0F7FFF}" type="datetimeFigureOut">
               <a:rPr lang="zh-CN" altLang="en-US" smtClean="0"/>
-              <a:t>2019/2/15</a:t>
+              <a:t>2019/2/18</a:t>
             </a:fld>
             <a:endParaRPr lang="zh-CN" altLang="en-US"/>
           </a:p>
@@ -935,7 +965,7 @@
           <a:p>
             <a:fld id="{8EFAD526-FDB9-46BC-83A8-CD6DFC0F7FFF}" type="datetimeFigureOut">
               <a:rPr lang="zh-CN" altLang="en-US" smtClean="0"/>
-              <a:t>2019/2/15</a:t>
+              <a:t>2019/2/18</a:t>
             </a:fld>
             <a:endParaRPr lang="zh-CN" altLang="en-US"/>
           </a:p>
@@ -1210,7 +1240,7 @@
           <a:p>
             <a:fld id="{8EFAD526-FDB9-46BC-83A8-CD6DFC0F7FFF}" type="datetimeFigureOut">
               <a:rPr lang="zh-CN" altLang="en-US" smtClean="0"/>
-              <a:t>2019/2/15</a:t>
+              <a:t>2019/2/18</a:t>
             </a:fld>
             <a:endParaRPr lang="zh-CN" altLang="en-US"/>
           </a:p>
@@ -1475,7 +1505,7 @@
           <a:p>
             <a:fld id="{8EFAD526-FDB9-46BC-83A8-CD6DFC0F7FFF}" type="datetimeFigureOut">
               <a:rPr lang="zh-CN" altLang="en-US" smtClean="0"/>
-              <a:t>2019/2/15</a:t>
+              <a:t>2019/2/18</a:t>
             </a:fld>
             <a:endParaRPr lang="zh-CN" altLang="en-US"/>
           </a:p>
@@ -1887,7 +1917,7 @@
           <a:p>
             <a:fld id="{8EFAD526-FDB9-46BC-83A8-CD6DFC0F7FFF}" type="datetimeFigureOut">
               <a:rPr lang="zh-CN" altLang="en-US" smtClean="0"/>
-              <a:t>2019/2/15</a:t>
+              <a:t>2019/2/18</a:t>
             </a:fld>
             <a:endParaRPr lang="zh-CN" altLang="en-US"/>
           </a:p>
@@ -2028,7 +2058,7 @@
           <a:p>
             <a:fld id="{8EFAD526-FDB9-46BC-83A8-CD6DFC0F7FFF}" type="datetimeFigureOut">
               <a:rPr lang="zh-CN" altLang="en-US" smtClean="0"/>
-              <a:t>2019/2/15</a:t>
+              <a:t>2019/2/18</a:t>
             </a:fld>
             <a:endParaRPr lang="zh-CN" altLang="en-US"/>
           </a:p>
@@ -2141,7 +2171,7 @@
           <a:p>
             <a:fld id="{8EFAD526-FDB9-46BC-83A8-CD6DFC0F7FFF}" type="datetimeFigureOut">
               <a:rPr lang="zh-CN" altLang="en-US" smtClean="0"/>
-              <a:t>2019/2/15</a:t>
+              <a:t>2019/2/18</a:t>
             </a:fld>
             <a:endParaRPr lang="zh-CN" altLang="en-US"/>
           </a:p>
@@ -2452,7 +2482,7 @@
           <a:p>
             <a:fld id="{8EFAD526-FDB9-46BC-83A8-CD6DFC0F7FFF}" type="datetimeFigureOut">
               <a:rPr lang="zh-CN" altLang="en-US" smtClean="0"/>
-              <a:t>2019/2/15</a:t>
+              <a:t>2019/2/18</a:t>
             </a:fld>
             <a:endParaRPr lang="zh-CN" altLang="en-US"/>
           </a:p>
@@ -2740,7 +2770,7 @@
           <a:p>
             <a:fld id="{8EFAD526-FDB9-46BC-83A8-CD6DFC0F7FFF}" type="datetimeFigureOut">
               <a:rPr lang="zh-CN" altLang="en-US" smtClean="0"/>
-              <a:t>2019/2/15</a:t>
+              <a:t>2019/2/18</a:t>
             </a:fld>
             <a:endParaRPr lang="zh-CN" altLang="en-US"/>
           </a:p>
@@ -2981,7 +3011,7 @@
           <a:p>
             <a:fld id="{8EFAD526-FDB9-46BC-83A8-CD6DFC0F7FFF}" type="datetimeFigureOut">
               <a:rPr lang="zh-CN" altLang="en-US" smtClean="0"/>
-              <a:t>2019/2/15</a:t>
+              <a:t>2019/2/18</a:t>
             </a:fld>
             <a:endParaRPr lang="zh-CN" altLang="en-US"/>
           </a:p>
@@ -15853,6 +15883,4634 @@
 </p:sld>
 </file>
 
+<file path=ppt/slides/slide6.xml><?xml version="1.0" encoding="utf-8"?>
+<p:sld xmlns:a="http://schemas.openxmlformats.org/drawingml/2006/main" xmlns:r="http://schemas.openxmlformats.org/officeDocument/2006/relationships" xmlns:p="http://schemas.openxmlformats.org/presentationml/2006/main">
+  <p:cSld>
+    <p:spTree>
+      <p:nvGrpSpPr>
+        <p:cNvPr id="1" name=""/>
+        <p:cNvGrpSpPr/>
+        <p:nvPr/>
+      </p:nvGrpSpPr>
+      <p:grpSpPr>
+        <a:xfrm>
+          <a:off x="0" y="0"/>
+          <a:ext cx="0" cy="0"/>
+          <a:chOff x="0" y="0"/>
+          <a:chExt cx="0" cy="0"/>
+        </a:xfrm>
+      </p:grpSpPr>
+      <p:sp>
+        <p:nvSpPr>
+          <p:cNvPr id="50" name="圆角矩形 49"/>
+          <p:cNvSpPr/>
+          <p:nvPr/>
+        </p:nvSpPr>
+        <p:spPr>
+          <a:xfrm>
+            <a:off x="2431473" y="1760752"/>
+            <a:ext cx="2261061" cy="1854642"/>
+          </a:xfrm>
+          <a:prstGeom prst="roundRect">
+            <a:avLst/>
+          </a:prstGeom>
+          <a:ln>
+            <a:prstDash val="dash"/>
+          </a:ln>
+        </p:spPr>
+        <p:style>
+          <a:lnRef idx="2">
+            <a:schemeClr val="dk1"/>
+          </a:lnRef>
+          <a:fillRef idx="1">
+            <a:schemeClr val="lt1"/>
+          </a:fillRef>
+          <a:effectRef idx="0">
+            <a:schemeClr val="dk1"/>
+          </a:effectRef>
+          <a:fontRef idx="minor">
+            <a:schemeClr val="dk1"/>
+          </a:fontRef>
+        </p:style>
+        <p:txBody>
+          <a:bodyPr rtlCol="0" anchor="ctr"/>
+          <a:lstStyle/>
+          <a:p>
+            <a:pPr algn="ctr"/>
+            <a:endParaRPr lang="zh-CN" altLang="en-US"/>
+          </a:p>
+        </p:txBody>
+      </p:sp>
+      <p:sp>
+        <p:nvSpPr>
+          <p:cNvPr id="3" name="圆角矩形 2"/>
+          <p:cNvSpPr/>
+          <p:nvPr/>
+        </p:nvSpPr>
+        <p:spPr>
+          <a:xfrm>
+            <a:off x="1358362" y="2537352"/>
+            <a:ext cx="657552" cy="646331"/>
+          </a:xfrm>
+          <a:prstGeom prst="roundRect">
+            <a:avLst/>
+          </a:prstGeom>
+        </p:spPr>
+        <p:style>
+          <a:lnRef idx="2">
+            <a:schemeClr val="accent1">
+              <a:shade val="50000"/>
+            </a:schemeClr>
+          </a:lnRef>
+          <a:fillRef idx="1">
+            <a:schemeClr val="accent1"/>
+          </a:fillRef>
+          <a:effectRef idx="0">
+            <a:schemeClr val="accent1"/>
+          </a:effectRef>
+          <a:fontRef idx="minor">
+            <a:schemeClr val="lt1"/>
+          </a:fontRef>
+        </p:style>
+        <p:txBody>
+          <a:bodyPr rtlCol="0" anchor="ctr"/>
+          <a:lstStyle/>
+          <a:p>
+            <a:pPr algn="ctr"/>
+            <a:endParaRPr lang="zh-CN" altLang="en-US"/>
+          </a:p>
+        </p:txBody>
+      </p:sp>
+      <p:sp>
+        <p:nvSpPr>
+          <p:cNvPr id="4" name="文本框 3"/>
+          <p:cNvSpPr txBox="1"/>
+          <p:nvPr/>
+        </p:nvSpPr>
+        <p:spPr>
+          <a:xfrm>
+            <a:off x="1358362" y="2537352"/>
+            <a:ext cx="657552" cy="646331"/>
+          </a:xfrm>
+          <a:prstGeom prst="rect">
+            <a:avLst/>
+          </a:prstGeom>
+          <a:noFill/>
+        </p:spPr>
+        <p:txBody>
+          <a:bodyPr wrap="none" rtlCol="0">
+            <a:spAutoFit/>
+          </a:bodyPr>
+          <a:lstStyle/>
+          <a:p>
+            <a:r>
+              <a:rPr lang="en-US" altLang="zh-CN" dirty="0" smtClean="0"/>
+              <a:t>Link</a:t>
+            </a:r>
+          </a:p>
+          <a:p>
+            <a:r>
+              <a:rPr lang="en-US" altLang="zh-CN" dirty="0" smtClean="0"/>
+              <a:t>Root</a:t>
+            </a:r>
+            <a:endParaRPr lang="zh-CN" altLang="en-US" dirty="0"/>
+          </a:p>
+        </p:txBody>
+      </p:sp>
+      <p:sp>
+        <p:nvSpPr>
+          <p:cNvPr id="5" name="矩形 4"/>
+          <p:cNvSpPr/>
+          <p:nvPr/>
+        </p:nvSpPr>
+        <p:spPr>
+          <a:xfrm>
+            <a:off x="2834640" y="2801389"/>
+            <a:ext cx="1454727" cy="99753"/>
+          </a:xfrm>
+          <a:prstGeom prst="rect">
+            <a:avLst/>
+          </a:prstGeom>
+        </p:spPr>
+        <p:style>
+          <a:lnRef idx="2">
+            <a:schemeClr val="accent1">
+              <a:shade val="50000"/>
+            </a:schemeClr>
+          </a:lnRef>
+          <a:fillRef idx="1">
+            <a:schemeClr val="accent1"/>
+          </a:fillRef>
+          <a:effectRef idx="0">
+            <a:schemeClr val="accent1"/>
+          </a:effectRef>
+          <a:fontRef idx="minor">
+            <a:schemeClr val="lt1"/>
+          </a:fontRef>
+        </p:style>
+        <p:txBody>
+          <a:bodyPr rtlCol="0" anchor="ctr"/>
+          <a:lstStyle/>
+          <a:p>
+            <a:pPr algn="ctr"/>
+            <a:endParaRPr lang="zh-CN" altLang="en-US"/>
+          </a:p>
+        </p:txBody>
+      </p:sp>
+      <p:sp>
+        <p:nvSpPr>
+          <p:cNvPr id="7" name="矩形 6"/>
+          <p:cNvSpPr/>
+          <p:nvPr/>
+        </p:nvSpPr>
+        <p:spPr>
+          <a:xfrm>
+            <a:off x="2743200" y="2593571"/>
+            <a:ext cx="91440" cy="307571"/>
+          </a:xfrm>
+          <a:prstGeom prst="rect">
+            <a:avLst/>
+          </a:prstGeom>
+        </p:spPr>
+        <p:style>
+          <a:lnRef idx="2">
+            <a:schemeClr val="accent1">
+              <a:shade val="50000"/>
+            </a:schemeClr>
+          </a:lnRef>
+          <a:fillRef idx="1">
+            <a:schemeClr val="accent1"/>
+          </a:fillRef>
+          <a:effectRef idx="0">
+            <a:schemeClr val="accent1"/>
+          </a:effectRef>
+          <a:fontRef idx="minor">
+            <a:schemeClr val="lt1"/>
+          </a:fontRef>
+        </p:style>
+        <p:txBody>
+          <a:bodyPr rtlCol="0" anchor="ctr"/>
+          <a:lstStyle/>
+          <a:p>
+            <a:pPr algn="ctr"/>
+            <a:endParaRPr lang="zh-CN" altLang="en-US"/>
+          </a:p>
+        </p:txBody>
+      </p:sp>
+      <p:sp>
+        <p:nvSpPr>
+          <p:cNvPr id="8" name="矩形 7"/>
+          <p:cNvSpPr/>
+          <p:nvPr/>
+        </p:nvSpPr>
+        <p:spPr>
+          <a:xfrm>
+            <a:off x="4289367" y="2593571"/>
+            <a:ext cx="91440" cy="307571"/>
+          </a:xfrm>
+          <a:prstGeom prst="rect">
+            <a:avLst/>
+          </a:prstGeom>
+        </p:spPr>
+        <p:style>
+          <a:lnRef idx="2">
+            <a:schemeClr val="accent1">
+              <a:shade val="50000"/>
+            </a:schemeClr>
+          </a:lnRef>
+          <a:fillRef idx="1">
+            <a:schemeClr val="accent1"/>
+          </a:fillRef>
+          <a:effectRef idx="0">
+            <a:schemeClr val="accent1"/>
+          </a:effectRef>
+          <a:fontRef idx="minor">
+            <a:schemeClr val="lt1"/>
+          </a:fontRef>
+        </p:style>
+        <p:txBody>
+          <a:bodyPr rtlCol="0" anchor="ctr"/>
+          <a:lstStyle/>
+          <a:p>
+            <a:pPr algn="ctr"/>
+            <a:endParaRPr lang="zh-CN" altLang="en-US"/>
+          </a:p>
+        </p:txBody>
+      </p:sp>
+      <p:sp>
+        <p:nvSpPr>
+          <p:cNvPr id="9" name="椭圆 8"/>
+          <p:cNvSpPr/>
+          <p:nvPr/>
+        </p:nvSpPr>
+        <p:spPr>
+          <a:xfrm>
+            <a:off x="2834640" y="2901142"/>
+            <a:ext cx="157942" cy="153201"/>
+          </a:xfrm>
+          <a:prstGeom prst="ellipse">
+            <a:avLst/>
+          </a:prstGeom>
+        </p:spPr>
+        <p:style>
+          <a:lnRef idx="2">
+            <a:schemeClr val="accent6">
+              <a:shade val="50000"/>
+            </a:schemeClr>
+          </a:lnRef>
+          <a:fillRef idx="1">
+            <a:schemeClr val="accent6"/>
+          </a:fillRef>
+          <a:effectRef idx="0">
+            <a:schemeClr val="accent6"/>
+          </a:effectRef>
+          <a:fontRef idx="minor">
+            <a:schemeClr val="lt1"/>
+          </a:fontRef>
+        </p:style>
+        <p:txBody>
+          <a:bodyPr rtlCol="0" anchor="ctr"/>
+          <a:lstStyle/>
+          <a:p>
+            <a:pPr algn="ctr"/>
+            <a:endParaRPr lang="zh-CN" altLang="en-US"/>
+          </a:p>
+        </p:txBody>
+      </p:sp>
+      <p:sp>
+        <p:nvSpPr>
+          <p:cNvPr id="10" name="椭圆 9"/>
+          <p:cNvSpPr/>
+          <p:nvPr/>
+        </p:nvSpPr>
+        <p:spPr>
+          <a:xfrm>
+            <a:off x="2913611" y="2977742"/>
+            <a:ext cx="45719" cy="45719"/>
+          </a:xfrm>
+          <a:prstGeom prst="ellipse">
+            <a:avLst/>
+          </a:prstGeom>
+        </p:spPr>
+        <p:style>
+          <a:lnRef idx="2">
+            <a:schemeClr val="accent2">
+              <a:shade val="50000"/>
+            </a:schemeClr>
+          </a:lnRef>
+          <a:fillRef idx="1">
+            <a:schemeClr val="accent2"/>
+          </a:fillRef>
+          <a:effectRef idx="0">
+            <a:schemeClr val="accent2"/>
+          </a:effectRef>
+          <a:fontRef idx="minor">
+            <a:schemeClr val="lt1"/>
+          </a:fontRef>
+        </p:style>
+        <p:txBody>
+          <a:bodyPr rtlCol="0" anchor="ctr"/>
+          <a:lstStyle/>
+          <a:p>
+            <a:pPr algn="ctr"/>
+            <a:endParaRPr lang="zh-CN" altLang="en-US"/>
+          </a:p>
+        </p:txBody>
+      </p:sp>
+      <p:sp>
+        <p:nvSpPr>
+          <p:cNvPr id="11" name="椭圆 10"/>
+          <p:cNvSpPr/>
+          <p:nvPr/>
+        </p:nvSpPr>
+        <p:spPr>
+          <a:xfrm>
+            <a:off x="3496348" y="2901142"/>
+            <a:ext cx="157942" cy="153201"/>
+          </a:xfrm>
+          <a:prstGeom prst="ellipse">
+            <a:avLst/>
+          </a:prstGeom>
+        </p:spPr>
+        <p:style>
+          <a:lnRef idx="2">
+            <a:schemeClr val="accent6">
+              <a:shade val="50000"/>
+            </a:schemeClr>
+          </a:lnRef>
+          <a:fillRef idx="1">
+            <a:schemeClr val="accent6"/>
+          </a:fillRef>
+          <a:effectRef idx="0">
+            <a:schemeClr val="accent6"/>
+          </a:effectRef>
+          <a:fontRef idx="minor">
+            <a:schemeClr val="lt1"/>
+          </a:fontRef>
+        </p:style>
+        <p:txBody>
+          <a:bodyPr rtlCol="0" anchor="ctr"/>
+          <a:lstStyle/>
+          <a:p>
+            <a:pPr algn="ctr"/>
+            <a:endParaRPr lang="zh-CN" altLang="en-US"/>
+          </a:p>
+        </p:txBody>
+      </p:sp>
+      <p:sp>
+        <p:nvSpPr>
+          <p:cNvPr id="12" name="椭圆 11"/>
+          <p:cNvSpPr/>
+          <p:nvPr/>
+        </p:nvSpPr>
+        <p:spPr>
+          <a:xfrm>
+            <a:off x="3575319" y="2977742"/>
+            <a:ext cx="45719" cy="45719"/>
+          </a:xfrm>
+          <a:prstGeom prst="ellipse">
+            <a:avLst/>
+          </a:prstGeom>
+        </p:spPr>
+        <p:style>
+          <a:lnRef idx="2">
+            <a:schemeClr val="accent2">
+              <a:shade val="50000"/>
+            </a:schemeClr>
+          </a:lnRef>
+          <a:fillRef idx="1">
+            <a:schemeClr val="accent2"/>
+          </a:fillRef>
+          <a:effectRef idx="0">
+            <a:schemeClr val="accent2"/>
+          </a:effectRef>
+          <a:fontRef idx="minor">
+            <a:schemeClr val="lt1"/>
+          </a:fontRef>
+        </p:style>
+        <p:txBody>
+          <a:bodyPr rtlCol="0" anchor="ctr"/>
+          <a:lstStyle/>
+          <a:p>
+            <a:pPr algn="ctr"/>
+            <a:endParaRPr lang="zh-CN" altLang="en-US"/>
+          </a:p>
+        </p:txBody>
+      </p:sp>
+      <p:sp>
+        <p:nvSpPr>
+          <p:cNvPr id="13" name="椭圆 12"/>
+          <p:cNvSpPr/>
+          <p:nvPr/>
+        </p:nvSpPr>
+        <p:spPr>
+          <a:xfrm>
+            <a:off x="4131425" y="2909455"/>
+            <a:ext cx="157942" cy="153201"/>
+          </a:xfrm>
+          <a:prstGeom prst="ellipse">
+            <a:avLst/>
+          </a:prstGeom>
+        </p:spPr>
+        <p:style>
+          <a:lnRef idx="2">
+            <a:schemeClr val="accent6">
+              <a:shade val="50000"/>
+            </a:schemeClr>
+          </a:lnRef>
+          <a:fillRef idx="1">
+            <a:schemeClr val="accent6"/>
+          </a:fillRef>
+          <a:effectRef idx="0">
+            <a:schemeClr val="accent6"/>
+          </a:effectRef>
+          <a:fontRef idx="minor">
+            <a:schemeClr val="lt1"/>
+          </a:fontRef>
+        </p:style>
+        <p:txBody>
+          <a:bodyPr rtlCol="0" anchor="ctr"/>
+          <a:lstStyle/>
+          <a:p>
+            <a:pPr algn="ctr"/>
+            <a:endParaRPr lang="zh-CN" altLang="en-US"/>
+          </a:p>
+        </p:txBody>
+      </p:sp>
+      <p:sp>
+        <p:nvSpPr>
+          <p:cNvPr id="14" name="椭圆 13"/>
+          <p:cNvSpPr/>
+          <p:nvPr/>
+        </p:nvSpPr>
+        <p:spPr>
+          <a:xfrm>
+            <a:off x="4210396" y="2986055"/>
+            <a:ext cx="45719" cy="45719"/>
+          </a:xfrm>
+          <a:prstGeom prst="ellipse">
+            <a:avLst/>
+          </a:prstGeom>
+        </p:spPr>
+        <p:style>
+          <a:lnRef idx="2">
+            <a:schemeClr val="accent2">
+              <a:shade val="50000"/>
+            </a:schemeClr>
+          </a:lnRef>
+          <a:fillRef idx="1">
+            <a:schemeClr val="accent2"/>
+          </a:fillRef>
+          <a:effectRef idx="0">
+            <a:schemeClr val="accent2"/>
+          </a:effectRef>
+          <a:fontRef idx="minor">
+            <a:schemeClr val="lt1"/>
+          </a:fontRef>
+        </p:style>
+        <p:txBody>
+          <a:bodyPr rtlCol="0" anchor="ctr"/>
+          <a:lstStyle/>
+          <a:p>
+            <a:pPr algn="ctr"/>
+            <a:endParaRPr lang="zh-CN" altLang="en-US"/>
+          </a:p>
+        </p:txBody>
+      </p:sp>
+      <p:sp>
+        <p:nvSpPr>
+          <p:cNvPr id="15" name="加号 14"/>
+          <p:cNvSpPr/>
+          <p:nvPr/>
+        </p:nvSpPr>
+        <p:spPr>
+          <a:xfrm>
+            <a:off x="2431473" y="2743200"/>
+            <a:ext cx="266007" cy="234542"/>
+          </a:xfrm>
+          <a:prstGeom prst="mathPlus">
+            <a:avLst/>
+          </a:prstGeom>
+          <a:solidFill>
+            <a:schemeClr val="accent2"/>
+          </a:solidFill>
+          <a:ln>
+            <a:noFill/>
+          </a:ln>
+        </p:spPr>
+        <p:style>
+          <a:lnRef idx="0">
+            <a:scrgbClr r="0" g="0" b="0"/>
+          </a:lnRef>
+          <a:fillRef idx="0">
+            <a:scrgbClr r="0" g="0" b="0"/>
+          </a:fillRef>
+          <a:effectRef idx="0">
+            <a:scrgbClr r="0" g="0" b="0"/>
+          </a:effectRef>
+          <a:fontRef idx="minor">
+            <a:schemeClr val="lt1"/>
+          </a:fontRef>
+        </p:style>
+        <p:txBody>
+          <a:bodyPr rtlCol="0" anchor="ctr"/>
+          <a:lstStyle/>
+          <a:p>
+            <a:pPr algn="ctr"/>
+            <a:endParaRPr lang="zh-CN" altLang="en-US"/>
+          </a:p>
+        </p:txBody>
+      </p:sp>
+      <p:sp>
+        <p:nvSpPr>
+          <p:cNvPr id="16" name="加号 15"/>
+          <p:cNvSpPr/>
+          <p:nvPr/>
+        </p:nvSpPr>
+        <p:spPr>
+          <a:xfrm>
+            <a:off x="4426527" y="2743200"/>
+            <a:ext cx="266007" cy="234542"/>
+          </a:xfrm>
+          <a:prstGeom prst="mathPlus">
+            <a:avLst/>
+          </a:prstGeom>
+          <a:gradFill flip="none" rotWithShape="1">
+            <a:gsLst>
+              <a:gs pos="0">
+                <a:schemeClr val="accent2">
+                  <a:lumMod val="67000"/>
+                </a:schemeClr>
+              </a:gs>
+              <a:gs pos="48000">
+                <a:schemeClr val="accent2">
+                  <a:lumMod val="97000"/>
+                  <a:lumOff val="3000"/>
+                </a:schemeClr>
+              </a:gs>
+              <a:gs pos="100000">
+                <a:schemeClr val="accent2">
+                  <a:lumMod val="60000"/>
+                  <a:lumOff val="40000"/>
+                </a:schemeClr>
+              </a:gs>
+            </a:gsLst>
+            <a:lin ang="16200000" scaled="1"/>
+            <a:tileRect/>
+          </a:gradFill>
+          <a:ln>
+            <a:noFill/>
+          </a:ln>
+        </p:spPr>
+        <p:style>
+          <a:lnRef idx="0">
+            <a:scrgbClr r="0" g="0" b="0"/>
+          </a:lnRef>
+          <a:fillRef idx="0">
+            <a:scrgbClr r="0" g="0" b="0"/>
+          </a:fillRef>
+          <a:effectRef idx="0">
+            <a:scrgbClr r="0" g="0" b="0"/>
+          </a:effectRef>
+          <a:fontRef idx="minor">
+            <a:schemeClr val="lt1"/>
+          </a:fontRef>
+        </p:style>
+        <p:txBody>
+          <a:bodyPr rtlCol="0" anchor="ctr"/>
+          <a:lstStyle/>
+          <a:p>
+            <a:pPr algn="ctr"/>
+            <a:endParaRPr lang="zh-CN" altLang="en-US"/>
+          </a:p>
+        </p:txBody>
+      </p:sp>
+      <p:sp>
+        <p:nvSpPr>
+          <p:cNvPr id="17" name="圆角矩形 16"/>
+          <p:cNvSpPr/>
+          <p:nvPr/>
+        </p:nvSpPr>
+        <p:spPr>
+          <a:xfrm>
+            <a:off x="2913612" y="2419004"/>
+            <a:ext cx="1296784" cy="351503"/>
+          </a:xfrm>
+          <a:prstGeom prst="roundRect">
+            <a:avLst/>
+          </a:prstGeom>
+          <a:gradFill flip="none" rotWithShape="1">
+            <a:gsLst>
+              <a:gs pos="0">
+                <a:schemeClr val="accent5">
+                  <a:lumMod val="67000"/>
+                </a:schemeClr>
+              </a:gs>
+              <a:gs pos="48000">
+                <a:schemeClr val="accent5">
+                  <a:lumMod val="97000"/>
+                  <a:lumOff val="3000"/>
+                </a:schemeClr>
+              </a:gs>
+              <a:gs pos="100000">
+                <a:schemeClr val="accent5">
+                  <a:lumMod val="60000"/>
+                  <a:lumOff val="40000"/>
+                </a:schemeClr>
+              </a:gs>
+            </a:gsLst>
+            <a:lin ang="16200000" scaled="1"/>
+            <a:tileRect/>
+          </a:gradFill>
+          <a:ln>
+            <a:noFill/>
+          </a:ln>
+        </p:spPr>
+        <p:style>
+          <a:lnRef idx="0">
+            <a:scrgbClr r="0" g="0" b="0"/>
+          </a:lnRef>
+          <a:fillRef idx="0">
+            <a:scrgbClr r="0" g="0" b="0"/>
+          </a:fillRef>
+          <a:effectRef idx="0">
+            <a:scrgbClr r="0" g="0" b="0"/>
+          </a:effectRef>
+          <a:fontRef idx="minor">
+            <a:schemeClr val="lt1"/>
+          </a:fontRef>
+        </p:style>
+        <p:txBody>
+          <a:bodyPr rtlCol="0" anchor="ctr"/>
+          <a:lstStyle/>
+          <a:p>
+            <a:pPr algn="ctr"/>
+            <a:r>
+              <a:rPr lang="en-US" altLang="zh-CN" dirty="0" smtClean="0"/>
+              <a:t>“A”</a:t>
+            </a:r>
+            <a:endParaRPr lang="zh-CN" altLang="en-US" dirty="0"/>
+          </a:p>
+        </p:txBody>
+      </p:sp>
+      <p:cxnSp>
+        <p:nvCxnSpPr>
+          <p:cNvPr id="19" name="直接箭头连接符 18"/>
+          <p:cNvCxnSpPr>
+            <a:stCxn id="4" idx="3"/>
+            <a:endCxn id="15" idx="2"/>
+          </p:cNvCxnSpPr>
+          <p:nvPr/>
+        </p:nvCxnSpPr>
+        <p:spPr>
+          <a:xfrm flipV="1">
+            <a:off x="2062403" y="2860471"/>
+            <a:ext cx="404329" cy="9206"/>
+          </a:xfrm>
+          <a:prstGeom prst="straightConnector1">
+            <a:avLst/>
+          </a:prstGeom>
+          <a:ln w="28575">
+            <a:tailEnd type="triangle"/>
+          </a:ln>
+        </p:spPr>
+        <p:style>
+          <a:lnRef idx="3">
+            <a:schemeClr val="dk1"/>
+          </a:lnRef>
+          <a:fillRef idx="0">
+            <a:schemeClr val="dk1"/>
+          </a:fillRef>
+          <a:effectRef idx="2">
+            <a:schemeClr val="dk1"/>
+          </a:effectRef>
+          <a:fontRef idx="minor">
+            <a:schemeClr val="tx1"/>
+          </a:fontRef>
+        </p:style>
+      </p:cxnSp>
+      <p:sp>
+        <p:nvSpPr>
+          <p:cNvPr id="21" name="矩形 20"/>
+          <p:cNvSpPr/>
+          <p:nvPr/>
+        </p:nvSpPr>
+        <p:spPr>
+          <a:xfrm>
+            <a:off x="5428209" y="2793076"/>
+            <a:ext cx="1454727" cy="99753"/>
+          </a:xfrm>
+          <a:prstGeom prst="rect">
+            <a:avLst/>
+          </a:prstGeom>
+        </p:spPr>
+        <p:style>
+          <a:lnRef idx="2">
+            <a:schemeClr val="accent1">
+              <a:shade val="50000"/>
+            </a:schemeClr>
+          </a:lnRef>
+          <a:fillRef idx="1">
+            <a:schemeClr val="accent1"/>
+          </a:fillRef>
+          <a:effectRef idx="0">
+            <a:schemeClr val="accent1"/>
+          </a:effectRef>
+          <a:fontRef idx="minor">
+            <a:schemeClr val="lt1"/>
+          </a:fontRef>
+        </p:style>
+        <p:txBody>
+          <a:bodyPr rtlCol="0" anchor="ctr"/>
+          <a:lstStyle/>
+          <a:p>
+            <a:pPr algn="ctr"/>
+            <a:endParaRPr lang="zh-CN" altLang="en-US"/>
+          </a:p>
+        </p:txBody>
+      </p:sp>
+      <p:sp>
+        <p:nvSpPr>
+          <p:cNvPr id="22" name="矩形 21"/>
+          <p:cNvSpPr/>
+          <p:nvPr/>
+        </p:nvSpPr>
+        <p:spPr>
+          <a:xfrm>
+            <a:off x="5336769" y="2585258"/>
+            <a:ext cx="91440" cy="307571"/>
+          </a:xfrm>
+          <a:prstGeom prst="rect">
+            <a:avLst/>
+          </a:prstGeom>
+        </p:spPr>
+        <p:style>
+          <a:lnRef idx="2">
+            <a:schemeClr val="accent1">
+              <a:shade val="50000"/>
+            </a:schemeClr>
+          </a:lnRef>
+          <a:fillRef idx="1">
+            <a:schemeClr val="accent1"/>
+          </a:fillRef>
+          <a:effectRef idx="0">
+            <a:schemeClr val="accent1"/>
+          </a:effectRef>
+          <a:fontRef idx="minor">
+            <a:schemeClr val="lt1"/>
+          </a:fontRef>
+        </p:style>
+        <p:txBody>
+          <a:bodyPr rtlCol="0" anchor="ctr"/>
+          <a:lstStyle/>
+          <a:p>
+            <a:pPr algn="ctr"/>
+            <a:endParaRPr lang="zh-CN" altLang="en-US"/>
+          </a:p>
+        </p:txBody>
+      </p:sp>
+      <p:sp>
+        <p:nvSpPr>
+          <p:cNvPr id="23" name="矩形 22"/>
+          <p:cNvSpPr/>
+          <p:nvPr/>
+        </p:nvSpPr>
+        <p:spPr>
+          <a:xfrm>
+            <a:off x="6882936" y="2585258"/>
+            <a:ext cx="91440" cy="307571"/>
+          </a:xfrm>
+          <a:prstGeom prst="rect">
+            <a:avLst/>
+          </a:prstGeom>
+        </p:spPr>
+        <p:style>
+          <a:lnRef idx="2">
+            <a:schemeClr val="accent1">
+              <a:shade val="50000"/>
+            </a:schemeClr>
+          </a:lnRef>
+          <a:fillRef idx="1">
+            <a:schemeClr val="accent1"/>
+          </a:fillRef>
+          <a:effectRef idx="0">
+            <a:schemeClr val="accent1"/>
+          </a:effectRef>
+          <a:fontRef idx="minor">
+            <a:schemeClr val="lt1"/>
+          </a:fontRef>
+        </p:style>
+        <p:txBody>
+          <a:bodyPr rtlCol="0" anchor="ctr"/>
+          <a:lstStyle/>
+          <a:p>
+            <a:pPr algn="ctr"/>
+            <a:endParaRPr lang="zh-CN" altLang="en-US"/>
+          </a:p>
+        </p:txBody>
+      </p:sp>
+      <p:sp>
+        <p:nvSpPr>
+          <p:cNvPr id="24" name="椭圆 23"/>
+          <p:cNvSpPr/>
+          <p:nvPr/>
+        </p:nvSpPr>
+        <p:spPr>
+          <a:xfrm>
+            <a:off x="5428209" y="2892829"/>
+            <a:ext cx="157942" cy="153201"/>
+          </a:xfrm>
+          <a:prstGeom prst="ellipse">
+            <a:avLst/>
+          </a:prstGeom>
+        </p:spPr>
+        <p:style>
+          <a:lnRef idx="2">
+            <a:schemeClr val="accent6">
+              <a:shade val="50000"/>
+            </a:schemeClr>
+          </a:lnRef>
+          <a:fillRef idx="1">
+            <a:schemeClr val="accent6"/>
+          </a:fillRef>
+          <a:effectRef idx="0">
+            <a:schemeClr val="accent6"/>
+          </a:effectRef>
+          <a:fontRef idx="minor">
+            <a:schemeClr val="lt1"/>
+          </a:fontRef>
+        </p:style>
+        <p:txBody>
+          <a:bodyPr rtlCol="0" anchor="ctr"/>
+          <a:lstStyle/>
+          <a:p>
+            <a:pPr algn="ctr"/>
+            <a:endParaRPr lang="zh-CN" altLang="en-US"/>
+          </a:p>
+        </p:txBody>
+      </p:sp>
+      <p:sp>
+        <p:nvSpPr>
+          <p:cNvPr id="25" name="椭圆 24"/>
+          <p:cNvSpPr/>
+          <p:nvPr/>
+        </p:nvSpPr>
+        <p:spPr>
+          <a:xfrm>
+            <a:off x="5507180" y="2969429"/>
+            <a:ext cx="45719" cy="45719"/>
+          </a:xfrm>
+          <a:prstGeom prst="ellipse">
+            <a:avLst/>
+          </a:prstGeom>
+        </p:spPr>
+        <p:style>
+          <a:lnRef idx="2">
+            <a:schemeClr val="accent2">
+              <a:shade val="50000"/>
+            </a:schemeClr>
+          </a:lnRef>
+          <a:fillRef idx="1">
+            <a:schemeClr val="accent2"/>
+          </a:fillRef>
+          <a:effectRef idx="0">
+            <a:schemeClr val="accent2"/>
+          </a:effectRef>
+          <a:fontRef idx="minor">
+            <a:schemeClr val="lt1"/>
+          </a:fontRef>
+        </p:style>
+        <p:txBody>
+          <a:bodyPr rtlCol="0" anchor="ctr"/>
+          <a:lstStyle/>
+          <a:p>
+            <a:pPr algn="ctr"/>
+            <a:endParaRPr lang="zh-CN" altLang="en-US"/>
+          </a:p>
+        </p:txBody>
+      </p:sp>
+      <p:sp>
+        <p:nvSpPr>
+          <p:cNvPr id="26" name="椭圆 25"/>
+          <p:cNvSpPr/>
+          <p:nvPr/>
+        </p:nvSpPr>
+        <p:spPr>
+          <a:xfrm>
+            <a:off x="6089917" y="2892829"/>
+            <a:ext cx="157942" cy="153201"/>
+          </a:xfrm>
+          <a:prstGeom prst="ellipse">
+            <a:avLst/>
+          </a:prstGeom>
+        </p:spPr>
+        <p:style>
+          <a:lnRef idx="2">
+            <a:schemeClr val="accent6">
+              <a:shade val="50000"/>
+            </a:schemeClr>
+          </a:lnRef>
+          <a:fillRef idx="1">
+            <a:schemeClr val="accent6"/>
+          </a:fillRef>
+          <a:effectRef idx="0">
+            <a:schemeClr val="accent6"/>
+          </a:effectRef>
+          <a:fontRef idx="minor">
+            <a:schemeClr val="lt1"/>
+          </a:fontRef>
+        </p:style>
+        <p:txBody>
+          <a:bodyPr rtlCol="0" anchor="ctr"/>
+          <a:lstStyle/>
+          <a:p>
+            <a:pPr algn="ctr"/>
+            <a:endParaRPr lang="zh-CN" altLang="en-US"/>
+          </a:p>
+        </p:txBody>
+      </p:sp>
+      <p:sp>
+        <p:nvSpPr>
+          <p:cNvPr id="27" name="椭圆 26"/>
+          <p:cNvSpPr/>
+          <p:nvPr/>
+        </p:nvSpPr>
+        <p:spPr>
+          <a:xfrm>
+            <a:off x="6168888" y="2969429"/>
+            <a:ext cx="45719" cy="45719"/>
+          </a:xfrm>
+          <a:prstGeom prst="ellipse">
+            <a:avLst/>
+          </a:prstGeom>
+        </p:spPr>
+        <p:style>
+          <a:lnRef idx="2">
+            <a:schemeClr val="accent2">
+              <a:shade val="50000"/>
+            </a:schemeClr>
+          </a:lnRef>
+          <a:fillRef idx="1">
+            <a:schemeClr val="accent2"/>
+          </a:fillRef>
+          <a:effectRef idx="0">
+            <a:schemeClr val="accent2"/>
+          </a:effectRef>
+          <a:fontRef idx="minor">
+            <a:schemeClr val="lt1"/>
+          </a:fontRef>
+        </p:style>
+        <p:txBody>
+          <a:bodyPr rtlCol="0" anchor="ctr"/>
+          <a:lstStyle/>
+          <a:p>
+            <a:pPr algn="ctr"/>
+            <a:endParaRPr lang="zh-CN" altLang="en-US"/>
+          </a:p>
+        </p:txBody>
+      </p:sp>
+      <p:sp>
+        <p:nvSpPr>
+          <p:cNvPr id="28" name="椭圆 27"/>
+          <p:cNvSpPr/>
+          <p:nvPr/>
+        </p:nvSpPr>
+        <p:spPr>
+          <a:xfrm>
+            <a:off x="6724994" y="2901142"/>
+            <a:ext cx="157942" cy="153201"/>
+          </a:xfrm>
+          <a:prstGeom prst="ellipse">
+            <a:avLst/>
+          </a:prstGeom>
+        </p:spPr>
+        <p:style>
+          <a:lnRef idx="2">
+            <a:schemeClr val="accent6">
+              <a:shade val="50000"/>
+            </a:schemeClr>
+          </a:lnRef>
+          <a:fillRef idx="1">
+            <a:schemeClr val="accent6"/>
+          </a:fillRef>
+          <a:effectRef idx="0">
+            <a:schemeClr val="accent6"/>
+          </a:effectRef>
+          <a:fontRef idx="minor">
+            <a:schemeClr val="lt1"/>
+          </a:fontRef>
+        </p:style>
+        <p:txBody>
+          <a:bodyPr rtlCol="0" anchor="ctr"/>
+          <a:lstStyle/>
+          <a:p>
+            <a:pPr algn="ctr"/>
+            <a:endParaRPr lang="zh-CN" altLang="en-US"/>
+          </a:p>
+        </p:txBody>
+      </p:sp>
+      <p:sp>
+        <p:nvSpPr>
+          <p:cNvPr id="29" name="椭圆 28"/>
+          <p:cNvSpPr/>
+          <p:nvPr/>
+        </p:nvSpPr>
+        <p:spPr>
+          <a:xfrm>
+            <a:off x="6803965" y="2977742"/>
+            <a:ext cx="45719" cy="45719"/>
+          </a:xfrm>
+          <a:prstGeom prst="ellipse">
+            <a:avLst/>
+          </a:prstGeom>
+        </p:spPr>
+        <p:style>
+          <a:lnRef idx="2">
+            <a:schemeClr val="accent2">
+              <a:shade val="50000"/>
+            </a:schemeClr>
+          </a:lnRef>
+          <a:fillRef idx="1">
+            <a:schemeClr val="accent2"/>
+          </a:fillRef>
+          <a:effectRef idx="0">
+            <a:schemeClr val="accent2"/>
+          </a:effectRef>
+          <a:fontRef idx="minor">
+            <a:schemeClr val="lt1"/>
+          </a:fontRef>
+        </p:style>
+        <p:txBody>
+          <a:bodyPr rtlCol="0" anchor="ctr"/>
+          <a:lstStyle/>
+          <a:p>
+            <a:pPr algn="ctr"/>
+            <a:endParaRPr lang="zh-CN" altLang="en-US"/>
+          </a:p>
+        </p:txBody>
+      </p:sp>
+      <p:sp>
+        <p:nvSpPr>
+          <p:cNvPr id="30" name="加号 29"/>
+          <p:cNvSpPr/>
+          <p:nvPr/>
+        </p:nvSpPr>
+        <p:spPr>
+          <a:xfrm>
+            <a:off x="5025042" y="2734887"/>
+            <a:ext cx="266007" cy="234542"/>
+          </a:xfrm>
+          <a:prstGeom prst="mathPlus">
+            <a:avLst/>
+          </a:prstGeom>
+          <a:solidFill>
+            <a:schemeClr val="accent2"/>
+          </a:solidFill>
+          <a:ln>
+            <a:noFill/>
+          </a:ln>
+        </p:spPr>
+        <p:style>
+          <a:lnRef idx="0">
+            <a:scrgbClr r="0" g="0" b="0"/>
+          </a:lnRef>
+          <a:fillRef idx="0">
+            <a:scrgbClr r="0" g="0" b="0"/>
+          </a:fillRef>
+          <a:effectRef idx="0">
+            <a:scrgbClr r="0" g="0" b="0"/>
+          </a:effectRef>
+          <a:fontRef idx="minor">
+            <a:schemeClr val="lt1"/>
+          </a:fontRef>
+        </p:style>
+        <p:txBody>
+          <a:bodyPr rtlCol="0" anchor="ctr"/>
+          <a:lstStyle/>
+          <a:p>
+            <a:pPr algn="ctr"/>
+            <a:endParaRPr lang="zh-CN" altLang="en-US"/>
+          </a:p>
+        </p:txBody>
+      </p:sp>
+      <p:sp>
+        <p:nvSpPr>
+          <p:cNvPr id="31" name="加号 30"/>
+          <p:cNvSpPr/>
+          <p:nvPr/>
+        </p:nvSpPr>
+        <p:spPr>
+          <a:xfrm>
+            <a:off x="7020096" y="2734887"/>
+            <a:ext cx="266007" cy="234542"/>
+          </a:xfrm>
+          <a:prstGeom prst="mathPlus">
+            <a:avLst/>
+          </a:prstGeom>
+          <a:gradFill flip="none" rotWithShape="1">
+            <a:gsLst>
+              <a:gs pos="0">
+                <a:schemeClr val="accent2">
+                  <a:lumMod val="67000"/>
+                </a:schemeClr>
+              </a:gs>
+              <a:gs pos="48000">
+                <a:schemeClr val="accent2">
+                  <a:lumMod val="97000"/>
+                  <a:lumOff val="3000"/>
+                </a:schemeClr>
+              </a:gs>
+              <a:gs pos="100000">
+                <a:schemeClr val="accent2">
+                  <a:lumMod val="60000"/>
+                  <a:lumOff val="40000"/>
+                </a:schemeClr>
+              </a:gs>
+            </a:gsLst>
+            <a:lin ang="16200000" scaled="1"/>
+            <a:tileRect/>
+          </a:gradFill>
+          <a:ln>
+            <a:noFill/>
+          </a:ln>
+        </p:spPr>
+        <p:style>
+          <a:lnRef idx="0">
+            <a:scrgbClr r="0" g="0" b="0"/>
+          </a:lnRef>
+          <a:fillRef idx="0">
+            <a:scrgbClr r="0" g="0" b="0"/>
+          </a:fillRef>
+          <a:effectRef idx="0">
+            <a:scrgbClr r="0" g="0" b="0"/>
+          </a:effectRef>
+          <a:fontRef idx="minor">
+            <a:schemeClr val="lt1"/>
+          </a:fontRef>
+        </p:style>
+        <p:txBody>
+          <a:bodyPr rtlCol="0" anchor="ctr"/>
+          <a:lstStyle/>
+          <a:p>
+            <a:pPr algn="ctr"/>
+            <a:endParaRPr lang="zh-CN" altLang="en-US"/>
+          </a:p>
+        </p:txBody>
+      </p:sp>
+      <p:sp>
+        <p:nvSpPr>
+          <p:cNvPr id="32" name="圆角矩形 31"/>
+          <p:cNvSpPr/>
+          <p:nvPr/>
+        </p:nvSpPr>
+        <p:spPr>
+          <a:xfrm>
+            <a:off x="5507181" y="2410691"/>
+            <a:ext cx="1296784" cy="351503"/>
+          </a:xfrm>
+          <a:prstGeom prst="roundRect">
+            <a:avLst/>
+          </a:prstGeom>
+          <a:gradFill flip="none" rotWithShape="1">
+            <a:gsLst>
+              <a:gs pos="0">
+                <a:schemeClr val="accent5">
+                  <a:lumMod val="67000"/>
+                </a:schemeClr>
+              </a:gs>
+              <a:gs pos="48000">
+                <a:schemeClr val="accent5">
+                  <a:lumMod val="97000"/>
+                  <a:lumOff val="3000"/>
+                </a:schemeClr>
+              </a:gs>
+              <a:gs pos="100000">
+                <a:schemeClr val="accent5">
+                  <a:lumMod val="60000"/>
+                  <a:lumOff val="40000"/>
+                </a:schemeClr>
+              </a:gs>
+            </a:gsLst>
+            <a:lin ang="16200000" scaled="1"/>
+            <a:tileRect/>
+          </a:gradFill>
+          <a:ln>
+            <a:noFill/>
+          </a:ln>
+        </p:spPr>
+        <p:style>
+          <a:lnRef idx="0">
+            <a:scrgbClr r="0" g="0" b="0"/>
+          </a:lnRef>
+          <a:fillRef idx="0">
+            <a:scrgbClr r="0" g="0" b="0"/>
+          </a:fillRef>
+          <a:effectRef idx="0">
+            <a:scrgbClr r="0" g="0" b="0"/>
+          </a:effectRef>
+          <a:fontRef idx="minor">
+            <a:schemeClr val="lt1"/>
+          </a:fontRef>
+        </p:style>
+        <p:txBody>
+          <a:bodyPr rtlCol="0" anchor="ctr"/>
+          <a:lstStyle/>
+          <a:p>
+            <a:pPr algn="ctr"/>
+            <a:r>
+              <a:rPr lang="en-US" altLang="zh-CN" dirty="0" smtClean="0"/>
+              <a:t>“B”</a:t>
+            </a:r>
+            <a:endParaRPr lang="zh-CN" altLang="en-US" dirty="0"/>
+          </a:p>
+        </p:txBody>
+      </p:sp>
+      <p:cxnSp>
+        <p:nvCxnSpPr>
+          <p:cNvPr id="33" name="直接箭头连接符 32"/>
+          <p:cNvCxnSpPr>
+            <a:endCxn id="30" idx="2"/>
+          </p:cNvCxnSpPr>
+          <p:nvPr/>
+        </p:nvCxnSpPr>
+        <p:spPr>
+          <a:xfrm flipV="1">
+            <a:off x="4655972" y="2852158"/>
+            <a:ext cx="404329" cy="9206"/>
+          </a:xfrm>
+          <a:prstGeom prst="straightConnector1">
+            <a:avLst/>
+          </a:prstGeom>
+          <a:ln w="28575">
+            <a:tailEnd type="triangle"/>
+          </a:ln>
+        </p:spPr>
+        <p:style>
+          <a:lnRef idx="3">
+            <a:schemeClr val="dk1"/>
+          </a:lnRef>
+          <a:fillRef idx="0">
+            <a:schemeClr val="dk1"/>
+          </a:fillRef>
+          <a:effectRef idx="2">
+            <a:schemeClr val="dk1"/>
+          </a:effectRef>
+          <a:fontRef idx="minor">
+            <a:schemeClr val="tx1"/>
+          </a:fontRef>
+        </p:style>
+      </p:cxnSp>
+      <p:sp>
+        <p:nvSpPr>
+          <p:cNvPr id="34" name="矩形 33"/>
+          <p:cNvSpPr/>
+          <p:nvPr/>
+        </p:nvSpPr>
+        <p:spPr>
+          <a:xfrm>
+            <a:off x="8021778" y="2774082"/>
+            <a:ext cx="1454727" cy="99753"/>
+          </a:xfrm>
+          <a:prstGeom prst="rect">
+            <a:avLst/>
+          </a:prstGeom>
+        </p:spPr>
+        <p:style>
+          <a:lnRef idx="2">
+            <a:schemeClr val="accent1">
+              <a:shade val="50000"/>
+            </a:schemeClr>
+          </a:lnRef>
+          <a:fillRef idx="1">
+            <a:schemeClr val="accent1"/>
+          </a:fillRef>
+          <a:effectRef idx="0">
+            <a:schemeClr val="accent1"/>
+          </a:effectRef>
+          <a:fontRef idx="minor">
+            <a:schemeClr val="lt1"/>
+          </a:fontRef>
+        </p:style>
+        <p:txBody>
+          <a:bodyPr rtlCol="0" anchor="ctr"/>
+          <a:lstStyle/>
+          <a:p>
+            <a:pPr algn="ctr"/>
+            <a:endParaRPr lang="zh-CN" altLang="en-US"/>
+          </a:p>
+        </p:txBody>
+      </p:sp>
+      <p:sp>
+        <p:nvSpPr>
+          <p:cNvPr id="35" name="矩形 34"/>
+          <p:cNvSpPr/>
+          <p:nvPr/>
+        </p:nvSpPr>
+        <p:spPr>
+          <a:xfrm>
+            <a:off x="7930338" y="2566264"/>
+            <a:ext cx="91440" cy="307571"/>
+          </a:xfrm>
+          <a:prstGeom prst="rect">
+            <a:avLst/>
+          </a:prstGeom>
+        </p:spPr>
+        <p:style>
+          <a:lnRef idx="2">
+            <a:schemeClr val="accent1">
+              <a:shade val="50000"/>
+            </a:schemeClr>
+          </a:lnRef>
+          <a:fillRef idx="1">
+            <a:schemeClr val="accent1"/>
+          </a:fillRef>
+          <a:effectRef idx="0">
+            <a:schemeClr val="accent1"/>
+          </a:effectRef>
+          <a:fontRef idx="minor">
+            <a:schemeClr val="lt1"/>
+          </a:fontRef>
+        </p:style>
+        <p:txBody>
+          <a:bodyPr rtlCol="0" anchor="ctr"/>
+          <a:lstStyle/>
+          <a:p>
+            <a:pPr algn="ctr"/>
+            <a:endParaRPr lang="zh-CN" altLang="en-US"/>
+          </a:p>
+        </p:txBody>
+      </p:sp>
+      <p:sp>
+        <p:nvSpPr>
+          <p:cNvPr id="36" name="矩形 35"/>
+          <p:cNvSpPr/>
+          <p:nvPr/>
+        </p:nvSpPr>
+        <p:spPr>
+          <a:xfrm>
+            <a:off x="9476505" y="2566264"/>
+            <a:ext cx="91440" cy="307571"/>
+          </a:xfrm>
+          <a:prstGeom prst="rect">
+            <a:avLst/>
+          </a:prstGeom>
+        </p:spPr>
+        <p:style>
+          <a:lnRef idx="2">
+            <a:schemeClr val="accent1">
+              <a:shade val="50000"/>
+            </a:schemeClr>
+          </a:lnRef>
+          <a:fillRef idx="1">
+            <a:schemeClr val="accent1"/>
+          </a:fillRef>
+          <a:effectRef idx="0">
+            <a:schemeClr val="accent1"/>
+          </a:effectRef>
+          <a:fontRef idx="minor">
+            <a:schemeClr val="lt1"/>
+          </a:fontRef>
+        </p:style>
+        <p:txBody>
+          <a:bodyPr rtlCol="0" anchor="ctr"/>
+          <a:lstStyle/>
+          <a:p>
+            <a:pPr algn="ctr"/>
+            <a:endParaRPr lang="zh-CN" altLang="en-US"/>
+          </a:p>
+        </p:txBody>
+      </p:sp>
+      <p:sp>
+        <p:nvSpPr>
+          <p:cNvPr id="37" name="椭圆 36"/>
+          <p:cNvSpPr/>
+          <p:nvPr/>
+        </p:nvSpPr>
+        <p:spPr>
+          <a:xfrm>
+            <a:off x="8021778" y="2873835"/>
+            <a:ext cx="157942" cy="153201"/>
+          </a:xfrm>
+          <a:prstGeom prst="ellipse">
+            <a:avLst/>
+          </a:prstGeom>
+        </p:spPr>
+        <p:style>
+          <a:lnRef idx="2">
+            <a:schemeClr val="accent6">
+              <a:shade val="50000"/>
+            </a:schemeClr>
+          </a:lnRef>
+          <a:fillRef idx="1">
+            <a:schemeClr val="accent6"/>
+          </a:fillRef>
+          <a:effectRef idx="0">
+            <a:schemeClr val="accent6"/>
+          </a:effectRef>
+          <a:fontRef idx="minor">
+            <a:schemeClr val="lt1"/>
+          </a:fontRef>
+        </p:style>
+        <p:txBody>
+          <a:bodyPr rtlCol="0" anchor="ctr"/>
+          <a:lstStyle/>
+          <a:p>
+            <a:pPr algn="ctr"/>
+            <a:endParaRPr lang="zh-CN" altLang="en-US"/>
+          </a:p>
+        </p:txBody>
+      </p:sp>
+      <p:sp>
+        <p:nvSpPr>
+          <p:cNvPr id="38" name="椭圆 37"/>
+          <p:cNvSpPr/>
+          <p:nvPr/>
+        </p:nvSpPr>
+        <p:spPr>
+          <a:xfrm>
+            <a:off x="8100749" y="2950435"/>
+            <a:ext cx="45719" cy="45719"/>
+          </a:xfrm>
+          <a:prstGeom prst="ellipse">
+            <a:avLst/>
+          </a:prstGeom>
+        </p:spPr>
+        <p:style>
+          <a:lnRef idx="2">
+            <a:schemeClr val="accent2">
+              <a:shade val="50000"/>
+            </a:schemeClr>
+          </a:lnRef>
+          <a:fillRef idx="1">
+            <a:schemeClr val="accent2"/>
+          </a:fillRef>
+          <a:effectRef idx="0">
+            <a:schemeClr val="accent2"/>
+          </a:effectRef>
+          <a:fontRef idx="minor">
+            <a:schemeClr val="lt1"/>
+          </a:fontRef>
+        </p:style>
+        <p:txBody>
+          <a:bodyPr rtlCol="0" anchor="ctr"/>
+          <a:lstStyle/>
+          <a:p>
+            <a:pPr algn="ctr"/>
+            <a:endParaRPr lang="zh-CN" altLang="en-US"/>
+          </a:p>
+        </p:txBody>
+      </p:sp>
+      <p:sp>
+        <p:nvSpPr>
+          <p:cNvPr id="39" name="椭圆 38"/>
+          <p:cNvSpPr/>
+          <p:nvPr/>
+        </p:nvSpPr>
+        <p:spPr>
+          <a:xfrm>
+            <a:off x="8683486" y="2873835"/>
+            <a:ext cx="157942" cy="153201"/>
+          </a:xfrm>
+          <a:prstGeom prst="ellipse">
+            <a:avLst/>
+          </a:prstGeom>
+        </p:spPr>
+        <p:style>
+          <a:lnRef idx="2">
+            <a:schemeClr val="accent6">
+              <a:shade val="50000"/>
+            </a:schemeClr>
+          </a:lnRef>
+          <a:fillRef idx="1">
+            <a:schemeClr val="accent6"/>
+          </a:fillRef>
+          <a:effectRef idx="0">
+            <a:schemeClr val="accent6"/>
+          </a:effectRef>
+          <a:fontRef idx="minor">
+            <a:schemeClr val="lt1"/>
+          </a:fontRef>
+        </p:style>
+        <p:txBody>
+          <a:bodyPr rtlCol="0" anchor="ctr"/>
+          <a:lstStyle/>
+          <a:p>
+            <a:pPr algn="ctr"/>
+            <a:endParaRPr lang="zh-CN" altLang="en-US"/>
+          </a:p>
+        </p:txBody>
+      </p:sp>
+      <p:sp>
+        <p:nvSpPr>
+          <p:cNvPr id="40" name="椭圆 39"/>
+          <p:cNvSpPr/>
+          <p:nvPr/>
+        </p:nvSpPr>
+        <p:spPr>
+          <a:xfrm>
+            <a:off x="8762457" y="2950435"/>
+            <a:ext cx="45719" cy="45719"/>
+          </a:xfrm>
+          <a:prstGeom prst="ellipse">
+            <a:avLst/>
+          </a:prstGeom>
+        </p:spPr>
+        <p:style>
+          <a:lnRef idx="2">
+            <a:schemeClr val="accent2">
+              <a:shade val="50000"/>
+            </a:schemeClr>
+          </a:lnRef>
+          <a:fillRef idx="1">
+            <a:schemeClr val="accent2"/>
+          </a:fillRef>
+          <a:effectRef idx="0">
+            <a:schemeClr val="accent2"/>
+          </a:effectRef>
+          <a:fontRef idx="minor">
+            <a:schemeClr val="lt1"/>
+          </a:fontRef>
+        </p:style>
+        <p:txBody>
+          <a:bodyPr rtlCol="0" anchor="ctr"/>
+          <a:lstStyle/>
+          <a:p>
+            <a:pPr algn="ctr"/>
+            <a:endParaRPr lang="zh-CN" altLang="en-US"/>
+          </a:p>
+        </p:txBody>
+      </p:sp>
+      <p:sp>
+        <p:nvSpPr>
+          <p:cNvPr id="41" name="椭圆 40"/>
+          <p:cNvSpPr/>
+          <p:nvPr/>
+        </p:nvSpPr>
+        <p:spPr>
+          <a:xfrm>
+            <a:off x="9318563" y="2882148"/>
+            <a:ext cx="157942" cy="153201"/>
+          </a:xfrm>
+          <a:prstGeom prst="ellipse">
+            <a:avLst/>
+          </a:prstGeom>
+        </p:spPr>
+        <p:style>
+          <a:lnRef idx="2">
+            <a:schemeClr val="accent6">
+              <a:shade val="50000"/>
+            </a:schemeClr>
+          </a:lnRef>
+          <a:fillRef idx="1">
+            <a:schemeClr val="accent6"/>
+          </a:fillRef>
+          <a:effectRef idx="0">
+            <a:schemeClr val="accent6"/>
+          </a:effectRef>
+          <a:fontRef idx="minor">
+            <a:schemeClr val="lt1"/>
+          </a:fontRef>
+        </p:style>
+        <p:txBody>
+          <a:bodyPr rtlCol="0" anchor="ctr"/>
+          <a:lstStyle/>
+          <a:p>
+            <a:pPr algn="ctr"/>
+            <a:endParaRPr lang="zh-CN" altLang="en-US"/>
+          </a:p>
+        </p:txBody>
+      </p:sp>
+      <p:sp>
+        <p:nvSpPr>
+          <p:cNvPr id="42" name="椭圆 41"/>
+          <p:cNvSpPr/>
+          <p:nvPr/>
+        </p:nvSpPr>
+        <p:spPr>
+          <a:xfrm>
+            <a:off x="9397534" y="2958748"/>
+            <a:ext cx="45719" cy="45719"/>
+          </a:xfrm>
+          <a:prstGeom prst="ellipse">
+            <a:avLst/>
+          </a:prstGeom>
+        </p:spPr>
+        <p:style>
+          <a:lnRef idx="2">
+            <a:schemeClr val="accent2">
+              <a:shade val="50000"/>
+            </a:schemeClr>
+          </a:lnRef>
+          <a:fillRef idx="1">
+            <a:schemeClr val="accent2"/>
+          </a:fillRef>
+          <a:effectRef idx="0">
+            <a:schemeClr val="accent2"/>
+          </a:effectRef>
+          <a:fontRef idx="minor">
+            <a:schemeClr val="lt1"/>
+          </a:fontRef>
+        </p:style>
+        <p:txBody>
+          <a:bodyPr rtlCol="0" anchor="ctr"/>
+          <a:lstStyle/>
+          <a:p>
+            <a:pPr algn="ctr"/>
+            <a:endParaRPr lang="zh-CN" altLang="en-US"/>
+          </a:p>
+        </p:txBody>
+      </p:sp>
+      <p:sp>
+        <p:nvSpPr>
+          <p:cNvPr id="43" name="加号 42"/>
+          <p:cNvSpPr/>
+          <p:nvPr/>
+        </p:nvSpPr>
+        <p:spPr>
+          <a:xfrm>
+            <a:off x="7618611" y="2715893"/>
+            <a:ext cx="266007" cy="234542"/>
+          </a:xfrm>
+          <a:prstGeom prst="mathPlus">
+            <a:avLst/>
+          </a:prstGeom>
+          <a:solidFill>
+            <a:schemeClr val="accent2"/>
+          </a:solidFill>
+          <a:ln>
+            <a:noFill/>
+          </a:ln>
+        </p:spPr>
+        <p:style>
+          <a:lnRef idx="0">
+            <a:scrgbClr r="0" g="0" b="0"/>
+          </a:lnRef>
+          <a:fillRef idx="0">
+            <a:scrgbClr r="0" g="0" b="0"/>
+          </a:fillRef>
+          <a:effectRef idx="0">
+            <a:scrgbClr r="0" g="0" b="0"/>
+          </a:effectRef>
+          <a:fontRef idx="minor">
+            <a:schemeClr val="lt1"/>
+          </a:fontRef>
+        </p:style>
+        <p:txBody>
+          <a:bodyPr rtlCol="0" anchor="ctr"/>
+          <a:lstStyle/>
+          <a:p>
+            <a:pPr algn="ctr"/>
+            <a:endParaRPr lang="zh-CN" altLang="en-US"/>
+          </a:p>
+        </p:txBody>
+      </p:sp>
+      <p:sp>
+        <p:nvSpPr>
+          <p:cNvPr id="44" name="加号 43"/>
+          <p:cNvSpPr/>
+          <p:nvPr/>
+        </p:nvSpPr>
+        <p:spPr>
+          <a:xfrm>
+            <a:off x="9613665" y="2715893"/>
+            <a:ext cx="266007" cy="234542"/>
+          </a:xfrm>
+          <a:prstGeom prst="mathPlus">
+            <a:avLst/>
+          </a:prstGeom>
+          <a:gradFill flip="none" rotWithShape="1">
+            <a:gsLst>
+              <a:gs pos="0">
+                <a:schemeClr val="accent2">
+                  <a:lumMod val="67000"/>
+                </a:schemeClr>
+              </a:gs>
+              <a:gs pos="48000">
+                <a:schemeClr val="accent2">
+                  <a:lumMod val="97000"/>
+                  <a:lumOff val="3000"/>
+                </a:schemeClr>
+              </a:gs>
+              <a:gs pos="100000">
+                <a:schemeClr val="accent2">
+                  <a:lumMod val="60000"/>
+                  <a:lumOff val="40000"/>
+                </a:schemeClr>
+              </a:gs>
+            </a:gsLst>
+            <a:lin ang="16200000" scaled="1"/>
+            <a:tileRect/>
+          </a:gradFill>
+          <a:ln>
+            <a:noFill/>
+          </a:ln>
+        </p:spPr>
+        <p:style>
+          <a:lnRef idx="0">
+            <a:scrgbClr r="0" g="0" b="0"/>
+          </a:lnRef>
+          <a:fillRef idx="0">
+            <a:scrgbClr r="0" g="0" b="0"/>
+          </a:fillRef>
+          <a:effectRef idx="0">
+            <a:scrgbClr r="0" g="0" b="0"/>
+          </a:effectRef>
+          <a:fontRef idx="minor">
+            <a:schemeClr val="lt1"/>
+          </a:fontRef>
+        </p:style>
+        <p:txBody>
+          <a:bodyPr rtlCol="0" anchor="ctr"/>
+          <a:lstStyle/>
+          <a:p>
+            <a:pPr algn="ctr"/>
+            <a:endParaRPr lang="zh-CN" altLang="en-US"/>
+          </a:p>
+        </p:txBody>
+      </p:sp>
+      <p:sp>
+        <p:nvSpPr>
+          <p:cNvPr id="45" name="圆角矩形 44"/>
+          <p:cNvSpPr/>
+          <p:nvPr/>
+        </p:nvSpPr>
+        <p:spPr>
+          <a:xfrm>
+            <a:off x="8100750" y="2391697"/>
+            <a:ext cx="1296784" cy="351503"/>
+          </a:xfrm>
+          <a:prstGeom prst="roundRect">
+            <a:avLst/>
+          </a:prstGeom>
+          <a:gradFill flip="none" rotWithShape="1">
+            <a:gsLst>
+              <a:gs pos="0">
+                <a:schemeClr val="accent5">
+                  <a:lumMod val="67000"/>
+                </a:schemeClr>
+              </a:gs>
+              <a:gs pos="48000">
+                <a:schemeClr val="accent5">
+                  <a:lumMod val="97000"/>
+                  <a:lumOff val="3000"/>
+                </a:schemeClr>
+              </a:gs>
+              <a:gs pos="100000">
+                <a:schemeClr val="accent5">
+                  <a:lumMod val="60000"/>
+                  <a:lumOff val="40000"/>
+                </a:schemeClr>
+              </a:gs>
+            </a:gsLst>
+            <a:lin ang="16200000" scaled="1"/>
+            <a:tileRect/>
+          </a:gradFill>
+          <a:ln>
+            <a:noFill/>
+          </a:ln>
+        </p:spPr>
+        <p:style>
+          <a:lnRef idx="0">
+            <a:scrgbClr r="0" g="0" b="0"/>
+          </a:lnRef>
+          <a:fillRef idx="0">
+            <a:scrgbClr r="0" g="0" b="0"/>
+          </a:fillRef>
+          <a:effectRef idx="0">
+            <a:scrgbClr r="0" g="0" b="0"/>
+          </a:effectRef>
+          <a:fontRef idx="minor">
+            <a:schemeClr val="lt1"/>
+          </a:fontRef>
+        </p:style>
+        <p:txBody>
+          <a:bodyPr rtlCol="0" anchor="ctr"/>
+          <a:lstStyle/>
+          <a:p>
+            <a:pPr algn="ctr"/>
+            <a:r>
+              <a:rPr lang="en-US" altLang="zh-CN" dirty="0" smtClean="0"/>
+              <a:t>“C”</a:t>
+            </a:r>
+            <a:endParaRPr lang="zh-CN" altLang="en-US" dirty="0"/>
+          </a:p>
+        </p:txBody>
+      </p:sp>
+      <p:cxnSp>
+        <p:nvCxnSpPr>
+          <p:cNvPr id="46" name="直接箭头连接符 45"/>
+          <p:cNvCxnSpPr>
+            <a:endCxn id="43" idx="2"/>
+          </p:cNvCxnSpPr>
+          <p:nvPr/>
+        </p:nvCxnSpPr>
+        <p:spPr>
+          <a:xfrm flipV="1">
+            <a:off x="7249541" y="2833164"/>
+            <a:ext cx="404329" cy="9206"/>
+          </a:xfrm>
+          <a:prstGeom prst="straightConnector1">
+            <a:avLst/>
+          </a:prstGeom>
+          <a:ln w="28575">
+            <a:tailEnd type="triangle"/>
+          </a:ln>
+        </p:spPr>
+        <p:style>
+          <a:lnRef idx="3">
+            <a:schemeClr val="dk1"/>
+          </a:lnRef>
+          <a:fillRef idx="0">
+            <a:schemeClr val="dk1"/>
+          </a:fillRef>
+          <a:effectRef idx="2">
+            <a:schemeClr val="dk1"/>
+          </a:effectRef>
+          <a:fontRef idx="minor">
+            <a:schemeClr val="tx1"/>
+          </a:fontRef>
+        </p:style>
+      </p:cxnSp>
+      <p:sp>
+        <p:nvSpPr>
+          <p:cNvPr id="49" name="文本框 48"/>
+          <p:cNvSpPr txBox="1"/>
+          <p:nvPr/>
+        </p:nvSpPr>
+        <p:spPr>
+          <a:xfrm>
+            <a:off x="8841428" y="3137765"/>
+            <a:ext cx="604653" cy="369332"/>
+          </a:xfrm>
+          <a:prstGeom prst="rect">
+            <a:avLst/>
+          </a:prstGeom>
+          <a:noFill/>
+        </p:spPr>
+        <p:txBody>
+          <a:bodyPr wrap="none" rtlCol="0">
+            <a:spAutoFit/>
+          </a:bodyPr>
+          <a:lstStyle/>
+          <a:p>
+            <a:r>
+              <a:rPr lang="en-US" altLang="zh-CN" dirty="0" smtClean="0"/>
+              <a:t>next</a:t>
+            </a:r>
+            <a:endParaRPr lang="zh-CN" altLang="en-US" dirty="0"/>
+          </a:p>
+        </p:txBody>
+      </p:sp>
+      <p:sp>
+        <p:nvSpPr>
+          <p:cNvPr id="48" name="上箭头 47"/>
+          <p:cNvSpPr/>
+          <p:nvPr/>
+        </p:nvSpPr>
+        <p:spPr>
+          <a:xfrm rot="10800000">
+            <a:off x="3426459" y="3154096"/>
+            <a:ext cx="271088" cy="461297"/>
+          </a:xfrm>
+          <a:prstGeom prst="upArrow">
+            <a:avLst/>
+          </a:prstGeom>
+        </p:spPr>
+        <p:style>
+          <a:lnRef idx="2">
+            <a:schemeClr val="accent1">
+              <a:shade val="50000"/>
+            </a:schemeClr>
+          </a:lnRef>
+          <a:fillRef idx="1">
+            <a:schemeClr val="accent1"/>
+          </a:fillRef>
+          <a:effectRef idx="0">
+            <a:schemeClr val="accent1"/>
+          </a:effectRef>
+          <a:fontRef idx="minor">
+            <a:schemeClr val="lt1"/>
+          </a:fontRef>
+        </p:style>
+        <p:txBody>
+          <a:bodyPr rtlCol="0" anchor="ctr"/>
+          <a:lstStyle/>
+          <a:p>
+            <a:pPr algn="ctr"/>
+            <a:endParaRPr lang="zh-CN" altLang="en-US"/>
+          </a:p>
+        </p:txBody>
+      </p:sp>
+      <p:sp>
+        <p:nvSpPr>
+          <p:cNvPr id="52" name="文本框 51"/>
+          <p:cNvSpPr txBox="1"/>
+          <p:nvPr/>
+        </p:nvSpPr>
+        <p:spPr>
+          <a:xfrm>
+            <a:off x="3103382" y="3735749"/>
+            <a:ext cx="917239" cy="307777"/>
+          </a:xfrm>
+          <a:prstGeom prst="rect">
+            <a:avLst/>
+          </a:prstGeom>
+          <a:noFill/>
+        </p:spPr>
+        <p:txBody>
+          <a:bodyPr wrap="none" rtlCol="0">
+            <a:spAutoFit/>
+          </a:bodyPr>
+          <a:lstStyle/>
+          <a:p>
+            <a:r>
+              <a:rPr lang="en-US" altLang="zh-CN" sz="1400" dirty="0" smtClean="0"/>
+              <a:t>Index = 1</a:t>
+            </a:r>
+            <a:endParaRPr lang="zh-CN" altLang="en-US" sz="1400" dirty="0"/>
+          </a:p>
+        </p:txBody>
+      </p:sp>
+      <p:sp>
+        <p:nvSpPr>
+          <p:cNvPr id="61" name="文本框 60"/>
+          <p:cNvSpPr txBox="1"/>
+          <p:nvPr/>
+        </p:nvSpPr>
+        <p:spPr>
+          <a:xfrm>
+            <a:off x="10310909" y="2654129"/>
+            <a:ext cx="631904" cy="369332"/>
+          </a:xfrm>
+          <a:prstGeom prst="rect">
+            <a:avLst/>
+          </a:prstGeom>
+          <a:noFill/>
+        </p:spPr>
+        <p:txBody>
+          <a:bodyPr wrap="none" rtlCol="0">
+            <a:spAutoFit/>
+          </a:bodyPr>
+          <a:lstStyle/>
+          <a:p>
+            <a:r>
+              <a:rPr lang="en-US" altLang="zh-CN" dirty="0" smtClean="0"/>
+              <a:t>false</a:t>
+            </a:r>
+            <a:endParaRPr lang="zh-CN" altLang="en-US" dirty="0"/>
+          </a:p>
+        </p:txBody>
+      </p:sp>
+      <p:cxnSp>
+        <p:nvCxnSpPr>
+          <p:cNvPr id="65" name="直接箭头连接符 64"/>
+          <p:cNvCxnSpPr>
+            <a:endCxn id="61" idx="1"/>
+          </p:cNvCxnSpPr>
+          <p:nvPr/>
+        </p:nvCxnSpPr>
+        <p:spPr>
+          <a:xfrm>
+            <a:off x="9844413" y="2823958"/>
+            <a:ext cx="466496" cy="14837"/>
+          </a:xfrm>
+          <a:prstGeom prst="straightConnector1">
+            <a:avLst/>
+          </a:prstGeom>
+          <a:ln w="28575">
+            <a:tailEnd type="triangle"/>
+          </a:ln>
+        </p:spPr>
+        <p:style>
+          <a:lnRef idx="3">
+            <a:schemeClr val="dk1"/>
+          </a:lnRef>
+          <a:fillRef idx="0">
+            <a:schemeClr val="dk1"/>
+          </a:fillRef>
+          <a:effectRef idx="2">
+            <a:schemeClr val="dk1"/>
+          </a:effectRef>
+          <a:fontRef idx="minor">
+            <a:schemeClr val="tx1"/>
+          </a:fontRef>
+        </p:style>
+      </p:cxnSp>
+      <p:sp>
+        <p:nvSpPr>
+          <p:cNvPr id="54" name="上箭头 53"/>
+          <p:cNvSpPr/>
+          <p:nvPr/>
+        </p:nvSpPr>
+        <p:spPr>
+          <a:xfrm rot="10800000">
+            <a:off x="6056203" y="3073788"/>
+            <a:ext cx="271088" cy="461297"/>
+          </a:xfrm>
+          <a:prstGeom prst="upArrow">
+            <a:avLst/>
+          </a:prstGeom>
+        </p:spPr>
+        <p:style>
+          <a:lnRef idx="2">
+            <a:schemeClr val="accent1">
+              <a:shade val="50000"/>
+            </a:schemeClr>
+          </a:lnRef>
+          <a:fillRef idx="1">
+            <a:schemeClr val="accent1"/>
+          </a:fillRef>
+          <a:effectRef idx="0">
+            <a:schemeClr val="accent1"/>
+          </a:effectRef>
+          <a:fontRef idx="minor">
+            <a:schemeClr val="lt1"/>
+          </a:fontRef>
+        </p:style>
+        <p:txBody>
+          <a:bodyPr rtlCol="0" anchor="ctr"/>
+          <a:lstStyle/>
+          <a:p>
+            <a:pPr algn="ctr"/>
+            <a:endParaRPr lang="zh-CN" altLang="en-US"/>
+          </a:p>
+        </p:txBody>
+      </p:sp>
+      <p:sp>
+        <p:nvSpPr>
+          <p:cNvPr id="55" name="上箭头 54"/>
+          <p:cNvSpPr/>
+          <p:nvPr/>
+        </p:nvSpPr>
+        <p:spPr>
+          <a:xfrm rot="10800000">
+            <a:off x="8649772" y="3116416"/>
+            <a:ext cx="271088" cy="461297"/>
+          </a:xfrm>
+          <a:prstGeom prst="upArrow">
+            <a:avLst/>
+          </a:prstGeom>
+        </p:spPr>
+        <p:style>
+          <a:lnRef idx="2">
+            <a:schemeClr val="accent1">
+              <a:shade val="50000"/>
+            </a:schemeClr>
+          </a:lnRef>
+          <a:fillRef idx="1">
+            <a:schemeClr val="accent1"/>
+          </a:fillRef>
+          <a:effectRef idx="0">
+            <a:schemeClr val="accent1"/>
+          </a:effectRef>
+          <a:fontRef idx="minor">
+            <a:schemeClr val="lt1"/>
+          </a:fontRef>
+        </p:style>
+        <p:txBody>
+          <a:bodyPr rtlCol="0" anchor="ctr"/>
+          <a:lstStyle/>
+          <a:p>
+            <a:pPr algn="ctr"/>
+            <a:endParaRPr lang="zh-CN" altLang="en-US"/>
+          </a:p>
+        </p:txBody>
+      </p:sp>
+      <p:sp>
+        <p:nvSpPr>
+          <p:cNvPr id="56" name="文本框 55"/>
+          <p:cNvSpPr txBox="1"/>
+          <p:nvPr/>
+        </p:nvSpPr>
+        <p:spPr>
+          <a:xfrm>
+            <a:off x="5733127" y="3716044"/>
+            <a:ext cx="917239" cy="307777"/>
+          </a:xfrm>
+          <a:prstGeom prst="rect">
+            <a:avLst/>
+          </a:prstGeom>
+          <a:noFill/>
+        </p:spPr>
+        <p:txBody>
+          <a:bodyPr wrap="none" rtlCol="0">
+            <a:spAutoFit/>
+          </a:bodyPr>
+          <a:lstStyle/>
+          <a:p>
+            <a:r>
+              <a:rPr lang="en-US" altLang="zh-CN" sz="1400" dirty="0" smtClean="0"/>
+              <a:t>Index = 2</a:t>
+            </a:r>
+            <a:endParaRPr lang="zh-CN" altLang="en-US" sz="1400" dirty="0"/>
+          </a:p>
+        </p:txBody>
+      </p:sp>
+      <p:sp>
+        <p:nvSpPr>
+          <p:cNvPr id="57" name="文本框 56"/>
+          <p:cNvSpPr txBox="1"/>
+          <p:nvPr/>
+        </p:nvSpPr>
+        <p:spPr>
+          <a:xfrm>
+            <a:off x="8326696" y="3716044"/>
+            <a:ext cx="917239" cy="307777"/>
+          </a:xfrm>
+          <a:prstGeom prst="rect">
+            <a:avLst/>
+          </a:prstGeom>
+          <a:noFill/>
+        </p:spPr>
+        <p:txBody>
+          <a:bodyPr wrap="none" rtlCol="0">
+            <a:spAutoFit/>
+          </a:bodyPr>
+          <a:lstStyle/>
+          <a:p>
+            <a:r>
+              <a:rPr lang="en-US" altLang="zh-CN" sz="1400" dirty="0" smtClean="0"/>
+              <a:t>Index = 3</a:t>
+            </a:r>
+            <a:endParaRPr lang="zh-CN" altLang="en-US" sz="1400" dirty="0"/>
+          </a:p>
+        </p:txBody>
+      </p:sp>
+      <p:cxnSp>
+        <p:nvCxnSpPr>
+          <p:cNvPr id="6" name="肘形连接符 5"/>
+          <p:cNvCxnSpPr>
+            <a:stCxn id="4" idx="0"/>
+            <a:endCxn id="30" idx="3"/>
+          </p:cNvCxnSpPr>
+          <p:nvPr/>
+        </p:nvCxnSpPr>
+        <p:spPr>
+          <a:xfrm rot="16200000" flipH="1">
+            <a:off x="3308280" y="916210"/>
+            <a:ext cx="228624" cy="3470908"/>
+          </a:xfrm>
+          <a:prstGeom prst="bentConnector3">
+            <a:avLst>
+              <a:gd name="adj1" fmla="val -619935"/>
+            </a:avLst>
+          </a:prstGeom>
+          <a:ln>
+            <a:tailEnd type="triangle"/>
+          </a:ln>
+        </p:spPr>
+        <p:style>
+          <a:lnRef idx="1">
+            <a:schemeClr val="accent1"/>
+          </a:lnRef>
+          <a:fillRef idx="0">
+            <a:schemeClr val="accent1"/>
+          </a:fillRef>
+          <a:effectRef idx="0">
+            <a:schemeClr val="accent1"/>
+          </a:effectRef>
+          <a:fontRef idx="minor">
+            <a:schemeClr val="tx1"/>
+          </a:fontRef>
+        </p:style>
+      </p:cxnSp>
+      <p:sp>
+        <p:nvSpPr>
+          <p:cNvPr id="58" name="上箭头 57"/>
+          <p:cNvSpPr/>
+          <p:nvPr/>
+        </p:nvSpPr>
+        <p:spPr>
+          <a:xfrm rot="10800000">
+            <a:off x="3443931" y="1881107"/>
+            <a:ext cx="271088" cy="461297"/>
+          </a:xfrm>
+          <a:prstGeom prst="upArrow">
+            <a:avLst/>
+          </a:prstGeom>
+        </p:spPr>
+        <p:style>
+          <a:lnRef idx="2">
+            <a:schemeClr val="accent1">
+              <a:shade val="50000"/>
+            </a:schemeClr>
+          </a:lnRef>
+          <a:fillRef idx="1">
+            <a:schemeClr val="accent1"/>
+          </a:fillRef>
+          <a:effectRef idx="0">
+            <a:schemeClr val="accent1"/>
+          </a:effectRef>
+          <a:fontRef idx="minor">
+            <a:schemeClr val="lt1"/>
+          </a:fontRef>
+        </p:style>
+        <p:txBody>
+          <a:bodyPr rtlCol="0" anchor="ctr"/>
+          <a:lstStyle/>
+          <a:p>
+            <a:pPr algn="ctr"/>
+            <a:endParaRPr lang="zh-CN" altLang="en-US"/>
+          </a:p>
+        </p:txBody>
+      </p:sp>
+      <p:sp>
+        <p:nvSpPr>
+          <p:cNvPr id="59" name="文本框 58"/>
+          <p:cNvSpPr txBox="1"/>
+          <p:nvPr/>
+        </p:nvSpPr>
+        <p:spPr>
+          <a:xfrm>
+            <a:off x="3303449" y="1452975"/>
+            <a:ext cx="543739" cy="307777"/>
+          </a:xfrm>
+          <a:prstGeom prst="rect">
+            <a:avLst/>
+          </a:prstGeom>
+          <a:noFill/>
+        </p:spPr>
+        <p:txBody>
+          <a:bodyPr wrap="none" rtlCol="0">
+            <a:spAutoFit/>
+          </a:bodyPr>
+          <a:lstStyle/>
+          <a:p>
+            <a:r>
+              <a:rPr lang="zh-CN" altLang="en-US" sz="1400" dirty="0" smtClean="0"/>
+              <a:t>用户</a:t>
+            </a:r>
+            <a:endParaRPr lang="zh-CN" altLang="en-US" sz="1400" dirty="0"/>
+          </a:p>
+        </p:txBody>
+      </p:sp>
+      <p:sp>
+        <p:nvSpPr>
+          <p:cNvPr id="60" name="文本框 59"/>
+          <p:cNvSpPr txBox="1"/>
+          <p:nvPr/>
+        </p:nvSpPr>
+        <p:spPr>
+          <a:xfrm>
+            <a:off x="2503858" y="740203"/>
+            <a:ext cx="2116285" cy="307777"/>
+          </a:xfrm>
+          <a:prstGeom prst="rect">
+            <a:avLst/>
+          </a:prstGeom>
+          <a:noFill/>
+        </p:spPr>
+        <p:txBody>
+          <a:bodyPr wrap="none" rtlCol="0">
+            <a:spAutoFit/>
+          </a:bodyPr>
+          <a:lstStyle/>
+          <a:p>
+            <a:r>
+              <a:rPr lang="en-US" altLang="zh-CN" sz="1400" dirty="0" err="1" smtClean="0"/>
+              <a:t>Link.root</a:t>
+            </a:r>
+            <a:r>
+              <a:rPr lang="en-US" altLang="zh-CN" sz="1400" dirty="0" smtClean="0"/>
+              <a:t> = </a:t>
+            </a:r>
+            <a:r>
+              <a:rPr lang="en-US" altLang="zh-CN" sz="1400" dirty="0" err="1" smtClean="0"/>
+              <a:t>Link.root.next</a:t>
+            </a:r>
+            <a:endParaRPr lang="zh-CN" altLang="en-US" sz="1400" dirty="0"/>
+          </a:p>
+        </p:txBody>
+      </p:sp>
+    </p:spTree>
+    <p:extLst>
+      <p:ext uri="{BB962C8B-B14F-4D97-AF65-F5344CB8AC3E}">
+        <p14:creationId xmlns:p14="http://schemas.microsoft.com/office/powerpoint/2010/main" val="2261087575"/>
+      </p:ext>
+    </p:extLst>
+  </p:cSld>
+  <p:clrMapOvr>
+    <a:masterClrMapping/>
+  </p:clrMapOvr>
+</p:sld>
+</file>
+
+<file path=ppt/slides/slide7.xml><?xml version="1.0" encoding="utf-8"?>
+<p:sld xmlns:a="http://schemas.openxmlformats.org/drawingml/2006/main" xmlns:r="http://schemas.openxmlformats.org/officeDocument/2006/relationships" xmlns:p="http://schemas.openxmlformats.org/presentationml/2006/main">
+  <p:cSld>
+    <p:spTree>
+      <p:nvGrpSpPr>
+        <p:cNvPr id="1" name=""/>
+        <p:cNvGrpSpPr/>
+        <p:nvPr/>
+      </p:nvGrpSpPr>
+      <p:grpSpPr>
+        <a:xfrm>
+          <a:off x="0" y="0"/>
+          <a:ext cx="0" cy="0"/>
+          <a:chOff x="0" y="0"/>
+          <a:chExt cx="0" cy="0"/>
+        </a:xfrm>
+      </p:grpSpPr>
+      <p:sp>
+        <p:nvSpPr>
+          <p:cNvPr id="50" name="圆角矩形 49"/>
+          <p:cNvSpPr/>
+          <p:nvPr/>
+        </p:nvSpPr>
+        <p:spPr>
+          <a:xfrm>
+            <a:off x="5032332" y="1487520"/>
+            <a:ext cx="2217210" cy="2090193"/>
+          </a:xfrm>
+          <a:prstGeom prst="roundRect">
+            <a:avLst/>
+          </a:prstGeom>
+          <a:ln>
+            <a:prstDash val="dash"/>
+          </a:ln>
+        </p:spPr>
+        <p:style>
+          <a:lnRef idx="2">
+            <a:schemeClr val="dk1"/>
+          </a:lnRef>
+          <a:fillRef idx="1">
+            <a:schemeClr val="lt1"/>
+          </a:fillRef>
+          <a:effectRef idx="0">
+            <a:schemeClr val="dk1"/>
+          </a:effectRef>
+          <a:fontRef idx="minor">
+            <a:schemeClr val="dk1"/>
+          </a:fontRef>
+        </p:style>
+        <p:txBody>
+          <a:bodyPr rtlCol="0" anchor="ctr"/>
+          <a:lstStyle/>
+          <a:p>
+            <a:pPr algn="ctr"/>
+            <a:endParaRPr lang="zh-CN" altLang="en-US"/>
+          </a:p>
+        </p:txBody>
+      </p:sp>
+      <p:sp>
+        <p:nvSpPr>
+          <p:cNvPr id="3" name="圆角矩形 2"/>
+          <p:cNvSpPr/>
+          <p:nvPr/>
+        </p:nvSpPr>
+        <p:spPr>
+          <a:xfrm>
+            <a:off x="1358362" y="2537352"/>
+            <a:ext cx="657552" cy="646331"/>
+          </a:xfrm>
+          <a:prstGeom prst="roundRect">
+            <a:avLst/>
+          </a:prstGeom>
+        </p:spPr>
+        <p:style>
+          <a:lnRef idx="2">
+            <a:schemeClr val="accent1">
+              <a:shade val="50000"/>
+            </a:schemeClr>
+          </a:lnRef>
+          <a:fillRef idx="1">
+            <a:schemeClr val="accent1"/>
+          </a:fillRef>
+          <a:effectRef idx="0">
+            <a:schemeClr val="accent1"/>
+          </a:effectRef>
+          <a:fontRef idx="minor">
+            <a:schemeClr val="lt1"/>
+          </a:fontRef>
+        </p:style>
+        <p:txBody>
+          <a:bodyPr rtlCol="0" anchor="ctr"/>
+          <a:lstStyle/>
+          <a:p>
+            <a:pPr algn="ctr"/>
+            <a:endParaRPr lang="zh-CN" altLang="en-US"/>
+          </a:p>
+        </p:txBody>
+      </p:sp>
+      <p:sp>
+        <p:nvSpPr>
+          <p:cNvPr id="4" name="文本框 3"/>
+          <p:cNvSpPr txBox="1"/>
+          <p:nvPr/>
+        </p:nvSpPr>
+        <p:spPr>
+          <a:xfrm>
+            <a:off x="1358362" y="2537352"/>
+            <a:ext cx="657552" cy="646331"/>
+          </a:xfrm>
+          <a:prstGeom prst="rect">
+            <a:avLst/>
+          </a:prstGeom>
+          <a:noFill/>
+        </p:spPr>
+        <p:txBody>
+          <a:bodyPr wrap="none" rtlCol="0">
+            <a:spAutoFit/>
+          </a:bodyPr>
+          <a:lstStyle/>
+          <a:p>
+            <a:r>
+              <a:rPr lang="en-US" altLang="zh-CN" dirty="0" smtClean="0"/>
+              <a:t>Link</a:t>
+            </a:r>
+          </a:p>
+          <a:p>
+            <a:r>
+              <a:rPr lang="en-US" altLang="zh-CN" dirty="0" smtClean="0"/>
+              <a:t>Root</a:t>
+            </a:r>
+            <a:endParaRPr lang="zh-CN" altLang="en-US" dirty="0"/>
+          </a:p>
+        </p:txBody>
+      </p:sp>
+      <p:sp>
+        <p:nvSpPr>
+          <p:cNvPr id="5" name="矩形 4"/>
+          <p:cNvSpPr/>
+          <p:nvPr/>
+        </p:nvSpPr>
+        <p:spPr>
+          <a:xfrm>
+            <a:off x="2834640" y="2801389"/>
+            <a:ext cx="1454727" cy="99753"/>
+          </a:xfrm>
+          <a:prstGeom prst="rect">
+            <a:avLst/>
+          </a:prstGeom>
+        </p:spPr>
+        <p:style>
+          <a:lnRef idx="2">
+            <a:schemeClr val="accent1">
+              <a:shade val="50000"/>
+            </a:schemeClr>
+          </a:lnRef>
+          <a:fillRef idx="1">
+            <a:schemeClr val="accent1"/>
+          </a:fillRef>
+          <a:effectRef idx="0">
+            <a:schemeClr val="accent1"/>
+          </a:effectRef>
+          <a:fontRef idx="minor">
+            <a:schemeClr val="lt1"/>
+          </a:fontRef>
+        </p:style>
+        <p:txBody>
+          <a:bodyPr rtlCol="0" anchor="ctr"/>
+          <a:lstStyle/>
+          <a:p>
+            <a:pPr algn="ctr"/>
+            <a:endParaRPr lang="zh-CN" altLang="en-US"/>
+          </a:p>
+        </p:txBody>
+      </p:sp>
+      <p:sp>
+        <p:nvSpPr>
+          <p:cNvPr id="7" name="矩形 6"/>
+          <p:cNvSpPr/>
+          <p:nvPr/>
+        </p:nvSpPr>
+        <p:spPr>
+          <a:xfrm>
+            <a:off x="2743200" y="2593571"/>
+            <a:ext cx="91440" cy="307571"/>
+          </a:xfrm>
+          <a:prstGeom prst="rect">
+            <a:avLst/>
+          </a:prstGeom>
+        </p:spPr>
+        <p:style>
+          <a:lnRef idx="2">
+            <a:schemeClr val="accent1">
+              <a:shade val="50000"/>
+            </a:schemeClr>
+          </a:lnRef>
+          <a:fillRef idx="1">
+            <a:schemeClr val="accent1"/>
+          </a:fillRef>
+          <a:effectRef idx="0">
+            <a:schemeClr val="accent1"/>
+          </a:effectRef>
+          <a:fontRef idx="minor">
+            <a:schemeClr val="lt1"/>
+          </a:fontRef>
+        </p:style>
+        <p:txBody>
+          <a:bodyPr rtlCol="0" anchor="ctr"/>
+          <a:lstStyle/>
+          <a:p>
+            <a:pPr algn="ctr"/>
+            <a:endParaRPr lang="zh-CN" altLang="en-US"/>
+          </a:p>
+        </p:txBody>
+      </p:sp>
+      <p:sp>
+        <p:nvSpPr>
+          <p:cNvPr id="8" name="矩形 7"/>
+          <p:cNvSpPr/>
+          <p:nvPr/>
+        </p:nvSpPr>
+        <p:spPr>
+          <a:xfrm>
+            <a:off x="4289367" y="2593571"/>
+            <a:ext cx="91440" cy="307571"/>
+          </a:xfrm>
+          <a:prstGeom prst="rect">
+            <a:avLst/>
+          </a:prstGeom>
+        </p:spPr>
+        <p:style>
+          <a:lnRef idx="2">
+            <a:schemeClr val="accent1">
+              <a:shade val="50000"/>
+            </a:schemeClr>
+          </a:lnRef>
+          <a:fillRef idx="1">
+            <a:schemeClr val="accent1"/>
+          </a:fillRef>
+          <a:effectRef idx="0">
+            <a:schemeClr val="accent1"/>
+          </a:effectRef>
+          <a:fontRef idx="minor">
+            <a:schemeClr val="lt1"/>
+          </a:fontRef>
+        </p:style>
+        <p:txBody>
+          <a:bodyPr rtlCol="0" anchor="ctr"/>
+          <a:lstStyle/>
+          <a:p>
+            <a:pPr algn="ctr"/>
+            <a:endParaRPr lang="zh-CN" altLang="en-US"/>
+          </a:p>
+        </p:txBody>
+      </p:sp>
+      <p:sp>
+        <p:nvSpPr>
+          <p:cNvPr id="9" name="椭圆 8"/>
+          <p:cNvSpPr/>
+          <p:nvPr/>
+        </p:nvSpPr>
+        <p:spPr>
+          <a:xfrm>
+            <a:off x="2834640" y="2901142"/>
+            <a:ext cx="157942" cy="153201"/>
+          </a:xfrm>
+          <a:prstGeom prst="ellipse">
+            <a:avLst/>
+          </a:prstGeom>
+        </p:spPr>
+        <p:style>
+          <a:lnRef idx="2">
+            <a:schemeClr val="accent6">
+              <a:shade val="50000"/>
+            </a:schemeClr>
+          </a:lnRef>
+          <a:fillRef idx="1">
+            <a:schemeClr val="accent6"/>
+          </a:fillRef>
+          <a:effectRef idx="0">
+            <a:schemeClr val="accent6"/>
+          </a:effectRef>
+          <a:fontRef idx="minor">
+            <a:schemeClr val="lt1"/>
+          </a:fontRef>
+        </p:style>
+        <p:txBody>
+          <a:bodyPr rtlCol="0" anchor="ctr"/>
+          <a:lstStyle/>
+          <a:p>
+            <a:pPr algn="ctr"/>
+            <a:endParaRPr lang="zh-CN" altLang="en-US"/>
+          </a:p>
+        </p:txBody>
+      </p:sp>
+      <p:sp>
+        <p:nvSpPr>
+          <p:cNvPr id="10" name="椭圆 9"/>
+          <p:cNvSpPr/>
+          <p:nvPr/>
+        </p:nvSpPr>
+        <p:spPr>
+          <a:xfrm>
+            <a:off x="2913611" y="2977742"/>
+            <a:ext cx="45719" cy="45719"/>
+          </a:xfrm>
+          <a:prstGeom prst="ellipse">
+            <a:avLst/>
+          </a:prstGeom>
+        </p:spPr>
+        <p:style>
+          <a:lnRef idx="2">
+            <a:schemeClr val="accent2">
+              <a:shade val="50000"/>
+            </a:schemeClr>
+          </a:lnRef>
+          <a:fillRef idx="1">
+            <a:schemeClr val="accent2"/>
+          </a:fillRef>
+          <a:effectRef idx="0">
+            <a:schemeClr val="accent2"/>
+          </a:effectRef>
+          <a:fontRef idx="minor">
+            <a:schemeClr val="lt1"/>
+          </a:fontRef>
+        </p:style>
+        <p:txBody>
+          <a:bodyPr rtlCol="0" anchor="ctr"/>
+          <a:lstStyle/>
+          <a:p>
+            <a:pPr algn="ctr"/>
+            <a:endParaRPr lang="zh-CN" altLang="en-US"/>
+          </a:p>
+        </p:txBody>
+      </p:sp>
+      <p:sp>
+        <p:nvSpPr>
+          <p:cNvPr id="11" name="椭圆 10"/>
+          <p:cNvSpPr/>
+          <p:nvPr/>
+        </p:nvSpPr>
+        <p:spPr>
+          <a:xfrm>
+            <a:off x="3496348" y="2901142"/>
+            <a:ext cx="157942" cy="153201"/>
+          </a:xfrm>
+          <a:prstGeom prst="ellipse">
+            <a:avLst/>
+          </a:prstGeom>
+        </p:spPr>
+        <p:style>
+          <a:lnRef idx="2">
+            <a:schemeClr val="accent6">
+              <a:shade val="50000"/>
+            </a:schemeClr>
+          </a:lnRef>
+          <a:fillRef idx="1">
+            <a:schemeClr val="accent6"/>
+          </a:fillRef>
+          <a:effectRef idx="0">
+            <a:schemeClr val="accent6"/>
+          </a:effectRef>
+          <a:fontRef idx="minor">
+            <a:schemeClr val="lt1"/>
+          </a:fontRef>
+        </p:style>
+        <p:txBody>
+          <a:bodyPr rtlCol="0" anchor="ctr"/>
+          <a:lstStyle/>
+          <a:p>
+            <a:pPr algn="ctr"/>
+            <a:endParaRPr lang="zh-CN" altLang="en-US"/>
+          </a:p>
+        </p:txBody>
+      </p:sp>
+      <p:sp>
+        <p:nvSpPr>
+          <p:cNvPr id="12" name="椭圆 11"/>
+          <p:cNvSpPr/>
+          <p:nvPr/>
+        </p:nvSpPr>
+        <p:spPr>
+          <a:xfrm>
+            <a:off x="3575319" y="2977742"/>
+            <a:ext cx="45719" cy="45719"/>
+          </a:xfrm>
+          <a:prstGeom prst="ellipse">
+            <a:avLst/>
+          </a:prstGeom>
+        </p:spPr>
+        <p:style>
+          <a:lnRef idx="2">
+            <a:schemeClr val="accent2">
+              <a:shade val="50000"/>
+            </a:schemeClr>
+          </a:lnRef>
+          <a:fillRef idx="1">
+            <a:schemeClr val="accent2"/>
+          </a:fillRef>
+          <a:effectRef idx="0">
+            <a:schemeClr val="accent2"/>
+          </a:effectRef>
+          <a:fontRef idx="minor">
+            <a:schemeClr val="lt1"/>
+          </a:fontRef>
+        </p:style>
+        <p:txBody>
+          <a:bodyPr rtlCol="0" anchor="ctr"/>
+          <a:lstStyle/>
+          <a:p>
+            <a:pPr algn="ctr"/>
+            <a:endParaRPr lang="zh-CN" altLang="en-US"/>
+          </a:p>
+        </p:txBody>
+      </p:sp>
+      <p:sp>
+        <p:nvSpPr>
+          <p:cNvPr id="13" name="椭圆 12"/>
+          <p:cNvSpPr/>
+          <p:nvPr/>
+        </p:nvSpPr>
+        <p:spPr>
+          <a:xfrm>
+            <a:off x="4131425" y="2909455"/>
+            <a:ext cx="157942" cy="153201"/>
+          </a:xfrm>
+          <a:prstGeom prst="ellipse">
+            <a:avLst/>
+          </a:prstGeom>
+        </p:spPr>
+        <p:style>
+          <a:lnRef idx="2">
+            <a:schemeClr val="accent6">
+              <a:shade val="50000"/>
+            </a:schemeClr>
+          </a:lnRef>
+          <a:fillRef idx="1">
+            <a:schemeClr val="accent6"/>
+          </a:fillRef>
+          <a:effectRef idx="0">
+            <a:schemeClr val="accent6"/>
+          </a:effectRef>
+          <a:fontRef idx="minor">
+            <a:schemeClr val="lt1"/>
+          </a:fontRef>
+        </p:style>
+        <p:txBody>
+          <a:bodyPr rtlCol="0" anchor="ctr"/>
+          <a:lstStyle/>
+          <a:p>
+            <a:pPr algn="ctr"/>
+            <a:endParaRPr lang="zh-CN" altLang="en-US"/>
+          </a:p>
+        </p:txBody>
+      </p:sp>
+      <p:sp>
+        <p:nvSpPr>
+          <p:cNvPr id="14" name="椭圆 13"/>
+          <p:cNvSpPr/>
+          <p:nvPr/>
+        </p:nvSpPr>
+        <p:spPr>
+          <a:xfrm>
+            <a:off x="4210396" y="2986055"/>
+            <a:ext cx="45719" cy="45719"/>
+          </a:xfrm>
+          <a:prstGeom prst="ellipse">
+            <a:avLst/>
+          </a:prstGeom>
+        </p:spPr>
+        <p:style>
+          <a:lnRef idx="2">
+            <a:schemeClr val="accent2">
+              <a:shade val="50000"/>
+            </a:schemeClr>
+          </a:lnRef>
+          <a:fillRef idx="1">
+            <a:schemeClr val="accent2"/>
+          </a:fillRef>
+          <a:effectRef idx="0">
+            <a:schemeClr val="accent2"/>
+          </a:effectRef>
+          <a:fontRef idx="minor">
+            <a:schemeClr val="lt1"/>
+          </a:fontRef>
+        </p:style>
+        <p:txBody>
+          <a:bodyPr rtlCol="0" anchor="ctr"/>
+          <a:lstStyle/>
+          <a:p>
+            <a:pPr algn="ctr"/>
+            <a:endParaRPr lang="zh-CN" altLang="en-US"/>
+          </a:p>
+        </p:txBody>
+      </p:sp>
+      <p:sp>
+        <p:nvSpPr>
+          <p:cNvPr id="15" name="加号 14"/>
+          <p:cNvSpPr/>
+          <p:nvPr/>
+        </p:nvSpPr>
+        <p:spPr>
+          <a:xfrm>
+            <a:off x="2431473" y="2743200"/>
+            <a:ext cx="266007" cy="234542"/>
+          </a:xfrm>
+          <a:prstGeom prst="mathPlus">
+            <a:avLst/>
+          </a:prstGeom>
+          <a:solidFill>
+            <a:schemeClr val="accent2"/>
+          </a:solidFill>
+          <a:ln>
+            <a:noFill/>
+          </a:ln>
+        </p:spPr>
+        <p:style>
+          <a:lnRef idx="0">
+            <a:scrgbClr r="0" g="0" b="0"/>
+          </a:lnRef>
+          <a:fillRef idx="0">
+            <a:scrgbClr r="0" g="0" b="0"/>
+          </a:fillRef>
+          <a:effectRef idx="0">
+            <a:scrgbClr r="0" g="0" b="0"/>
+          </a:effectRef>
+          <a:fontRef idx="minor">
+            <a:schemeClr val="lt1"/>
+          </a:fontRef>
+        </p:style>
+        <p:txBody>
+          <a:bodyPr rtlCol="0" anchor="ctr"/>
+          <a:lstStyle/>
+          <a:p>
+            <a:pPr algn="ctr"/>
+            <a:endParaRPr lang="zh-CN" altLang="en-US"/>
+          </a:p>
+        </p:txBody>
+      </p:sp>
+      <p:sp>
+        <p:nvSpPr>
+          <p:cNvPr id="16" name="加号 15"/>
+          <p:cNvSpPr/>
+          <p:nvPr/>
+        </p:nvSpPr>
+        <p:spPr>
+          <a:xfrm>
+            <a:off x="4426527" y="2743200"/>
+            <a:ext cx="266007" cy="234542"/>
+          </a:xfrm>
+          <a:prstGeom prst="mathPlus">
+            <a:avLst/>
+          </a:prstGeom>
+          <a:gradFill flip="none" rotWithShape="1">
+            <a:gsLst>
+              <a:gs pos="0">
+                <a:schemeClr val="accent2">
+                  <a:lumMod val="67000"/>
+                </a:schemeClr>
+              </a:gs>
+              <a:gs pos="48000">
+                <a:schemeClr val="accent2">
+                  <a:lumMod val="97000"/>
+                  <a:lumOff val="3000"/>
+                </a:schemeClr>
+              </a:gs>
+              <a:gs pos="100000">
+                <a:schemeClr val="accent2">
+                  <a:lumMod val="60000"/>
+                  <a:lumOff val="40000"/>
+                </a:schemeClr>
+              </a:gs>
+            </a:gsLst>
+            <a:lin ang="16200000" scaled="1"/>
+            <a:tileRect/>
+          </a:gradFill>
+          <a:ln>
+            <a:noFill/>
+          </a:ln>
+        </p:spPr>
+        <p:style>
+          <a:lnRef idx="0">
+            <a:scrgbClr r="0" g="0" b="0"/>
+          </a:lnRef>
+          <a:fillRef idx="0">
+            <a:scrgbClr r="0" g="0" b="0"/>
+          </a:fillRef>
+          <a:effectRef idx="0">
+            <a:scrgbClr r="0" g="0" b="0"/>
+          </a:effectRef>
+          <a:fontRef idx="minor">
+            <a:schemeClr val="lt1"/>
+          </a:fontRef>
+        </p:style>
+        <p:txBody>
+          <a:bodyPr rtlCol="0" anchor="ctr"/>
+          <a:lstStyle/>
+          <a:p>
+            <a:pPr algn="ctr"/>
+            <a:endParaRPr lang="zh-CN" altLang="en-US"/>
+          </a:p>
+        </p:txBody>
+      </p:sp>
+      <p:sp>
+        <p:nvSpPr>
+          <p:cNvPr id="17" name="圆角矩形 16"/>
+          <p:cNvSpPr/>
+          <p:nvPr/>
+        </p:nvSpPr>
+        <p:spPr>
+          <a:xfrm>
+            <a:off x="2913612" y="2419004"/>
+            <a:ext cx="1296784" cy="351503"/>
+          </a:xfrm>
+          <a:prstGeom prst="roundRect">
+            <a:avLst/>
+          </a:prstGeom>
+          <a:gradFill flip="none" rotWithShape="1">
+            <a:gsLst>
+              <a:gs pos="0">
+                <a:schemeClr val="accent5">
+                  <a:lumMod val="67000"/>
+                </a:schemeClr>
+              </a:gs>
+              <a:gs pos="48000">
+                <a:schemeClr val="accent5">
+                  <a:lumMod val="97000"/>
+                  <a:lumOff val="3000"/>
+                </a:schemeClr>
+              </a:gs>
+              <a:gs pos="100000">
+                <a:schemeClr val="accent5">
+                  <a:lumMod val="60000"/>
+                  <a:lumOff val="40000"/>
+                </a:schemeClr>
+              </a:gs>
+            </a:gsLst>
+            <a:lin ang="16200000" scaled="1"/>
+            <a:tileRect/>
+          </a:gradFill>
+          <a:ln>
+            <a:noFill/>
+          </a:ln>
+        </p:spPr>
+        <p:style>
+          <a:lnRef idx="0">
+            <a:scrgbClr r="0" g="0" b="0"/>
+          </a:lnRef>
+          <a:fillRef idx="0">
+            <a:scrgbClr r="0" g="0" b="0"/>
+          </a:fillRef>
+          <a:effectRef idx="0">
+            <a:scrgbClr r="0" g="0" b="0"/>
+          </a:effectRef>
+          <a:fontRef idx="minor">
+            <a:schemeClr val="lt1"/>
+          </a:fontRef>
+        </p:style>
+        <p:txBody>
+          <a:bodyPr rtlCol="0" anchor="ctr"/>
+          <a:lstStyle/>
+          <a:p>
+            <a:pPr algn="ctr"/>
+            <a:r>
+              <a:rPr lang="en-US" altLang="zh-CN" dirty="0" smtClean="0"/>
+              <a:t>“A”</a:t>
+            </a:r>
+            <a:endParaRPr lang="zh-CN" altLang="en-US" dirty="0"/>
+          </a:p>
+        </p:txBody>
+      </p:sp>
+      <p:cxnSp>
+        <p:nvCxnSpPr>
+          <p:cNvPr id="19" name="直接箭头连接符 18"/>
+          <p:cNvCxnSpPr>
+            <a:stCxn id="4" idx="3"/>
+            <a:endCxn id="15" idx="2"/>
+          </p:cNvCxnSpPr>
+          <p:nvPr/>
+        </p:nvCxnSpPr>
+        <p:spPr>
+          <a:xfrm flipV="1">
+            <a:off x="2062403" y="2860471"/>
+            <a:ext cx="404329" cy="9206"/>
+          </a:xfrm>
+          <a:prstGeom prst="straightConnector1">
+            <a:avLst/>
+          </a:prstGeom>
+          <a:ln w="28575">
+            <a:tailEnd type="triangle"/>
+          </a:ln>
+        </p:spPr>
+        <p:style>
+          <a:lnRef idx="3">
+            <a:schemeClr val="dk1"/>
+          </a:lnRef>
+          <a:fillRef idx="0">
+            <a:schemeClr val="dk1"/>
+          </a:fillRef>
+          <a:effectRef idx="2">
+            <a:schemeClr val="dk1"/>
+          </a:effectRef>
+          <a:fontRef idx="minor">
+            <a:schemeClr val="tx1"/>
+          </a:fontRef>
+        </p:style>
+      </p:cxnSp>
+      <p:sp>
+        <p:nvSpPr>
+          <p:cNvPr id="21" name="矩形 20"/>
+          <p:cNvSpPr/>
+          <p:nvPr/>
+        </p:nvSpPr>
+        <p:spPr>
+          <a:xfrm>
+            <a:off x="5428209" y="2793076"/>
+            <a:ext cx="1454727" cy="99753"/>
+          </a:xfrm>
+          <a:prstGeom prst="rect">
+            <a:avLst/>
+          </a:prstGeom>
+        </p:spPr>
+        <p:style>
+          <a:lnRef idx="2">
+            <a:schemeClr val="accent1">
+              <a:shade val="50000"/>
+            </a:schemeClr>
+          </a:lnRef>
+          <a:fillRef idx="1">
+            <a:schemeClr val="accent1"/>
+          </a:fillRef>
+          <a:effectRef idx="0">
+            <a:schemeClr val="accent1"/>
+          </a:effectRef>
+          <a:fontRef idx="minor">
+            <a:schemeClr val="lt1"/>
+          </a:fontRef>
+        </p:style>
+        <p:txBody>
+          <a:bodyPr rtlCol="0" anchor="ctr"/>
+          <a:lstStyle/>
+          <a:p>
+            <a:pPr algn="ctr"/>
+            <a:endParaRPr lang="zh-CN" altLang="en-US"/>
+          </a:p>
+        </p:txBody>
+      </p:sp>
+      <p:sp>
+        <p:nvSpPr>
+          <p:cNvPr id="22" name="矩形 21"/>
+          <p:cNvSpPr/>
+          <p:nvPr/>
+        </p:nvSpPr>
+        <p:spPr>
+          <a:xfrm>
+            <a:off x="5336769" y="2585258"/>
+            <a:ext cx="91440" cy="307571"/>
+          </a:xfrm>
+          <a:prstGeom prst="rect">
+            <a:avLst/>
+          </a:prstGeom>
+        </p:spPr>
+        <p:style>
+          <a:lnRef idx="2">
+            <a:schemeClr val="accent1">
+              <a:shade val="50000"/>
+            </a:schemeClr>
+          </a:lnRef>
+          <a:fillRef idx="1">
+            <a:schemeClr val="accent1"/>
+          </a:fillRef>
+          <a:effectRef idx="0">
+            <a:schemeClr val="accent1"/>
+          </a:effectRef>
+          <a:fontRef idx="minor">
+            <a:schemeClr val="lt1"/>
+          </a:fontRef>
+        </p:style>
+        <p:txBody>
+          <a:bodyPr rtlCol="0" anchor="ctr"/>
+          <a:lstStyle/>
+          <a:p>
+            <a:pPr algn="ctr"/>
+            <a:endParaRPr lang="zh-CN" altLang="en-US"/>
+          </a:p>
+        </p:txBody>
+      </p:sp>
+      <p:sp>
+        <p:nvSpPr>
+          <p:cNvPr id="23" name="矩形 22"/>
+          <p:cNvSpPr/>
+          <p:nvPr/>
+        </p:nvSpPr>
+        <p:spPr>
+          <a:xfrm>
+            <a:off x="6882936" y="2585258"/>
+            <a:ext cx="91440" cy="307571"/>
+          </a:xfrm>
+          <a:prstGeom prst="rect">
+            <a:avLst/>
+          </a:prstGeom>
+        </p:spPr>
+        <p:style>
+          <a:lnRef idx="2">
+            <a:schemeClr val="accent1">
+              <a:shade val="50000"/>
+            </a:schemeClr>
+          </a:lnRef>
+          <a:fillRef idx="1">
+            <a:schemeClr val="accent1"/>
+          </a:fillRef>
+          <a:effectRef idx="0">
+            <a:schemeClr val="accent1"/>
+          </a:effectRef>
+          <a:fontRef idx="minor">
+            <a:schemeClr val="lt1"/>
+          </a:fontRef>
+        </p:style>
+        <p:txBody>
+          <a:bodyPr rtlCol="0" anchor="ctr"/>
+          <a:lstStyle/>
+          <a:p>
+            <a:pPr algn="ctr"/>
+            <a:endParaRPr lang="zh-CN" altLang="en-US"/>
+          </a:p>
+        </p:txBody>
+      </p:sp>
+      <p:sp>
+        <p:nvSpPr>
+          <p:cNvPr id="24" name="椭圆 23"/>
+          <p:cNvSpPr/>
+          <p:nvPr/>
+        </p:nvSpPr>
+        <p:spPr>
+          <a:xfrm>
+            <a:off x="5428209" y="2892829"/>
+            <a:ext cx="157942" cy="153201"/>
+          </a:xfrm>
+          <a:prstGeom prst="ellipse">
+            <a:avLst/>
+          </a:prstGeom>
+        </p:spPr>
+        <p:style>
+          <a:lnRef idx="2">
+            <a:schemeClr val="accent6">
+              <a:shade val="50000"/>
+            </a:schemeClr>
+          </a:lnRef>
+          <a:fillRef idx="1">
+            <a:schemeClr val="accent6"/>
+          </a:fillRef>
+          <a:effectRef idx="0">
+            <a:schemeClr val="accent6"/>
+          </a:effectRef>
+          <a:fontRef idx="minor">
+            <a:schemeClr val="lt1"/>
+          </a:fontRef>
+        </p:style>
+        <p:txBody>
+          <a:bodyPr rtlCol="0" anchor="ctr"/>
+          <a:lstStyle/>
+          <a:p>
+            <a:pPr algn="ctr"/>
+            <a:endParaRPr lang="zh-CN" altLang="en-US"/>
+          </a:p>
+        </p:txBody>
+      </p:sp>
+      <p:sp>
+        <p:nvSpPr>
+          <p:cNvPr id="25" name="椭圆 24"/>
+          <p:cNvSpPr/>
+          <p:nvPr/>
+        </p:nvSpPr>
+        <p:spPr>
+          <a:xfrm>
+            <a:off x="5507180" y="2969429"/>
+            <a:ext cx="45719" cy="45719"/>
+          </a:xfrm>
+          <a:prstGeom prst="ellipse">
+            <a:avLst/>
+          </a:prstGeom>
+        </p:spPr>
+        <p:style>
+          <a:lnRef idx="2">
+            <a:schemeClr val="accent2">
+              <a:shade val="50000"/>
+            </a:schemeClr>
+          </a:lnRef>
+          <a:fillRef idx="1">
+            <a:schemeClr val="accent2"/>
+          </a:fillRef>
+          <a:effectRef idx="0">
+            <a:schemeClr val="accent2"/>
+          </a:effectRef>
+          <a:fontRef idx="minor">
+            <a:schemeClr val="lt1"/>
+          </a:fontRef>
+        </p:style>
+        <p:txBody>
+          <a:bodyPr rtlCol="0" anchor="ctr"/>
+          <a:lstStyle/>
+          <a:p>
+            <a:pPr algn="ctr"/>
+            <a:endParaRPr lang="zh-CN" altLang="en-US"/>
+          </a:p>
+        </p:txBody>
+      </p:sp>
+      <p:sp>
+        <p:nvSpPr>
+          <p:cNvPr id="26" name="椭圆 25"/>
+          <p:cNvSpPr/>
+          <p:nvPr/>
+        </p:nvSpPr>
+        <p:spPr>
+          <a:xfrm>
+            <a:off x="6089917" y="2892829"/>
+            <a:ext cx="157942" cy="153201"/>
+          </a:xfrm>
+          <a:prstGeom prst="ellipse">
+            <a:avLst/>
+          </a:prstGeom>
+        </p:spPr>
+        <p:style>
+          <a:lnRef idx="2">
+            <a:schemeClr val="accent6">
+              <a:shade val="50000"/>
+            </a:schemeClr>
+          </a:lnRef>
+          <a:fillRef idx="1">
+            <a:schemeClr val="accent6"/>
+          </a:fillRef>
+          <a:effectRef idx="0">
+            <a:schemeClr val="accent6"/>
+          </a:effectRef>
+          <a:fontRef idx="minor">
+            <a:schemeClr val="lt1"/>
+          </a:fontRef>
+        </p:style>
+        <p:txBody>
+          <a:bodyPr rtlCol="0" anchor="ctr"/>
+          <a:lstStyle/>
+          <a:p>
+            <a:pPr algn="ctr"/>
+            <a:endParaRPr lang="zh-CN" altLang="en-US"/>
+          </a:p>
+        </p:txBody>
+      </p:sp>
+      <p:sp>
+        <p:nvSpPr>
+          <p:cNvPr id="27" name="椭圆 26"/>
+          <p:cNvSpPr/>
+          <p:nvPr/>
+        </p:nvSpPr>
+        <p:spPr>
+          <a:xfrm>
+            <a:off x="6168888" y="2969429"/>
+            <a:ext cx="45719" cy="45719"/>
+          </a:xfrm>
+          <a:prstGeom prst="ellipse">
+            <a:avLst/>
+          </a:prstGeom>
+        </p:spPr>
+        <p:style>
+          <a:lnRef idx="2">
+            <a:schemeClr val="accent2">
+              <a:shade val="50000"/>
+            </a:schemeClr>
+          </a:lnRef>
+          <a:fillRef idx="1">
+            <a:schemeClr val="accent2"/>
+          </a:fillRef>
+          <a:effectRef idx="0">
+            <a:schemeClr val="accent2"/>
+          </a:effectRef>
+          <a:fontRef idx="minor">
+            <a:schemeClr val="lt1"/>
+          </a:fontRef>
+        </p:style>
+        <p:txBody>
+          <a:bodyPr rtlCol="0" anchor="ctr"/>
+          <a:lstStyle/>
+          <a:p>
+            <a:pPr algn="ctr"/>
+            <a:endParaRPr lang="zh-CN" altLang="en-US"/>
+          </a:p>
+        </p:txBody>
+      </p:sp>
+      <p:sp>
+        <p:nvSpPr>
+          <p:cNvPr id="28" name="椭圆 27"/>
+          <p:cNvSpPr/>
+          <p:nvPr/>
+        </p:nvSpPr>
+        <p:spPr>
+          <a:xfrm>
+            <a:off x="6724994" y="2901142"/>
+            <a:ext cx="157942" cy="153201"/>
+          </a:xfrm>
+          <a:prstGeom prst="ellipse">
+            <a:avLst/>
+          </a:prstGeom>
+        </p:spPr>
+        <p:style>
+          <a:lnRef idx="2">
+            <a:schemeClr val="accent6">
+              <a:shade val="50000"/>
+            </a:schemeClr>
+          </a:lnRef>
+          <a:fillRef idx="1">
+            <a:schemeClr val="accent6"/>
+          </a:fillRef>
+          <a:effectRef idx="0">
+            <a:schemeClr val="accent6"/>
+          </a:effectRef>
+          <a:fontRef idx="minor">
+            <a:schemeClr val="lt1"/>
+          </a:fontRef>
+        </p:style>
+        <p:txBody>
+          <a:bodyPr rtlCol="0" anchor="ctr"/>
+          <a:lstStyle/>
+          <a:p>
+            <a:pPr algn="ctr"/>
+            <a:endParaRPr lang="zh-CN" altLang="en-US"/>
+          </a:p>
+        </p:txBody>
+      </p:sp>
+      <p:sp>
+        <p:nvSpPr>
+          <p:cNvPr id="29" name="椭圆 28"/>
+          <p:cNvSpPr/>
+          <p:nvPr/>
+        </p:nvSpPr>
+        <p:spPr>
+          <a:xfrm>
+            <a:off x="6803965" y="2977742"/>
+            <a:ext cx="45719" cy="45719"/>
+          </a:xfrm>
+          <a:prstGeom prst="ellipse">
+            <a:avLst/>
+          </a:prstGeom>
+        </p:spPr>
+        <p:style>
+          <a:lnRef idx="2">
+            <a:schemeClr val="accent2">
+              <a:shade val="50000"/>
+            </a:schemeClr>
+          </a:lnRef>
+          <a:fillRef idx="1">
+            <a:schemeClr val="accent2"/>
+          </a:fillRef>
+          <a:effectRef idx="0">
+            <a:schemeClr val="accent2"/>
+          </a:effectRef>
+          <a:fontRef idx="minor">
+            <a:schemeClr val="lt1"/>
+          </a:fontRef>
+        </p:style>
+        <p:txBody>
+          <a:bodyPr rtlCol="0" anchor="ctr"/>
+          <a:lstStyle/>
+          <a:p>
+            <a:pPr algn="ctr"/>
+            <a:endParaRPr lang="zh-CN" altLang="en-US"/>
+          </a:p>
+        </p:txBody>
+      </p:sp>
+      <p:sp>
+        <p:nvSpPr>
+          <p:cNvPr id="30" name="加号 29"/>
+          <p:cNvSpPr/>
+          <p:nvPr/>
+        </p:nvSpPr>
+        <p:spPr>
+          <a:xfrm>
+            <a:off x="5025042" y="2734887"/>
+            <a:ext cx="266007" cy="234542"/>
+          </a:xfrm>
+          <a:prstGeom prst="mathPlus">
+            <a:avLst/>
+          </a:prstGeom>
+          <a:solidFill>
+            <a:schemeClr val="accent2"/>
+          </a:solidFill>
+          <a:ln>
+            <a:noFill/>
+          </a:ln>
+        </p:spPr>
+        <p:style>
+          <a:lnRef idx="0">
+            <a:scrgbClr r="0" g="0" b="0"/>
+          </a:lnRef>
+          <a:fillRef idx="0">
+            <a:scrgbClr r="0" g="0" b="0"/>
+          </a:fillRef>
+          <a:effectRef idx="0">
+            <a:scrgbClr r="0" g="0" b="0"/>
+          </a:effectRef>
+          <a:fontRef idx="minor">
+            <a:schemeClr val="lt1"/>
+          </a:fontRef>
+        </p:style>
+        <p:txBody>
+          <a:bodyPr rtlCol="0" anchor="ctr"/>
+          <a:lstStyle/>
+          <a:p>
+            <a:pPr algn="ctr"/>
+            <a:endParaRPr lang="zh-CN" altLang="en-US"/>
+          </a:p>
+        </p:txBody>
+      </p:sp>
+      <p:sp>
+        <p:nvSpPr>
+          <p:cNvPr id="31" name="加号 30"/>
+          <p:cNvSpPr/>
+          <p:nvPr/>
+        </p:nvSpPr>
+        <p:spPr>
+          <a:xfrm>
+            <a:off x="7020096" y="2734887"/>
+            <a:ext cx="266007" cy="234542"/>
+          </a:xfrm>
+          <a:prstGeom prst="mathPlus">
+            <a:avLst/>
+          </a:prstGeom>
+          <a:gradFill flip="none" rotWithShape="1">
+            <a:gsLst>
+              <a:gs pos="0">
+                <a:schemeClr val="accent2">
+                  <a:lumMod val="67000"/>
+                </a:schemeClr>
+              </a:gs>
+              <a:gs pos="48000">
+                <a:schemeClr val="accent2">
+                  <a:lumMod val="97000"/>
+                  <a:lumOff val="3000"/>
+                </a:schemeClr>
+              </a:gs>
+              <a:gs pos="100000">
+                <a:schemeClr val="accent2">
+                  <a:lumMod val="60000"/>
+                  <a:lumOff val="40000"/>
+                </a:schemeClr>
+              </a:gs>
+            </a:gsLst>
+            <a:lin ang="16200000" scaled="1"/>
+            <a:tileRect/>
+          </a:gradFill>
+          <a:ln>
+            <a:noFill/>
+          </a:ln>
+        </p:spPr>
+        <p:style>
+          <a:lnRef idx="0">
+            <a:scrgbClr r="0" g="0" b="0"/>
+          </a:lnRef>
+          <a:fillRef idx="0">
+            <a:scrgbClr r="0" g="0" b="0"/>
+          </a:fillRef>
+          <a:effectRef idx="0">
+            <a:scrgbClr r="0" g="0" b="0"/>
+          </a:effectRef>
+          <a:fontRef idx="minor">
+            <a:schemeClr val="lt1"/>
+          </a:fontRef>
+        </p:style>
+        <p:txBody>
+          <a:bodyPr rtlCol="0" anchor="ctr"/>
+          <a:lstStyle/>
+          <a:p>
+            <a:pPr algn="ctr"/>
+            <a:endParaRPr lang="zh-CN" altLang="en-US"/>
+          </a:p>
+        </p:txBody>
+      </p:sp>
+      <p:sp>
+        <p:nvSpPr>
+          <p:cNvPr id="32" name="圆角矩形 31"/>
+          <p:cNvSpPr/>
+          <p:nvPr/>
+        </p:nvSpPr>
+        <p:spPr>
+          <a:xfrm>
+            <a:off x="5507181" y="2410691"/>
+            <a:ext cx="1296784" cy="351503"/>
+          </a:xfrm>
+          <a:prstGeom prst="roundRect">
+            <a:avLst/>
+          </a:prstGeom>
+          <a:gradFill flip="none" rotWithShape="1">
+            <a:gsLst>
+              <a:gs pos="0">
+                <a:schemeClr val="accent5">
+                  <a:lumMod val="67000"/>
+                </a:schemeClr>
+              </a:gs>
+              <a:gs pos="48000">
+                <a:schemeClr val="accent5">
+                  <a:lumMod val="97000"/>
+                  <a:lumOff val="3000"/>
+                </a:schemeClr>
+              </a:gs>
+              <a:gs pos="100000">
+                <a:schemeClr val="accent5">
+                  <a:lumMod val="60000"/>
+                  <a:lumOff val="40000"/>
+                </a:schemeClr>
+              </a:gs>
+            </a:gsLst>
+            <a:lin ang="16200000" scaled="1"/>
+            <a:tileRect/>
+          </a:gradFill>
+          <a:ln>
+            <a:noFill/>
+          </a:ln>
+        </p:spPr>
+        <p:style>
+          <a:lnRef idx="0">
+            <a:scrgbClr r="0" g="0" b="0"/>
+          </a:lnRef>
+          <a:fillRef idx="0">
+            <a:scrgbClr r="0" g="0" b="0"/>
+          </a:fillRef>
+          <a:effectRef idx="0">
+            <a:scrgbClr r="0" g="0" b="0"/>
+          </a:effectRef>
+          <a:fontRef idx="minor">
+            <a:schemeClr val="lt1"/>
+          </a:fontRef>
+        </p:style>
+        <p:txBody>
+          <a:bodyPr rtlCol="0" anchor="ctr"/>
+          <a:lstStyle/>
+          <a:p>
+            <a:pPr algn="ctr"/>
+            <a:r>
+              <a:rPr lang="en-US" altLang="zh-CN" dirty="0" smtClean="0"/>
+              <a:t>“B”</a:t>
+            </a:r>
+            <a:endParaRPr lang="zh-CN" altLang="en-US" dirty="0"/>
+          </a:p>
+        </p:txBody>
+      </p:sp>
+      <p:cxnSp>
+        <p:nvCxnSpPr>
+          <p:cNvPr id="33" name="直接箭头连接符 32"/>
+          <p:cNvCxnSpPr>
+            <a:endCxn id="30" idx="2"/>
+          </p:cNvCxnSpPr>
+          <p:nvPr/>
+        </p:nvCxnSpPr>
+        <p:spPr>
+          <a:xfrm flipV="1">
+            <a:off x="4655972" y="2852158"/>
+            <a:ext cx="404329" cy="9206"/>
+          </a:xfrm>
+          <a:prstGeom prst="straightConnector1">
+            <a:avLst/>
+          </a:prstGeom>
+          <a:ln w="28575">
+            <a:tailEnd type="triangle"/>
+          </a:ln>
+        </p:spPr>
+        <p:style>
+          <a:lnRef idx="3">
+            <a:schemeClr val="dk1"/>
+          </a:lnRef>
+          <a:fillRef idx="0">
+            <a:schemeClr val="dk1"/>
+          </a:fillRef>
+          <a:effectRef idx="2">
+            <a:schemeClr val="dk1"/>
+          </a:effectRef>
+          <a:fontRef idx="minor">
+            <a:schemeClr val="tx1"/>
+          </a:fontRef>
+        </p:style>
+      </p:cxnSp>
+      <p:sp>
+        <p:nvSpPr>
+          <p:cNvPr id="34" name="矩形 33"/>
+          <p:cNvSpPr/>
+          <p:nvPr/>
+        </p:nvSpPr>
+        <p:spPr>
+          <a:xfrm>
+            <a:off x="8021778" y="2774082"/>
+            <a:ext cx="1454727" cy="99753"/>
+          </a:xfrm>
+          <a:prstGeom prst="rect">
+            <a:avLst/>
+          </a:prstGeom>
+        </p:spPr>
+        <p:style>
+          <a:lnRef idx="2">
+            <a:schemeClr val="accent1">
+              <a:shade val="50000"/>
+            </a:schemeClr>
+          </a:lnRef>
+          <a:fillRef idx="1">
+            <a:schemeClr val="accent1"/>
+          </a:fillRef>
+          <a:effectRef idx="0">
+            <a:schemeClr val="accent1"/>
+          </a:effectRef>
+          <a:fontRef idx="minor">
+            <a:schemeClr val="lt1"/>
+          </a:fontRef>
+        </p:style>
+        <p:txBody>
+          <a:bodyPr rtlCol="0" anchor="ctr"/>
+          <a:lstStyle/>
+          <a:p>
+            <a:pPr algn="ctr"/>
+            <a:endParaRPr lang="zh-CN" altLang="en-US"/>
+          </a:p>
+        </p:txBody>
+      </p:sp>
+      <p:sp>
+        <p:nvSpPr>
+          <p:cNvPr id="35" name="矩形 34"/>
+          <p:cNvSpPr/>
+          <p:nvPr/>
+        </p:nvSpPr>
+        <p:spPr>
+          <a:xfrm>
+            <a:off x="7930338" y="2566264"/>
+            <a:ext cx="91440" cy="307571"/>
+          </a:xfrm>
+          <a:prstGeom prst="rect">
+            <a:avLst/>
+          </a:prstGeom>
+        </p:spPr>
+        <p:style>
+          <a:lnRef idx="2">
+            <a:schemeClr val="accent1">
+              <a:shade val="50000"/>
+            </a:schemeClr>
+          </a:lnRef>
+          <a:fillRef idx="1">
+            <a:schemeClr val="accent1"/>
+          </a:fillRef>
+          <a:effectRef idx="0">
+            <a:schemeClr val="accent1"/>
+          </a:effectRef>
+          <a:fontRef idx="minor">
+            <a:schemeClr val="lt1"/>
+          </a:fontRef>
+        </p:style>
+        <p:txBody>
+          <a:bodyPr rtlCol="0" anchor="ctr"/>
+          <a:lstStyle/>
+          <a:p>
+            <a:pPr algn="ctr"/>
+            <a:endParaRPr lang="zh-CN" altLang="en-US"/>
+          </a:p>
+        </p:txBody>
+      </p:sp>
+      <p:sp>
+        <p:nvSpPr>
+          <p:cNvPr id="36" name="矩形 35"/>
+          <p:cNvSpPr/>
+          <p:nvPr/>
+        </p:nvSpPr>
+        <p:spPr>
+          <a:xfrm>
+            <a:off x="9476505" y="2566264"/>
+            <a:ext cx="91440" cy="307571"/>
+          </a:xfrm>
+          <a:prstGeom prst="rect">
+            <a:avLst/>
+          </a:prstGeom>
+        </p:spPr>
+        <p:style>
+          <a:lnRef idx="2">
+            <a:schemeClr val="accent1">
+              <a:shade val="50000"/>
+            </a:schemeClr>
+          </a:lnRef>
+          <a:fillRef idx="1">
+            <a:schemeClr val="accent1"/>
+          </a:fillRef>
+          <a:effectRef idx="0">
+            <a:schemeClr val="accent1"/>
+          </a:effectRef>
+          <a:fontRef idx="minor">
+            <a:schemeClr val="lt1"/>
+          </a:fontRef>
+        </p:style>
+        <p:txBody>
+          <a:bodyPr rtlCol="0" anchor="ctr"/>
+          <a:lstStyle/>
+          <a:p>
+            <a:pPr algn="ctr"/>
+            <a:endParaRPr lang="zh-CN" altLang="en-US"/>
+          </a:p>
+        </p:txBody>
+      </p:sp>
+      <p:sp>
+        <p:nvSpPr>
+          <p:cNvPr id="37" name="椭圆 36"/>
+          <p:cNvSpPr/>
+          <p:nvPr/>
+        </p:nvSpPr>
+        <p:spPr>
+          <a:xfrm>
+            <a:off x="8021778" y="2873835"/>
+            <a:ext cx="157942" cy="153201"/>
+          </a:xfrm>
+          <a:prstGeom prst="ellipse">
+            <a:avLst/>
+          </a:prstGeom>
+        </p:spPr>
+        <p:style>
+          <a:lnRef idx="2">
+            <a:schemeClr val="accent6">
+              <a:shade val="50000"/>
+            </a:schemeClr>
+          </a:lnRef>
+          <a:fillRef idx="1">
+            <a:schemeClr val="accent6"/>
+          </a:fillRef>
+          <a:effectRef idx="0">
+            <a:schemeClr val="accent6"/>
+          </a:effectRef>
+          <a:fontRef idx="minor">
+            <a:schemeClr val="lt1"/>
+          </a:fontRef>
+        </p:style>
+        <p:txBody>
+          <a:bodyPr rtlCol="0" anchor="ctr"/>
+          <a:lstStyle/>
+          <a:p>
+            <a:pPr algn="ctr"/>
+            <a:endParaRPr lang="zh-CN" altLang="en-US"/>
+          </a:p>
+        </p:txBody>
+      </p:sp>
+      <p:sp>
+        <p:nvSpPr>
+          <p:cNvPr id="38" name="椭圆 37"/>
+          <p:cNvSpPr/>
+          <p:nvPr/>
+        </p:nvSpPr>
+        <p:spPr>
+          <a:xfrm>
+            <a:off x="8100749" y="2950435"/>
+            <a:ext cx="45719" cy="45719"/>
+          </a:xfrm>
+          <a:prstGeom prst="ellipse">
+            <a:avLst/>
+          </a:prstGeom>
+        </p:spPr>
+        <p:style>
+          <a:lnRef idx="2">
+            <a:schemeClr val="accent2">
+              <a:shade val="50000"/>
+            </a:schemeClr>
+          </a:lnRef>
+          <a:fillRef idx="1">
+            <a:schemeClr val="accent2"/>
+          </a:fillRef>
+          <a:effectRef idx="0">
+            <a:schemeClr val="accent2"/>
+          </a:effectRef>
+          <a:fontRef idx="minor">
+            <a:schemeClr val="lt1"/>
+          </a:fontRef>
+        </p:style>
+        <p:txBody>
+          <a:bodyPr rtlCol="0" anchor="ctr"/>
+          <a:lstStyle/>
+          <a:p>
+            <a:pPr algn="ctr"/>
+            <a:endParaRPr lang="zh-CN" altLang="en-US"/>
+          </a:p>
+        </p:txBody>
+      </p:sp>
+      <p:sp>
+        <p:nvSpPr>
+          <p:cNvPr id="39" name="椭圆 38"/>
+          <p:cNvSpPr/>
+          <p:nvPr/>
+        </p:nvSpPr>
+        <p:spPr>
+          <a:xfrm>
+            <a:off x="8683486" y="2873835"/>
+            <a:ext cx="157942" cy="153201"/>
+          </a:xfrm>
+          <a:prstGeom prst="ellipse">
+            <a:avLst/>
+          </a:prstGeom>
+        </p:spPr>
+        <p:style>
+          <a:lnRef idx="2">
+            <a:schemeClr val="accent6">
+              <a:shade val="50000"/>
+            </a:schemeClr>
+          </a:lnRef>
+          <a:fillRef idx="1">
+            <a:schemeClr val="accent6"/>
+          </a:fillRef>
+          <a:effectRef idx="0">
+            <a:schemeClr val="accent6"/>
+          </a:effectRef>
+          <a:fontRef idx="minor">
+            <a:schemeClr val="lt1"/>
+          </a:fontRef>
+        </p:style>
+        <p:txBody>
+          <a:bodyPr rtlCol="0" anchor="ctr"/>
+          <a:lstStyle/>
+          <a:p>
+            <a:pPr algn="ctr"/>
+            <a:endParaRPr lang="zh-CN" altLang="en-US"/>
+          </a:p>
+        </p:txBody>
+      </p:sp>
+      <p:sp>
+        <p:nvSpPr>
+          <p:cNvPr id="40" name="椭圆 39"/>
+          <p:cNvSpPr/>
+          <p:nvPr/>
+        </p:nvSpPr>
+        <p:spPr>
+          <a:xfrm>
+            <a:off x="8762457" y="2950435"/>
+            <a:ext cx="45719" cy="45719"/>
+          </a:xfrm>
+          <a:prstGeom prst="ellipse">
+            <a:avLst/>
+          </a:prstGeom>
+        </p:spPr>
+        <p:style>
+          <a:lnRef idx="2">
+            <a:schemeClr val="accent2">
+              <a:shade val="50000"/>
+            </a:schemeClr>
+          </a:lnRef>
+          <a:fillRef idx="1">
+            <a:schemeClr val="accent2"/>
+          </a:fillRef>
+          <a:effectRef idx="0">
+            <a:schemeClr val="accent2"/>
+          </a:effectRef>
+          <a:fontRef idx="minor">
+            <a:schemeClr val="lt1"/>
+          </a:fontRef>
+        </p:style>
+        <p:txBody>
+          <a:bodyPr rtlCol="0" anchor="ctr"/>
+          <a:lstStyle/>
+          <a:p>
+            <a:pPr algn="ctr"/>
+            <a:endParaRPr lang="zh-CN" altLang="en-US"/>
+          </a:p>
+        </p:txBody>
+      </p:sp>
+      <p:sp>
+        <p:nvSpPr>
+          <p:cNvPr id="41" name="椭圆 40"/>
+          <p:cNvSpPr/>
+          <p:nvPr/>
+        </p:nvSpPr>
+        <p:spPr>
+          <a:xfrm>
+            <a:off x="9318563" y="2882148"/>
+            <a:ext cx="157942" cy="153201"/>
+          </a:xfrm>
+          <a:prstGeom prst="ellipse">
+            <a:avLst/>
+          </a:prstGeom>
+        </p:spPr>
+        <p:style>
+          <a:lnRef idx="2">
+            <a:schemeClr val="accent6">
+              <a:shade val="50000"/>
+            </a:schemeClr>
+          </a:lnRef>
+          <a:fillRef idx="1">
+            <a:schemeClr val="accent6"/>
+          </a:fillRef>
+          <a:effectRef idx="0">
+            <a:schemeClr val="accent6"/>
+          </a:effectRef>
+          <a:fontRef idx="minor">
+            <a:schemeClr val="lt1"/>
+          </a:fontRef>
+        </p:style>
+        <p:txBody>
+          <a:bodyPr rtlCol="0" anchor="ctr"/>
+          <a:lstStyle/>
+          <a:p>
+            <a:pPr algn="ctr"/>
+            <a:endParaRPr lang="zh-CN" altLang="en-US"/>
+          </a:p>
+        </p:txBody>
+      </p:sp>
+      <p:sp>
+        <p:nvSpPr>
+          <p:cNvPr id="42" name="椭圆 41"/>
+          <p:cNvSpPr/>
+          <p:nvPr/>
+        </p:nvSpPr>
+        <p:spPr>
+          <a:xfrm>
+            <a:off x="9397534" y="2958748"/>
+            <a:ext cx="45719" cy="45719"/>
+          </a:xfrm>
+          <a:prstGeom prst="ellipse">
+            <a:avLst/>
+          </a:prstGeom>
+        </p:spPr>
+        <p:style>
+          <a:lnRef idx="2">
+            <a:schemeClr val="accent2">
+              <a:shade val="50000"/>
+            </a:schemeClr>
+          </a:lnRef>
+          <a:fillRef idx="1">
+            <a:schemeClr val="accent2"/>
+          </a:fillRef>
+          <a:effectRef idx="0">
+            <a:schemeClr val="accent2"/>
+          </a:effectRef>
+          <a:fontRef idx="minor">
+            <a:schemeClr val="lt1"/>
+          </a:fontRef>
+        </p:style>
+        <p:txBody>
+          <a:bodyPr rtlCol="0" anchor="ctr"/>
+          <a:lstStyle/>
+          <a:p>
+            <a:pPr algn="ctr"/>
+            <a:endParaRPr lang="zh-CN" altLang="en-US"/>
+          </a:p>
+        </p:txBody>
+      </p:sp>
+      <p:sp>
+        <p:nvSpPr>
+          <p:cNvPr id="43" name="加号 42"/>
+          <p:cNvSpPr/>
+          <p:nvPr/>
+        </p:nvSpPr>
+        <p:spPr>
+          <a:xfrm>
+            <a:off x="7618611" y="2715893"/>
+            <a:ext cx="266007" cy="234542"/>
+          </a:xfrm>
+          <a:prstGeom prst="mathPlus">
+            <a:avLst/>
+          </a:prstGeom>
+          <a:solidFill>
+            <a:schemeClr val="accent2"/>
+          </a:solidFill>
+          <a:ln>
+            <a:noFill/>
+          </a:ln>
+        </p:spPr>
+        <p:style>
+          <a:lnRef idx="0">
+            <a:scrgbClr r="0" g="0" b="0"/>
+          </a:lnRef>
+          <a:fillRef idx="0">
+            <a:scrgbClr r="0" g="0" b="0"/>
+          </a:fillRef>
+          <a:effectRef idx="0">
+            <a:scrgbClr r="0" g="0" b="0"/>
+          </a:effectRef>
+          <a:fontRef idx="minor">
+            <a:schemeClr val="lt1"/>
+          </a:fontRef>
+        </p:style>
+        <p:txBody>
+          <a:bodyPr rtlCol="0" anchor="ctr"/>
+          <a:lstStyle/>
+          <a:p>
+            <a:pPr algn="ctr"/>
+            <a:endParaRPr lang="zh-CN" altLang="en-US"/>
+          </a:p>
+        </p:txBody>
+      </p:sp>
+      <p:sp>
+        <p:nvSpPr>
+          <p:cNvPr id="44" name="加号 43"/>
+          <p:cNvSpPr/>
+          <p:nvPr/>
+        </p:nvSpPr>
+        <p:spPr>
+          <a:xfrm>
+            <a:off x="9613665" y="2715893"/>
+            <a:ext cx="266007" cy="234542"/>
+          </a:xfrm>
+          <a:prstGeom prst="mathPlus">
+            <a:avLst/>
+          </a:prstGeom>
+          <a:gradFill flip="none" rotWithShape="1">
+            <a:gsLst>
+              <a:gs pos="0">
+                <a:schemeClr val="accent2">
+                  <a:lumMod val="67000"/>
+                </a:schemeClr>
+              </a:gs>
+              <a:gs pos="48000">
+                <a:schemeClr val="accent2">
+                  <a:lumMod val="97000"/>
+                  <a:lumOff val="3000"/>
+                </a:schemeClr>
+              </a:gs>
+              <a:gs pos="100000">
+                <a:schemeClr val="accent2">
+                  <a:lumMod val="60000"/>
+                  <a:lumOff val="40000"/>
+                </a:schemeClr>
+              </a:gs>
+            </a:gsLst>
+            <a:lin ang="16200000" scaled="1"/>
+            <a:tileRect/>
+          </a:gradFill>
+          <a:ln>
+            <a:noFill/>
+          </a:ln>
+        </p:spPr>
+        <p:style>
+          <a:lnRef idx="0">
+            <a:scrgbClr r="0" g="0" b="0"/>
+          </a:lnRef>
+          <a:fillRef idx="0">
+            <a:scrgbClr r="0" g="0" b="0"/>
+          </a:fillRef>
+          <a:effectRef idx="0">
+            <a:scrgbClr r="0" g="0" b="0"/>
+          </a:effectRef>
+          <a:fontRef idx="minor">
+            <a:schemeClr val="lt1"/>
+          </a:fontRef>
+        </p:style>
+        <p:txBody>
+          <a:bodyPr rtlCol="0" anchor="ctr"/>
+          <a:lstStyle/>
+          <a:p>
+            <a:pPr algn="ctr"/>
+            <a:endParaRPr lang="zh-CN" altLang="en-US"/>
+          </a:p>
+        </p:txBody>
+      </p:sp>
+      <p:sp>
+        <p:nvSpPr>
+          <p:cNvPr id="45" name="圆角矩形 44"/>
+          <p:cNvSpPr/>
+          <p:nvPr/>
+        </p:nvSpPr>
+        <p:spPr>
+          <a:xfrm>
+            <a:off x="8100750" y="2391697"/>
+            <a:ext cx="1296784" cy="351503"/>
+          </a:xfrm>
+          <a:prstGeom prst="roundRect">
+            <a:avLst/>
+          </a:prstGeom>
+          <a:gradFill flip="none" rotWithShape="1">
+            <a:gsLst>
+              <a:gs pos="0">
+                <a:schemeClr val="accent5">
+                  <a:lumMod val="67000"/>
+                </a:schemeClr>
+              </a:gs>
+              <a:gs pos="48000">
+                <a:schemeClr val="accent5">
+                  <a:lumMod val="97000"/>
+                  <a:lumOff val="3000"/>
+                </a:schemeClr>
+              </a:gs>
+              <a:gs pos="100000">
+                <a:schemeClr val="accent5">
+                  <a:lumMod val="60000"/>
+                  <a:lumOff val="40000"/>
+                </a:schemeClr>
+              </a:gs>
+            </a:gsLst>
+            <a:lin ang="16200000" scaled="1"/>
+            <a:tileRect/>
+          </a:gradFill>
+          <a:ln>
+            <a:noFill/>
+          </a:ln>
+        </p:spPr>
+        <p:style>
+          <a:lnRef idx="0">
+            <a:scrgbClr r="0" g="0" b="0"/>
+          </a:lnRef>
+          <a:fillRef idx="0">
+            <a:scrgbClr r="0" g="0" b="0"/>
+          </a:fillRef>
+          <a:effectRef idx="0">
+            <a:scrgbClr r="0" g="0" b="0"/>
+          </a:effectRef>
+          <a:fontRef idx="minor">
+            <a:schemeClr val="lt1"/>
+          </a:fontRef>
+        </p:style>
+        <p:txBody>
+          <a:bodyPr rtlCol="0" anchor="ctr"/>
+          <a:lstStyle/>
+          <a:p>
+            <a:pPr algn="ctr"/>
+            <a:r>
+              <a:rPr lang="en-US" altLang="zh-CN" dirty="0" smtClean="0"/>
+              <a:t>“C”</a:t>
+            </a:r>
+            <a:endParaRPr lang="zh-CN" altLang="en-US" dirty="0"/>
+          </a:p>
+        </p:txBody>
+      </p:sp>
+      <p:cxnSp>
+        <p:nvCxnSpPr>
+          <p:cNvPr id="46" name="直接箭头连接符 45"/>
+          <p:cNvCxnSpPr>
+            <a:endCxn id="43" idx="2"/>
+          </p:cNvCxnSpPr>
+          <p:nvPr/>
+        </p:nvCxnSpPr>
+        <p:spPr>
+          <a:xfrm flipV="1">
+            <a:off x="7249541" y="2833164"/>
+            <a:ext cx="404329" cy="9206"/>
+          </a:xfrm>
+          <a:prstGeom prst="straightConnector1">
+            <a:avLst/>
+          </a:prstGeom>
+          <a:ln w="28575">
+            <a:tailEnd type="triangle"/>
+          </a:ln>
+        </p:spPr>
+        <p:style>
+          <a:lnRef idx="3">
+            <a:schemeClr val="dk1"/>
+          </a:lnRef>
+          <a:fillRef idx="0">
+            <a:schemeClr val="dk1"/>
+          </a:fillRef>
+          <a:effectRef idx="2">
+            <a:schemeClr val="dk1"/>
+          </a:effectRef>
+          <a:fontRef idx="minor">
+            <a:schemeClr val="tx1"/>
+          </a:fontRef>
+        </p:style>
+      </p:cxnSp>
+      <p:sp>
+        <p:nvSpPr>
+          <p:cNvPr id="49" name="文本框 48"/>
+          <p:cNvSpPr txBox="1"/>
+          <p:nvPr/>
+        </p:nvSpPr>
+        <p:spPr>
+          <a:xfrm>
+            <a:off x="8841428" y="3137765"/>
+            <a:ext cx="604653" cy="369332"/>
+          </a:xfrm>
+          <a:prstGeom prst="rect">
+            <a:avLst/>
+          </a:prstGeom>
+          <a:noFill/>
+        </p:spPr>
+        <p:txBody>
+          <a:bodyPr wrap="none" rtlCol="0">
+            <a:spAutoFit/>
+          </a:bodyPr>
+          <a:lstStyle/>
+          <a:p>
+            <a:r>
+              <a:rPr lang="en-US" altLang="zh-CN" dirty="0" smtClean="0"/>
+              <a:t>next</a:t>
+            </a:r>
+            <a:endParaRPr lang="zh-CN" altLang="en-US" dirty="0"/>
+          </a:p>
+        </p:txBody>
+      </p:sp>
+      <p:sp>
+        <p:nvSpPr>
+          <p:cNvPr id="48" name="上箭头 47"/>
+          <p:cNvSpPr/>
+          <p:nvPr/>
+        </p:nvSpPr>
+        <p:spPr>
+          <a:xfrm rot="10800000">
+            <a:off x="3426459" y="3154096"/>
+            <a:ext cx="271088" cy="461297"/>
+          </a:xfrm>
+          <a:prstGeom prst="upArrow">
+            <a:avLst/>
+          </a:prstGeom>
+        </p:spPr>
+        <p:style>
+          <a:lnRef idx="2">
+            <a:schemeClr val="accent1">
+              <a:shade val="50000"/>
+            </a:schemeClr>
+          </a:lnRef>
+          <a:fillRef idx="1">
+            <a:schemeClr val="accent1"/>
+          </a:fillRef>
+          <a:effectRef idx="0">
+            <a:schemeClr val="accent1"/>
+          </a:effectRef>
+          <a:fontRef idx="minor">
+            <a:schemeClr val="lt1"/>
+          </a:fontRef>
+        </p:style>
+        <p:txBody>
+          <a:bodyPr rtlCol="0" anchor="ctr"/>
+          <a:lstStyle/>
+          <a:p>
+            <a:pPr algn="ctr"/>
+            <a:endParaRPr lang="zh-CN" altLang="en-US"/>
+          </a:p>
+        </p:txBody>
+      </p:sp>
+      <p:sp>
+        <p:nvSpPr>
+          <p:cNvPr id="52" name="文本框 51"/>
+          <p:cNvSpPr txBox="1"/>
+          <p:nvPr/>
+        </p:nvSpPr>
+        <p:spPr>
+          <a:xfrm>
+            <a:off x="3103382" y="3735749"/>
+            <a:ext cx="917239" cy="307777"/>
+          </a:xfrm>
+          <a:prstGeom prst="rect">
+            <a:avLst/>
+          </a:prstGeom>
+          <a:noFill/>
+        </p:spPr>
+        <p:txBody>
+          <a:bodyPr wrap="none" rtlCol="0">
+            <a:spAutoFit/>
+          </a:bodyPr>
+          <a:lstStyle/>
+          <a:p>
+            <a:r>
+              <a:rPr lang="en-US" altLang="zh-CN" sz="1400" dirty="0" smtClean="0"/>
+              <a:t>Index = 1</a:t>
+            </a:r>
+            <a:endParaRPr lang="zh-CN" altLang="en-US" sz="1400" dirty="0"/>
+          </a:p>
+        </p:txBody>
+      </p:sp>
+      <p:sp>
+        <p:nvSpPr>
+          <p:cNvPr id="61" name="文本框 60"/>
+          <p:cNvSpPr txBox="1"/>
+          <p:nvPr/>
+        </p:nvSpPr>
+        <p:spPr>
+          <a:xfrm>
+            <a:off x="10310909" y="2654129"/>
+            <a:ext cx="631904" cy="369332"/>
+          </a:xfrm>
+          <a:prstGeom prst="rect">
+            <a:avLst/>
+          </a:prstGeom>
+          <a:noFill/>
+        </p:spPr>
+        <p:txBody>
+          <a:bodyPr wrap="none" rtlCol="0">
+            <a:spAutoFit/>
+          </a:bodyPr>
+          <a:lstStyle/>
+          <a:p>
+            <a:r>
+              <a:rPr lang="en-US" altLang="zh-CN" dirty="0" smtClean="0"/>
+              <a:t>false</a:t>
+            </a:r>
+            <a:endParaRPr lang="zh-CN" altLang="en-US" dirty="0"/>
+          </a:p>
+        </p:txBody>
+      </p:sp>
+      <p:cxnSp>
+        <p:nvCxnSpPr>
+          <p:cNvPr id="65" name="直接箭头连接符 64"/>
+          <p:cNvCxnSpPr>
+            <a:endCxn id="61" idx="1"/>
+          </p:cNvCxnSpPr>
+          <p:nvPr/>
+        </p:nvCxnSpPr>
+        <p:spPr>
+          <a:xfrm>
+            <a:off x="9844413" y="2823958"/>
+            <a:ext cx="466496" cy="14837"/>
+          </a:xfrm>
+          <a:prstGeom prst="straightConnector1">
+            <a:avLst/>
+          </a:prstGeom>
+          <a:ln w="28575">
+            <a:tailEnd type="triangle"/>
+          </a:ln>
+        </p:spPr>
+        <p:style>
+          <a:lnRef idx="3">
+            <a:schemeClr val="dk1"/>
+          </a:lnRef>
+          <a:fillRef idx="0">
+            <a:schemeClr val="dk1"/>
+          </a:fillRef>
+          <a:effectRef idx="2">
+            <a:schemeClr val="dk1"/>
+          </a:effectRef>
+          <a:fontRef idx="minor">
+            <a:schemeClr val="tx1"/>
+          </a:fontRef>
+        </p:style>
+      </p:cxnSp>
+      <p:sp>
+        <p:nvSpPr>
+          <p:cNvPr id="54" name="上箭头 53"/>
+          <p:cNvSpPr/>
+          <p:nvPr/>
+        </p:nvSpPr>
+        <p:spPr>
+          <a:xfrm rot="10800000">
+            <a:off x="6056203" y="3073788"/>
+            <a:ext cx="271088" cy="461297"/>
+          </a:xfrm>
+          <a:prstGeom prst="upArrow">
+            <a:avLst/>
+          </a:prstGeom>
+        </p:spPr>
+        <p:style>
+          <a:lnRef idx="2">
+            <a:schemeClr val="accent1">
+              <a:shade val="50000"/>
+            </a:schemeClr>
+          </a:lnRef>
+          <a:fillRef idx="1">
+            <a:schemeClr val="accent1"/>
+          </a:fillRef>
+          <a:effectRef idx="0">
+            <a:schemeClr val="accent1"/>
+          </a:effectRef>
+          <a:fontRef idx="minor">
+            <a:schemeClr val="lt1"/>
+          </a:fontRef>
+        </p:style>
+        <p:txBody>
+          <a:bodyPr rtlCol="0" anchor="ctr"/>
+          <a:lstStyle/>
+          <a:p>
+            <a:pPr algn="ctr"/>
+            <a:endParaRPr lang="zh-CN" altLang="en-US"/>
+          </a:p>
+        </p:txBody>
+      </p:sp>
+      <p:sp>
+        <p:nvSpPr>
+          <p:cNvPr id="55" name="上箭头 54"/>
+          <p:cNvSpPr/>
+          <p:nvPr/>
+        </p:nvSpPr>
+        <p:spPr>
+          <a:xfrm rot="10800000">
+            <a:off x="8649772" y="3116416"/>
+            <a:ext cx="271088" cy="461297"/>
+          </a:xfrm>
+          <a:prstGeom prst="upArrow">
+            <a:avLst/>
+          </a:prstGeom>
+        </p:spPr>
+        <p:style>
+          <a:lnRef idx="2">
+            <a:schemeClr val="accent1">
+              <a:shade val="50000"/>
+            </a:schemeClr>
+          </a:lnRef>
+          <a:fillRef idx="1">
+            <a:schemeClr val="accent1"/>
+          </a:fillRef>
+          <a:effectRef idx="0">
+            <a:schemeClr val="accent1"/>
+          </a:effectRef>
+          <a:fontRef idx="minor">
+            <a:schemeClr val="lt1"/>
+          </a:fontRef>
+        </p:style>
+        <p:txBody>
+          <a:bodyPr rtlCol="0" anchor="ctr"/>
+          <a:lstStyle/>
+          <a:p>
+            <a:pPr algn="ctr"/>
+            <a:endParaRPr lang="zh-CN" altLang="en-US"/>
+          </a:p>
+        </p:txBody>
+      </p:sp>
+      <p:sp>
+        <p:nvSpPr>
+          <p:cNvPr id="56" name="文本框 55"/>
+          <p:cNvSpPr txBox="1"/>
+          <p:nvPr/>
+        </p:nvSpPr>
+        <p:spPr>
+          <a:xfrm>
+            <a:off x="5733127" y="3716044"/>
+            <a:ext cx="917239" cy="307777"/>
+          </a:xfrm>
+          <a:prstGeom prst="rect">
+            <a:avLst/>
+          </a:prstGeom>
+          <a:noFill/>
+        </p:spPr>
+        <p:txBody>
+          <a:bodyPr wrap="none" rtlCol="0">
+            <a:spAutoFit/>
+          </a:bodyPr>
+          <a:lstStyle/>
+          <a:p>
+            <a:r>
+              <a:rPr lang="en-US" altLang="zh-CN" sz="1400" dirty="0" smtClean="0"/>
+              <a:t>Index = 2</a:t>
+            </a:r>
+            <a:endParaRPr lang="zh-CN" altLang="en-US" sz="1400" dirty="0"/>
+          </a:p>
+        </p:txBody>
+      </p:sp>
+      <p:sp>
+        <p:nvSpPr>
+          <p:cNvPr id="57" name="文本框 56"/>
+          <p:cNvSpPr txBox="1"/>
+          <p:nvPr/>
+        </p:nvSpPr>
+        <p:spPr>
+          <a:xfrm>
+            <a:off x="8326696" y="3716044"/>
+            <a:ext cx="917239" cy="307777"/>
+          </a:xfrm>
+          <a:prstGeom prst="rect">
+            <a:avLst/>
+          </a:prstGeom>
+          <a:noFill/>
+        </p:spPr>
+        <p:txBody>
+          <a:bodyPr wrap="none" rtlCol="0">
+            <a:spAutoFit/>
+          </a:bodyPr>
+          <a:lstStyle/>
+          <a:p>
+            <a:r>
+              <a:rPr lang="en-US" altLang="zh-CN" sz="1400" dirty="0" smtClean="0"/>
+              <a:t>Index = 3</a:t>
+            </a:r>
+            <a:endParaRPr lang="zh-CN" altLang="en-US" sz="1400" dirty="0"/>
+          </a:p>
+        </p:txBody>
+      </p:sp>
+      <p:cxnSp>
+        <p:nvCxnSpPr>
+          <p:cNvPr id="6" name="肘形连接符 5"/>
+          <p:cNvCxnSpPr>
+            <a:stCxn id="16" idx="3"/>
+            <a:endCxn id="43" idx="3"/>
+          </p:cNvCxnSpPr>
+          <p:nvPr/>
+        </p:nvCxnSpPr>
+        <p:spPr>
+          <a:xfrm rot="5400000" flipH="1" flipV="1">
+            <a:off x="6141920" y="1164594"/>
+            <a:ext cx="27307" cy="3192084"/>
+          </a:xfrm>
+          <a:prstGeom prst="bentConnector3">
+            <a:avLst>
+              <a:gd name="adj1" fmla="val 6195649"/>
+            </a:avLst>
+          </a:prstGeom>
+          <a:ln>
+            <a:tailEnd type="triangle"/>
+          </a:ln>
+        </p:spPr>
+        <p:style>
+          <a:lnRef idx="1">
+            <a:schemeClr val="accent1"/>
+          </a:lnRef>
+          <a:fillRef idx="0">
+            <a:schemeClr val="accent1"/>
+          </a:fillRef>
+          <a:effectRef idx="0">
+            <a:schemeClr val="accent1"/>
+          </a:effectRef>
+          <a:fontRef idx="minor">
+            <a:schemeClr val="tx1"/>
+          </a:fontRef>
+        </p:style>
+      </p:cxnSp>
+      <p:sp>
+        <p:nvSpPr>
+          <p:cNvPr id="58" name="上箭头 57"/>
+          <p:cNvSpPr/>
+          <p:nvPr/>
+        </p:nvSpPr>
+        <p:spPr>
+          <a:xfrm rot="10800000">
+            <a:off x="6056203" y="1915652"/>
+            <a:ext cx="271088" cy="461297"/>
+          </a:xfrm>
+          <a:prstGeom prst="upArrow">
+            <a:avLst/>
+          </a:prstGeom>
+        </p:spPr>
+        <p:style>
+          <a:lnRef idx="2">
+            <a:schemeClr val="accent1">
+              <a:shade val="50000"/>
+            </a:schemeClr>
+          </a:lnRef>
+          <a:fillRef idx="1">
+            <a:schemeClr val="accent1"/>
+          </a:fillRef>
+          <a:effectRef idx="0">
+            <a:schemeClr val="accent1"/>
+          </a:effectRef>
+          <a:fontRef idx="minor">
+            <a:schemeClr val="lt1"/>
+          </a:fontRef>
+        </p:style>
+        <p:txBody>
+          <a:bodyPr rtlCol="0" anchor="ctr"/>
+          <a:lstStyle/>
+          <a:p>
+            <a:pPr algn="ctr"/>
+            <a:endParaRPr lang="zh-CN" altLang="en-US"/>
+          </a:p>
+        </p:txBody>
+      </p:sp>
+      <p:sp>
+        <p:nvSpPr>
+          <p:cNvPr id="59" name="文本框 58"/>
+          <p:cNvSpPr txBox="1"/>
+          <p:nvPr/>
+        </p:nvSpPr>
+        <p:spPr>
+          <a:xfrm>
+            <a:off x="5915721" y="1487520"/>
+            <a:ext cx="543739" cy="307777"/>
+          </a:xfrm>
+          <a:prstGeom prst="rect">
+            <a:avLst/>
+          </a:prstGeom>
+          <a:noFill/>
+        </p:spPr>
+        <p:txBody>
+          <a:bodyPr wrap="none" rtlCol="0">
+            <a:spAutoFit/>
+          </a:bodyPr>
+          <a:lstStyle/>
+          <a:p>
+            <a:r>
+              <a:rPr lang="zh-CN" altLang="en-US" sz="1400" dirty="0" smtClean="0"/>
+              <a:t>用户</a:t>
+            </a:r>
+            <a:endParaRPr lang="zh-CN" altLang="en-US" sz="1400" dirty="0"/>
+          </a:p>
+        </p:txBody>
+      </p:sp>
+      <p:sp>
+        <p:nvSpPr>
+          <p:cNvPr id="60" name="文本框 59"/>
+          <p:cNvSpPr txBox="1"/>
+          <p:nvPr/>
+        </p:nvSpPr>
+        <p:spPr>
+          <a:xfrm>
+            <a:off x="4544351" y="648060"/>
+            <a:ext cx="3286477" cy="307777"/>
+          </a:xfrm>
+          <a:prstGeom prst="rect">
+            <a:avLst/>
+          </a:prstGeom>
+          <a:noFill/>
+        </p:spPr>
+        <p:txBody>
+          <a:bodyPr wrap="none" rtlCol="0">
+            <a:spAutoFit/>
+          </a:bodyPr>
+          <a:lstStyle/>
+          <a:p>
+            <a:r>
+              <a:rPr lang="zh-CN" altLang="en-US" sz="1400" dirty="0" smtClean="0"/>
+              <a:t>删除节点的上一个节点 </a:t>
+            </a:r>
+            <a:r>
+              <a:rPr lang="en-US" altLang="zh-CN" sz="1400" dirty="0" smtClean="0"/>
+              <a:t>= </a:t>
+            </a:r>
+            <a:r>
+              <a:rPr lang="zh-CN" altLang="en-US" sz="1400" dirty="0" smtClean="0"/>
+              <a:t>删除节点</a:t>
+            </a:r>
+            <a:r>
+              <a:rPr lang="en-US" altLang="zh-CN" sz="1400" dirty="0" smtClean="0"/>
+              <a:t>.next</a:t>
+            </a:r>
+            <a:endParaRPr lang="zh-CN" altLang="en-US" sz="1400" dirty="0"/>
+          </a:p>
+        </p:txBody>
+      </p:sp>
+    </p:spTree>
+    <p:extLst>
+      <p:ext uri="{BB962C8B-B14F-4D97-AF65-F5344CB8AC3E}">
+        <p14:creationId xmlns:p14="http://schemas.microsoft.com/office/powerpoint/2010/main" val="239053835"/>
+      </p:ext>
+    </p:extLst>
+  </p:cSld>
+  <p:clrMapOvr>
+    <a:masterClrMapping/>
+  </p:clrMapOvr>
+</p:sld>
+</file>
+
 <file path=ppt/theme/theme1.xml><?xml version="1.0" encoding="utf-8"?>
 <a:theme xmlns:a="http://schemas.openxmlformats.org/drawingml/2006/main" name="Office 主题​​">
   <a:themeElements>

--- a/src/main/java/com/ac/day20190215/链表的定义与使用分析.pptx
+++ b/src/main/java/com/ac/day20190215/链表的定义与使用分析.pptx
@@ -12,6 +12,8 @@
     <p:sldId id="264" r:id="rId6"/>
     <p:sldId id="265" r:id="rId7"/>
     <p:sldId id="266" r:id="rId8"/>
+    <p:sldId id="267" r:id="rId9"/>
+    <p:sldId id="268" r:id="rId10"/>
   </p:sldIdLst>
   <p:sldSz cx="12192000" cy="6858000"/>
   <p:notesSz cx="6858000" cy="9144000"/>
@@ -214,6 +216,20 @@
 </p:cmLst>
 </file>
 
+<file path=ppt/comments/comment7.xml><?xml version="1.0" encoding="utf-8"?>
+<p:cmLst xmlns:a="http://schemas.openxmlformats.org/drawingml/2006/main" xmlns:r="http://schemas.openxmlformats.org/officeDocument/2006/relationships" xmlns:p="http://schemas.openxmlformats.org/presentationml/2006/main">
+  <p:cm authorId="1" dt="2019-02-15T12:32:30.657" idx="1">
+    <p:pos x="10" y="10"/>
+    <p:text/>
+    <p:extLst>
+      <p:ext uri="{C676402C-5697-4E1C-873F-D02D1690AC5C}">
+        <p15:threadingInfo xmlns:p15="http://schemas.microsoft.com/office/powerpoint/2012/main" timeZoneBias="-480"/>
+      </p:ext>
+    </p:extLst>
+  </p:cm>
+</p:cmLst>
+</file>
+
 <file path=ppt/slideLayouts/slideLayout1.xml><?xml version="1.0" encoding="utf-8"?>
 <p:sldLayout xmlns:a="http://schemas.openxmlformats.org/drawingml/2006/main" xmlns:r="http://schemas.openxmlformats.org/officeDocument/2006/relationships" xmlns:p="http://schemas.openxmlformats.org/presentationml/2006/main" type="title" preserve="1">
   <p:cSld name="标题幻灯片">
@@ -361,7 +377,7 @@
           <a:p>
             <a:fld id="{8EFAD526-FDB9-46BC-83A8-CD6DFC0F7FFF}" type="datetimeFigureOut">
               <a:rPr lang="zh-CN" altLang="en-US" smtClean="0"/>
-              <a:t>2019/2/18</a:t>
+              <a:t>2019/2/19</a:t>
             </a:fld>
             <a:endParaRPr lang="zh-CN" altLang="en-US"/>
           </a:p>
@@ -559,7 +575,7 @@
           <a:p>
             <a:fld id="{8EFAD526-FDB9-46BC-83A8-CD6DFC0F7FFF}" type="datetimeFigureOut">
               <a:rPr lang="zh-CN" altLang="en-US" smtClean="0"/>
-              <a:t>2019/2/18</a:t>
+              <a:t>2019/2/19</a:t>
             </a:fld>
             <a:endParaRPr lang="zh-CN" altLang="en-US"/>
           </a:p>
@@ -767,7 +783,7 @@
           <a:p>
             <a:fld id="{8EFAD526-FDB9-46BC-83A8-CD6DFC0F7FFF}" type="datetimeFigureOut">
               <a:rPr lang="zh-CN" altLang="en-US" smtClean="0"/>
-              <a:t>2019/2/18</a:t>
+              <a:t>2019/2/19</a:t>
             </a:fld>
             <a:endParaRPr lang="zh-CN" altLang="en-US"/>
           </a:p>
@@ -965,7 +981,7 @@
           <a:p>
             <a:fld id="{8EFAD526-FDB9-46BC-83A8-CD6DFC0F7FFF}" type="datetimeFigureOut">
               <a:rPr lang="zh-CN" altLang="en-US" smtClean="0"/>
-              <a:t>2019/2/18</a:t>
+              <a:t>2019/2/19</a:t>
             </a:fld>
             <a:endParaRPr lang="zh-CN" altLang="en-US"/>
           </a:p>
@@ -1240,7 +1256,7 @@
           <a:p>
             <a:fld id="{8EFAD526-FDB9-46BC-83A8-CD6DFC0F7FFF}" type="datetimeFigureOut">
               <a:rPr lang="zh-CN" altLang="en-US" smtClean="0"/>
-              <a:t>2019/2/18</a:t>
+              <a:t>2019/2/19</a:t>
             </a:fld>
             <a:endParaRPr lang="zh-CN" altLang="en-US"/>
           </a:p>
@@ -1505,7 +1521,7 @@
           <a:p>
             <a:fld id="{8EFAD526-FDB9-46BC-83A8-CD6DFC0F7FFF}" type="datetimeFigureOut">
               <a:rPr lang="zh-CN" altLang="en-US" smtClean="0"/>
-              <a:t>2019/2/18</a:t>
+              <a:t>2019/2/19</a:t>
             </a:fld>
             <a:endParaRPr lang="zh-CN" altLang="en-US"/>
           </a:p>
@@ -1917,7 +1933,7 @@
           <a:p>
             <a:fld id="{8EFAD526-FDB9-46BC-83A8-CD6DFC0F7FFF}" type="datetimeFigureOut">
               <a:rPr lang="zh-CN" altLang="en-US" smtClean="0"/>
-              <a:t>2019/2/18</a:t>
+              <a:t>2019/2/19</a:t>
             </a:fld>
             <a:endParaRPr lang="zh-CN" altLang="en-US"/>
           </a:p>
@@ -2058,7 +2074,7 @@
           <a:p>
             <a:fld id="{8EFAD526-FDB9-46BC-83A8-CD6DFC0F7FFF}" type="datetimeFigureOut">
               <a:rPr lang="zh-CN" altLang="en-US" smtClean="0"/>
-              <a:t>2019/2/18</a:t>
+              <a:t>2019/2/19</a:t>
             </a:fld>
             <a:endParaRPr lang="zh-CN" altLang="en-US"/>
           </a:p>
@@ -2171,7 +2187,7 @@
           <a:p>
             <a:fld id="{8EFAD526-FDB9-46BC-83A8-CD6DFC0F7FFF}" type="datetimeFigureOut">
               <a:rPr lang="zh-CN" altLang="en-US" smtClean="0"/>
-              <a:t>2019/2/18</a:t>
+              <a:t>2019/2/19</a:t>
             </a:fld>
             <a:endParaRPr lang="zh-CN" altLang="en-US"/>
           </a:p>
@@ -2482,7 +2498,7 @@
           <a:p>
             <a:fld id="{8EFAD526-FDB9-46BC-83A8-CD6DFC0F7FFF}" type="datetimeFigureOut">
               <a:rPr lang="zh-CN" altLang="en-US" smtClean="0"/>
-              <a:t>2019/2/18</a:t>
+              <a:t>2019/2/19</a:t>
             </a:fld>
             <a:endParaRPr lang="zh-CN" altLang="en-US"/>
           </a:p>
@@ -2770,7 +2786,7 @@
           <a:p>
             <a:fld id="{8EFAD526-FDB9-46BC-83A8-CD6DFC0F7FFF}" type="datetimeFigureOut">
               <a:rPr lang="zh-CN" altLang="en-US" smtClean="0"/>
-              <a:t>2019/2/18</a:t>
+              <a:t>2019/2/19</a:t>
             </a:fld>
             <a:endParaRPr lang="zh-CN" altLang="en-US"/>
           </a:p>
@@ -3011,7 +3027,7 @@
           <a:p>
             <a:fld id="{8EFAD526-FDB9-46BC-83A8-CD6DFC0F7FFF}" type="datetimeFigureOut">
               <a:rPr lang="zh-CN" altLang="en-US" smtClean="0"/>
-              <a:t>2019/2/18</a:t>
+              <a:t>2019/2/19</a:t>
             </a:fld>
             <a:endParaRPr lang="zh-CN" altLang="en-US"/>
           </a:p>
@@ -20511,6 +20527,3468 @@
 </p:sld>
 </file>
 
+<file path=ppt/slides/slide8.xml><?xml version="1.0" encoding="utf-8"?>
+<p:sld xmlns:a="http://schemas.openxmlformats.org/drawingml/2006/main" xmlns:r="http://schemas.openxmlformats.org/officeDocument/2006/relationships" xmlns:p="http://schemas.openxmlformats.org/presentationml/2006/main">
+  <p:cSld>
+    <p:spTree>
+      <p:nvGrpSpPr>
+        <p:cNvPr id="1" name=""/>
+        <p:cNvGrpSpPr/>
+        <p:nvPr/>
+      </p:nvGrpSpPr>
+      <p:grpSpPr>
+        <a:xfrm>
+          <a:off x="0" y="0"/>
+          <a:ext cx="0" cy="0"/>
+          <a:chOff x="0" y="0"/>
+          <a:chExt cx="0" cy="0"/>
+        </a:xfrm>
+      </p:grpSpPr>
+      <p:sp>
+        <p:nvSpPr>
+          <p:cNvPr id="3" name="圆角矩形 2"/>
+          <p:cNvSpPr/>
+          <p:nvPr/>
+        </p:nvSpPr>
+        <p:spPr>
+          <a:xfrm>
+            <a:off x="1358362" y="2537352"/>
+            <a:ext cx="657552" cy="646331"/>
+          </a:xfrm>
+          <a:prstGeom prst="roundRect">
+            <a:avLst/>
+          </a:prstGeom>
+        </p:spPr>
+        <p:style>
+          <a:lnRef idx="2">
+            <a:schemeClr val="accent1">
+              <a:shade val="50000"/>
+            </a:schemeClr>
+          </a:lnRef>
+          <a:fillRef idx="1">
+            <a:schemeClr val="accent1"/>
+          </a:fillRef>
+          <a:effectRef idx="0">
+            <a:schemeClr val="accent1"/>
+          </a:effectRef>
+          <a:fontRef idx="minor">
+            <a:schemeClr val="lt1"/>
+          </a:fontRef>
+        </p:style>
+        <p:txBody>
+          <a:bodyPr rtlCol="0" anchor="ctr"/>
+          <a:lstStyle/>
+          <a:p>
+            <a:pPr algn="ctr"/>
+            <a:endParaRPr lang="zh-CN" altLang="en-US"/>
+          </a:p>
+        </p:txBody>
+      </p:sp>
+      <p:sp>
+        <p:nvSpPr>
+          <p:cNvPr id="4" name="文本框 3"/>
+          <p:cNvSpPr txBox="1"/>
+          <p:nvPr/>
+        </p:nvSpPr>
+        <p:spPr>
+          <a:xfrm>
+            <a:off x="1358362" y="2537352"/>
+            <a:ext cx="657552" cy="646331"/>
+          </a:xfrm>
+          <a:prstGeom prst="rect">
+            <a:avLst/>
+          </a:prstGeom>
+          <a:noFill/>
+        </p:spPr>
+        <p:txBody>
+          <a:bodyPr wrap="none" rtlCol="0">
+            <a:spAutoFit/>
+          </a:bodyPr>
+          <a:lstStyle/>
+          <a:p>
+            <a:r>
+              <a:rPr lang="en-US" altLang="zh-CN" dirty="0" smtClean="0"/>
+              <a:t>Link</a:t>
+            </a:r>
+          </a:p>
+          <a:p>
+            <a:r>
+              <a:rPr lang="en-US" altLang="zh-CN" dirty="0" smtClean="0"/>
+              <a:t>Root</a:t>
+            </a:r>
+            <a:endParaRPr lang="zh-CN" altLang="en-US" dirty="0"/>
+          </a:p>
+        </p:txBody>
+      </p:sp>
+      <p:sp>
+        <p:nvSpPr>
+          <p:cNvPr id="5" name="矩形 4"/>
+          <p:cNvSpPr/>
+          <p:nvPr/>
+        </p:nvSpPr>
+        <p:spPr>
+          <a:xfrm>
+            <a:off x="2834640" y="2801389"/>
+            <a:ext cx="1454727" cy="99753"/>
+          </a:xfrm>
+          <a:prstGeom prst="rect">
+            <a:avLst/>
+          </a:prstGeom>
+        </p:spPr>
+        <p:style>
+          <a:lnRef idx="2">
+            <a:schemeClr val="accent1">
+              <a:shade val="50000"/>
+            </a:schemeClr>
+          </a:lnRef>
+          <a:fillRef idx="1">
+            <a:schemeClr val="accent1"/>
+          </a:fillRef>
+          <a:effectRef idx="0">
+            <a:schemeClr val="accent1"/>
+          </a:effectRef>
+          <a:fontRef idx="minor">
+            <a:schemeClr val="lt1"/>
+          </a:fontRef>
+        </p:style>
+        <p:txBody>
+          <a:bodyPr rtlCol="0" anchor="ctr"/>
+          <a:lstStyle/>
+          <a:p>
+            <a:pPr algn="ctr"/>
+            <a:endParaRPr lang="zh-CN" altLang="en-US"/>
+          </a:p>
+        </p:txBody>
+      </p:sp>
+      <p:sp>
+        <p:nvSpPr>
+          <p:cNvPr id="7" name="矩形 6"/>
+          <p:cNvSpPr/>
+          <p:nvPr/>
+        </p:nvSpPr>
+        <p:spPr>
+          <a:xfrm>
+            <a:off x="2743200" y="2593571"/>
+            <a:ext cx="91440" cy="307571"/>
+          </a:xfrm>
+          <a:prstGeom prst="rect">
+            <a:avLst/>
+          </a:prstGeom>
+        </p:spPr>
+        <p:style>
+          <a:lnRef idx="2">
+            <a:schemeClr val="accent1">
+              <a:shade val="50000"/>
+            </a:schemeClr>
+          </a:lnRef>
+          <a:fillRef idx="1">
+            <a:schemeClr val="accent1"/>
+          </a:fillRef>
+          <a:effectRef idx="0">
+            <a:schemeClr val="accent1"/>
+          </a:effectRef>
+          <a:fontRef idx="minor">
+            <a:schemeClr val="lt1"/>
+          </a:fontRef>
+        </p:style>
+        <p:txBody>
+          <a:bodyPr rtlCol="0" anchor="ctr"/>
+          <a:lstStyle/>
+          <a:p>
+            <a:pPr algn="ctr"/>
+            <a:endParaRPr lang="zh-CN" altLang="en-US"/>
+          </a:p>
+        </p:txBody>
+      </p:sp>
+      <p:sp>
+        <p:nvSpPr>
+          <p:cNvPr id="8" name="矩形 7"/>
+          <p:cNvSpPr/>
+          <p:nvPr/>
+        </p:nvSpPr>
+        <p:spPr>
+          <a:xfrm>
+            <a:off x="4289367" y="2593571"/>
+            <a:ext cx="91440" cy="307571"/>
+          </a:xfrm>
+          <a:prstGeom prst="rect">
+            <a:avLst/>
+          </a:prstGeom>
+        </p:spPr>
+        <p:style>
+          <a:lnRef idx="2">
+            <a:schemeClr val="accent1">
+              <a:shade val="50000"/>
+            </a:schemeClr>
+          </a:lnRef>
+          <a:fillRef idx="1">
+            <a:schemeClr val="accent1"/>
+          </a:fillRef>
+          <a:effectRef idx="0">
+            <a:schemeClr val="accent1"/>
+          </a:effectRef>
+          <a:fontRef idx="minor">
+            <a:schemeClr val="lt1"/>
+          </a:fontRef>
+        </p:style>
+        <p:txBody>
+          <a:bodyPr rtlCol="0" anchor="ctr"/>
+          <a:lstStyle/>
+          <a:p>
+            <a:pPr algn="ctr"/>
+            <a:endParaRPr lang="zh-CN" altLang="en-US"/>
+          </a:p>
+        </p:txBody>
+      </p:sp>
+      <p:sp>
+        <p:nvSpPr>
+          <p:cNvPr id="9" name="椭圆 8"/>
+          <p:cNvSpPr/>
+          <p:nvPr/>
+        </p:nvSpPr>
+        <p:spPr>
+          <a:xfrm>
+            <a:off x="2834640" y="2901142"/>
+            <a:ext cx="157942" cy="153201"/>
+          </a:xfrm>
+          <a:prstGeom prst="ellipse">
+            <a:avLst/>
+          </a:prstGeom>
+        </p:spPr>
+        <p:style>
+          <a:lnRef idx="2">
+            <a:schemeClr val="accent6">
+              <a:shade val="50000"/>
+            </a:schemeClr>
+          </a:lnRef>
+          <a:fillRef idx="1">
+            <a:schemeClr val="accent6"/>
+          </a:fillRef>
+          <a:effectRef idx="0">
+            <a:schemeClr val="accent6"/>
+          </a:effectRef>
+          <a:fontRef idx="minor">
+            <a:schemeClr val="lt1"/>
+          </a:fontRef>
+        </p:style>
+        <p:txBody>
+          <a:bodyPr rtlCol="0" anchor="ctr"/>
+          <a:lstStyle/>
+          <a:p>
+            <a:pPr algn="ctr"/>
+            <a:endParaRPr lang="zh-CN" altLang="en-US"/>
+          </a:p>
+        </p:txBody>
+      </p:sp>
+      <p:sp>
+        <p:nvSpPr>
+          <p:cNvPr id="10" name="椭圆 9"/>
+          <p:cNvSpPr/>
+          <p:nvPr/>
+        </p:nvSpPr>
+        <p:spPr>
+          <a:xfrm>
+            <a:off x="2913611" y="2977742"/>
+            <a:ext cx="45719" cy="45719"/>
+          </a:xfrm>
+          <a:prstGeom prst="ellipse">
+            <a:avLst/>
+          </a:prstGeom>
+        </p:spPr>
+        <p:style>
+          <a:lnRef idx="2">
+            <a:schemeClr val="accent2">
+              <a:shade val="50000"/>
+            </a:schemeClr>
+          </a:lnRef>
+          <a:fillRef idx="1">
+            <a:schemeClr val="accent2"/>
+          </a:fillRef>
+          <a:effectRef idx="0">
+            <a:schemeClr val="accent2"/>
+          </a:effectRef>
+          <a:fontRef idx="minor">
+            <a:schemeClr val="lt1"/>
+          </a:fontRef>
+        </p:style>
+        <p:txBody>
+          <a:bodyPr rtlCol="0" anchor="ctr"/>
+          <a:lstStyle/>
+          <a:p>
+            <a:pPr algn="ctr"/>
+            <a:endParaRPr lang="zh-CN" altLang="en-US"/>
+          </a:p>
+        </p:txBody>
+      </p:sp>
+      <p:sp>
+        <p:nvSpPr>
+          <p:cNvPr id="11" name="椭圆 10"/>
+          <p:cNvSpPr/>
+          <p:nvPr/>
+        </p:nvSpPr>
+        <p:spPr>
+          <a:xfrm>
+            <a:off x="3496348" y="2901142"/>
+            <a:ext cx="157942" cy="153201"/>
+          </a:xfrm>
+          <a:prstGeom prst="ellipse">
+            <a:avLst/>
+          </a:prstGeom>
+        </p:spPr>
+        <p:style>
+          <a:lnRef idx="2">
+            <a:schemeClr val="accent6">
+              <a:shade val="50000"/>
+            </a:schemeClr>
+          </a:lnRef>
+          <a:fillRef idx="1">
+            <a:schemeClr val="accent6"/>
+          </a:fillRef>
+          <a:effectRef idx="0">
+            <a:schemeClr val="accent6"/>
+          </a:effectRef>
+          <a:fontRef idx="minor">
+            <a:schemeClr val="lt1"/>
+          </a:fontRef>
+        </p:style>
+        <p:txBody>
+          <a:bodyPr rtlCol="0" anchor="ctr"/>
+          <a:lstStyle/>
+          <a:p>
+            <a:pPr algn="ctr"/>
+            <a:endParaRPr lang="zh-CN" altLang="en-US"/>
+          </a:p>
+        </p:txBody>
+      </p:sp>
+      <p:sp>
+        <p:nvSpPr>
+          <p:cNvPr id="12" name="椭圆 11"/>
+          <p:cNvSpPr/>
+          <p:nvPr/>
+        </p:nvSpPr>
+        <p:spPr>
+          <a:xfrm>
+            <a:off x="3575319" y="2977742"/>
+            <a:ext cx="45719" cy="45719"/>
+          </a:xfrm>
+          <a:prstGeom prst="ellipse">
+            <a:avLst/>
+          </a:prstGeom>
+        </p:spPr>
+        <p:style>
+          <a:lnRef idx="2">
+            <a:schemeClr val="accent2">
+              <a:shade val="50000"/>
+            </a:schemeClr>
+          </a:lnRef>
+          <a:fillRef idx="1">
+            <a:schemeClr val="accent2"/>
+          </a:fillRef>
+          <a:effectRef idx="0">
+            <a:schemeClr val="accent2"/>
+          </a:effectRef>
+          <a:fontRef idx="minor">
+            <a:schemeClr val="lt1"/>
+          </a:fontRef>
+        </p:style>
+        <p:txBody>
+          <a:bodyPr rtlCol="0" anchor="ctr"/>
+          <a:lstStyle/>
+          <a:p>
+            <a:pPr algn="ctr"/>
+            <a:endParaRPr lang="zh-CN" altLang="en-US"/>
+          </a:p>
+        </p:txBody>
+      </p:sp>
+      <p:sp>
+        <p:nvSpPr>
+          <p:cNvPr id="13" name="椭圆 12"/>
+          <p:cNvSpPr/>
+          <p:nvPr/>
+        </p:nvSpPr>
+        <p:spPr>
+          <a:xfrm>
+            <a:off x="4131425" y="2909455"/>
+            <a:ext cx="157942" cy="153201"/>
+          </a:xfrm>
+          <a:prstGeom prst="ellipse">
+            <a:avLst/>
+          </a:prstGeom>
+        </p:spPr>
+        <p:style>
+          <a:lnRef idx="2">
+            <a:schemeClr val="accent6">
+              <a:shade val="50000"/>
+            </a:schemeClr>
+          </a:lnRef>
+          <a:fillRef idx="1">
+            <a:schemeClr val="accent6"/>
+          </a:fillRef>
+          <a:effectRef idx="0">
+            <a:schemeClr val="accent6"/>
+          </a:effectRef>
+          <a:fontRef idx="minor">
+            <a:schemeClr val="lt1"/>
+          </a:fontRef>
+        </p:style>
+        <p:txBody>
+          <a:bodyPr rtlCol="0" anchor="ctr"/>
+          <a:lstStyle/>
+          <a:p>
+            <a:pPr algn="ctr"/>
+            <a:endParaRPr lang="zh-CN" altLang="en-US"/>
+          </a:p>
+        </p:txBody>
+      </p:sp>
+      <p:sp>
+        <p:nvSpPr>
+          <p:cNvPr id="14" name="椭圆 13"/>
+          <p:cNvSpPr/>
+          <p:nvPr/>
+        </p:nvSpPr>
+        <p:spPr>
+          <a:xfrm>
+            <a:off x="4210396" y="2986055"/>
+            <a:ext cx="45719" cy="45719"/>
+          </a:xfrm>
+          <a:prstGeom prst="ellipse">
+            <a:avLst/>
+          </a:prstGeom>
+        </p:spPr>
+        <p:style>
+          <a:lnRef idx="2">
+            <a:schemeClr val="accent2">
+              <a:shade val="50000"/>
+            </a:schemeClr>
+          </a:lnRef>
+          <a:fillRef idx="1">
+            <a:schemeClr val="accent2"/>
+          </a:fillRef>
+          <a:effectRef idx="0">
+            <a:schemeClr val="accent2"/>
+          </a:effectRef>
+          <a:fontRef idx="minor">
+            <a:schemeClr val="lt1"/>
+          </a:fontRef>
+        </p:style>
+        <p:txBody>
+          <a:bodyPr rtlCol="0" anchor="ctr"/>
+          <a:lstStyle/>
+          <a:p>
+            <a:pPr algn="ctr"/>
+            <a:endParaRPr lang="zh-CN" altLang="en-US"/>
+          </a:p>
+        </p:txBody>
+      </p:sp>
+      <p:sp>
+        <p:nvSpPr>
+          <p:cNvPr id="15" name="加号 14"/>
+          <p:cNvSpPr/>
+          <p:nvPr/>
+        </p:nvSpPr>
+        <p:spPr>
+          <a:xfrm>
+            <a:off x="2431473" y="2743200"/>
+            <a:ext cx="266007" cy="234542"/>
+          </a:xfrm>
+          <a:prstGeom prst="mathPlus">
+            <a:avLst/>
+          </a:prstGeom>
+          <a:solidFill>
+            <a:schemeClr val="accent2"/>
+          </a:solidFill>
+          <a:ln>
+            <a:noFill/>
+          </a:ln>
+        </p:spPr>
+        <p:style>
+          <a:lnRef idx="0">
+            <a:scrgbClr r="0" g="0" b="0"/>
+          </a:lnRef>
+          <a:fillRef idx="0">
+            <a:scrgbClr r="0" g="0" b="0"/>
+          </a:fillRef>
+          <a:effectRef idx="0">
+            <a:scrgbClr r="0" g="0" b="0"/>
+          </a:effectRef>
+          <a:fontRef idx="minor">
+            <a:schemeClr val="lt1"/>
+          </a:fontRef>
+        </p:style>
+        <p:txBody>
+          <a:bodyPr rtlCol="0" anchor="ctr"/>
+          <a:lstStyle/>
+          <a:p>
+            <a:pPr algn="ctr"/>
+            <a:endParaRPr lang="zh-CN" altLang="en-US"/>
+          </a:p>
+        </p:txBody>
+      </p:sp>
+      <p:sp>
+        <p:nvSpPr>
+          <p:cNvPr id="16" name="加号 15"/>
+          <p:cNvSpPr/>
+          <p:nvPr/>
+        </p:nvSpPr>
+        <p:spPr>
+          <a:xfrm>
+            <a:off x="4426527" y="2743200"/>
+            <a:ext cx="266007" cy="234542"/>
+          </a:xfrm>
+          <a:prstGeom prst="mathPlus">
+            <a:avLst/>
+          </a:prstGeom>
+          <a:gradFill flip="none" rotWithShape="1">
+            <a:gsLst>
+              <a:gs pos="0">
+                <a:schemeClr val="accent2">
+                  <a:lumMod val="67000"/>
+                </a:schemeClr>
+              </a:gs>
+              <a:gs pos="48000">
+                <a:schemeClr val="accent2">
+                  <a:lumMod val="97000"/>
+                  <a:lumOff val="3000"/>
+                </a:schemeClr>
+              </a:gs>
+              <a:gs pos="100000">
+                <a:schemeClr val="accent2">
+                  <a:lumMod val="60000"/>
+                  <a:lumOff val="40000"/>
+                </a:schemeClr>
+              </a:gs>
+            </a:gsLst>
+            <a:lin ang="16200000" scaled="1"/>
+            <a:tileRect/>
+          </a:gradFill>
+          <a:ln>
+            <a:noFill/>
+          </a:ln>
+        </p:spPr>
+        <p:style>
+          <a:lnRef idx="0">
+            <a:scrgbClr r="0" g="0" b="0"/>
+          </a:lnRef>
+          <a:fillRef idx="0">
+            <a:scrgbClr r="0" g="0" b="0"/>
+          </a:fillRef>
+          <a:effectRef idx="0">
+            <a:scrgbClr r="0" g="0" b="0"/>
+          </a:effectRef>
+          <a:fontRef idx="minor">
+            <a:schemeClr val="lt1"/>
+          </a:fontRef>
+        </p:style>
+        <p:txBody>
+          <a:bodyPr rtlCol="0" anchor="ctr"/>
+          <a:lstStyle/>
+          <a:p>
+            <a:pPr algn="ctr"/>
+            <a:endParaRPr lang="zh-CN" altLang="en-US"/>
+          </a:p>
+        </p:txBody>
+      </p:sp>
+      <p:sp>
+        <p:nvSpPr>
+          <p:cNvPr id="17" name="圆角矩形 16"/>
+          <p:cNvSpPr/>
+          <p:nvPr/>
+        </p:nvSpPr>
+        <p:spPr>
+          <a:xfrm>
+            <a:off x="2913612" y="2419004"/>
+            <a:ext cx="1296784" cy="351503"/>
+          </a:xfrm>
+          <a:prstGeom prst="roundRect">
+            <a:avLst/>
+          </a:prstGeom>
+          <a:gradFill flip="none" rotWithShape="1">
+            <a:gsLst>
+              <a:gs pos="0">
+                <a:schemeClr val="accent5">
+                  <a:lumMod val="67000"/>
+                </a:schemeClr>
+              </a:gs>
+              <a:gs pos="48000">
+                <a:schemeClr val="accent5">
+                  <a:lumMod val="97000"/>
+                  <a:lumOff val="3000"/>
+                </a:schemeClr>
+              </a:gs>
+              <a:gs pos="100000">
+                <a:schemeClr val="accent5">
+                  <a:lumMod val="60000"/>
+                  <a:lumOff val="40000"/>
+                </a:schemeClr>
+              </a:gs>
+            </a:gsLst>
+            <a:lin ang="16200000" scaled="1"/>
+            <a:tileRect/>
+          </a:gradFill>
+          <a:ln>
+            <a:noFill/>
+          </a:ln>
+        </p:spPr>
+        <p:style>
+          <a:lnRef idx="0">
+            <a:scrgbClr r="0" g="0" b="0"/>
+          </a:lnRef>
+          <a:fillRef idx="0">
+            <a:scrgbClr r="0" g="0" b="0"/>
+          </a:fillRef>
+          <a:effectRef idx="0">
+            <a:scrgbClr r="0" g="0" b="0"/>
+          </a:effectRef>
+          <a:fontRef idx="minor">
+            <a:schemeClr val="lt1"/>
+          </a:fontRef>
+        </p:style>
+        <p:txBody>
+          <a:bodyPr rtlCol="0" anchor="ctr"/>
+          <a:lstStyle/>
+          <a:p>
+            <a:pPr algn="ctr"/>
+            <a:r>
+              <a:rPr lang="en-US" altLang="zh-CN" dirty="0" smtClean="0"/>
+              <a:t>“A”</a:t>
+            </a:r>
+            <a:endParaRPr lang="zh-CN" altLang="en-US" dirty="0"/>
+          </a:p>
+        </p:txBody>
+      </p:sp>
+      <p:cxnSp>
+        <p:nvCxnSpPr>
+          <p:cNvPr id="19" name="直接箭头连接符 18"/>
+          <p:cNvCxnSpPr>
+            <a:stCxn id="4" idx="3"/>
+            <a:endCxn id="15" idx="2"/>
+          </p:cNvCxnSpPr>
+          <p:nvPr/>
+        </p:nvCxnSpPr>
+        <p:spPr>
+          <a:xfrm flipV="1">
+            <a:off x="2062403" y="2860471"/>
+            <a:ext cx="404329" cy="9206"/>
+          </a:xfrm>
+          <a:prstGeom prst="straightConnector1">
+            <a:avLst/>
+          </a:prstGeom>
+          <a:ln w="28575">
+            <a:tailEnd type="triangle"/>
+          </a:ln>
+        </p:spPr>
+        <p:style>
+          <a:lnRef idx="3">
+            <a:schemeClr val="dk1"/>
+          </a:lnRef>
+          <a:fillRef idx="0">
+            <a:schemeClr val="dk1"/>
+          </a:fillRef>
+          <a:effectRef idx="2">
+            <a:schemeClr val="dk1"/>
+          </a:effectRef>
+          <a:fontRef idx="minor">
+            <a:schemeClr val="tx1"/>
+          </a:fontRef>
+        </p:style>
+      </p:cxnSp>
+      <p:sp>
+        <p:nvSpPr>
+          <p:cNvPr id="21" name="矩形 20"/>
+          <p:cNvSpPr/>
+          <p:nvPr/>
+        </p:nvSpPr>
+        <p:spPr>
+          <a:xfrm>
+            <a:off x="5428209" y="2793076"/>
+            <a:ext cx="1454727" cy="99753"/>
+          </a:xfrm>
+          <a:prstGeom prst="rect">
+            <a:avLst/>
+          </a:prstGeom>
+        </p:spPr>
+        <p:style>
+          <a:lnRef idx="2">
+            <a:schemeClr val="accent1">
+              <a:shade val="50000"/>
+            </a:schemeClr>
+          </a:lnRef>
+          <a:fillRef idx="1">
+            <a:schemeClr val="accent1"/>
+          </a:fillRef>
+          <a:effectRef idx="0">
+            <a:schemeClr val="accent1"/>
+          </a:effectRef>
+          <a:fontRef idx="minor">
+            <a:schemeClr val="lt1"/>
+          </a:fontRef>
+        </p:style>
+        <p:txBody>
+          <a:bodyPr rtlCol="0" anchor="ctr"/>
+          <a:lstStyle/>
+          <a:p>
+            <a:pPr algn="ctr"/>
+            <a:endParaRPr lang="zh-CN" altLang="en-US"/>
+          </a:p>
+        </p:txBody>
+      </p:sp>
+      <p:sp>
+        <p:nvSpPr>
+          <p:cNvPr id="22" name="矩形 21"/>
+          <p:cNvSpPr/>
+          <p:nvPr/>
+        </p:nvSpPr>
+        <p:spPr>
+          <a:xfrm>
+            <a:off x="5336769" y="2585258"/>
+            <a:ext cx="91440" cy="307571"/>
+          </a:xfrm>
+          <a:prstGeom prst="rect">
+            <a:avLst/>
+          </a:prstGeom>
+        </p:spPr>
+        <p:style>
+          <a:lnRef idx="2">
+            <a:schemeClr val="accent1">
+              <a:shade val="50000"/>
+            </a:schemeClr>
+          </a:lnRef>
+          <a:fillRef idx="1">
+            <a:schemeClr val="accent1"/>
+          </a:fillRef>
+          <a:effectRef idx="0">
+            <a:schemeClr val="accent1"/>
+          </a:effectRef>
+          <a:fontRef idx="minor">
+            <a:schemeClr val="lt1"/>
+          </a:fontRef>
+        </p:style>
+        <p:txBody>
+          <a:bodyPr rtlCol="0" anchor="ctr"/>
+          <a:lstStyle/>
+          <a:p>
+            <a:pPr algn="ctr"/>
+            <a:endParaRPr lang="zh-CN" altLang="en-US"/>
+          </a:p>
+        </p:txBody>
+      </p:sp>
+      <p:sp>
+        <p:nvSpPr>
+          <p:cNvPr id="23" name="矩形 22"/>
+          <p:cNvSpPr/>
+          <p:nvPr/>
+        </p:nvSpPr>
+        <p:spPr>
+          <a:xfrm>
+            <a:off x="6882936" y="2585258"/>
+            <a:ext cx="91440" cy="307571"/>
+          </a:xfrm>
+          <a:prstGeom prst="rect">
+            <a:avLst/>
+          </a:prstGeom>
+        </p:spPr>
+        <p:style>
+          <a:lnRef idx="2">
+            <a:schemeClr val="accent1">
+              <a:shade val="50000"/>
+            </a:schemeClr>
+          </a:lnRef>
+          <a:fillRef idx="1">
+            <a:schemeClr val="accent1"/>
+          </a:fillRef>
+          <a:effectRef idx="0">
+            <a:schemeClr val="accent1"/>
+          </a:effectRef>
+          <a:fontRef idx="minor">
+            <a:schemeClr val="lt1"/>
+          </a:fontRef>
+        </p:style>
+        <p:txBody>
+          <a:bodyPr rtlCol="0" anchor="ctr"/>
+          <a:lstStyle/>
+          <a:p>
+            <a:pPr algn="ctr"/>
+            <a:endParaRPr lang="zh-CN" altLang="en-US"/>
+          </a:p>
+        </p:txBody>
+      </p:sp>
+      <p:sp>
+        <p:nvSpPr>
+          <p:cNvPr id="24" name="椭圆 23"/>
+          <p:cNvSpPr/>
+          <p:nvPr/>
+        </p:nvSpPr>
+        <p:spPr>
+          <a:xfrm>
+            <a:off x="5428209" y="2892829"/>
+            <a:ext cx="157942" cy="153201"/>
+          </a:xfrm>
+          <a:prstGeom prst="ellipse">
+            <a:avLst/>
+          </a:prstGeom>
+        </p:spPr>
+        <p:style>
+          <a:lnRef idx="2">
+            <a:schemeClr val="accent6">
+              <a:shade val="50000"/>
+            </a:schemeClr>
+          </a:lnRef>
+          <a:fillRef idx="1">
+            <a:schemeClr val="accent6"/>
+          </a:fillRef>
+          <a:effectRef idx="0">
+            <a:schemeClr val="accent6"/>
+          </a:effectRef>
+          <a:fontRef idx="minor">
+            <a:schemeClr val="lt1"/>
+          </a:fontRef>
+        </p:style>
+        <p:txBody>
+          <a:bodyPr rtlCol="0" anchor="ctr"/>
+          <a:lstStyle/>
+          <a:p>
+            <a:pPr algn="ctr"/>
+            <a:endParaRPr lang="zh-CN" altLang="en-US"/>
+          </a:p>
+        </p:txBody>
+      </p:sp>
+      <p:sp>
+        <p:nvSpPr>
+          <p:cNvPr id="25" name="椭圆 24"/>
+          <p:cNvSpPr/>
+          <p:nvPr/>
+        </p:nvSpPr>
+        <p:spPr>
+          <a:xfrm>
+            <a:off x="5507180" y="2969429"/>
+            <a:ext cx="45719" cy="45719"/>
+          </a:xfrm>
+          <a:prstGeom prst="ellipse">
+            <a:avLst/>
+          </a:prstGeom>
+        </p:spPr>
+        <p:style>
+          <a:lnRef idx="2">
+            <a:schemeClr val="accent2">
+              <a:shade val="50000"/>
+            </a:schemeClr>
+          </a:lnRef>
+          <a:fillRef idx="1">
+            <a:schemeClr val="accent2"/>
+          </a:fillRef>
+          <a:effectRef idx="0">
+            <a:schemeClr val="accent2"/>
+          </a:effectRef>
+          <a:fontRef idx="minor">
+            <a:schemeClr val="lt1"/>
+          </a:fontRef>
+        </p:style>
+        <p:txBody>
+          <a:bodyPr rtlCol="0" anchor="ctr"/>
+          <a:lstStyle/>
+          <a:p>
+            <a:pPr algn="ctr"/>
+            <a:endParaRPr lang="zh-CN" altLang="en-US"/>
+          </a:p>
+        </p:txBody>
+      </p:sp>
+      <p:sp>
+        <p:nvSpPr>
+          <p:cNvPr id="26" name="椭圆 25"/>
+          <p:cNvSpPr/>
+          <p:nvPr/>
+        </p:nvSpPr>
+        <p:spPr>
+          <a:xfrm>
+            <a:off x="6089917" y="2892829"/>
+            <a:ext cx="157942" cy="153201"/>
+          </a:xfrm>
+          <a:prstGeom prst="ellipse">
+            <a:avLst/>
+          </a:prstGeom>
+        </p:spPr>
+        <p:style>
+          <a:lnRef idx="2">
+            <a:schemeClr val="accent6">
+              <a:shade val="50000"/>
+            </a:schemeClr>
+          </a:lnRef>
+          <a:fillRef idx="1">
+            <a:schemeClr val="accent6"/>
+          </a:fillRef>
+          <a:effectRef idx="0">
+            <a:schemeClr val="accent6"/>
+          </a:effectRef>
+          <a:fontRef idx="minor">
+            <a:schemeClr val="lt1"/>
+          </a:fontRef>
+        </p:style>
+        <p:txBody>
+          <a:bodyPr rtlCol="0" anchor="ctr"/>
+          <a:lstStyle/>
+          <a:p>
+            <a:pPr algn="ctr"/>
+            <a:endParaRPr lang="zh-CN" altLang="en-US"/>
+          </a:p>
+        </p:txBody>
+      </p:sp>
+      <p:sp>
+        <p:nvSpPr>
+          <p:cNvPr id="27" name="椭圆 26"/>
+          <p:cNvSpPr/>
+          <p:nvPr/>
+        </p:nvSpPr>
+        <p:spPr>
+          <a:xfrm>
+            <a:off x="6168888" y="2969429"/>
+            <a:ext cx="45719" cy="45719"/>
+          </a:xfrm>
+          <a:prstGeom prst="ellipse">
+            <a:avLst/>
+          </a:prstGeom>
+        </p:spPr>
+        <p:style>
+          <a:lnRef idx="2">
+            <a:schemeClr val="accent2">
+              <a:shade val="50000"/>
+            </a:schemeClr>
+          </a:lnRef>
+          <a:fillRef idx="1">
+            <a:schemeClr val="accent2"/>
+          </a:fillRef>
+          <a:effectRef idx="0">
+            <a:schemeClr val="accent2"/>
+          </a:effectRef>
+          <a:fontRef idx="minor">
+            <a:schemeClr val="lt1"/>
+          </a:fontRef>
+        </p:style>
+        <p:txBody>
+          <a:bodyPr rtlCol="0" anchor="ctr"/>
+          <a:lstStyle/>
+          <a:p>
+            <a:pPr algn="ctr"/>
+            <a:endParaRPr lang="zh-CN" altLang="en-US"/>
+          </a:p>
+        </p:txBody>
+      </p:sp>
+      <p:sp>
+        <p:nvSpPr>
+          <p:cNvPr id="28" name="椭圆 27"/>
+          <p:cNvSpPr/>
+          <p:nvPr/>
+        </p:nvSpPr>
+        <p:spPr>
+          <a:xfrm>
+            <a:off x="6724994" y="2901142"/>
+            <a:ext cx="157942" cy="153201"/>
+          </a:xfrm>
+          <a:prstGeom prst="ellipse">
+            <a:avLst/>
+          </a:prstGeom>
+        </p:spPr>
+        <p:style>
+          <a:lnRef idx="2">
+            <a:schemeClr val="accent6">
+              <a:shade val="50000"/>
+            </a:schemeClr>
+          </a:lnRef>
+          <a:fillRef idx="1">
+            <a:schemeClr val="accent6"/>
+          </a:fillRef>
+          <a:effectRef idx="0">
+            <a:schemeClr val="accent6"/>
+          </a:effectRef>
+          <a:fontRef idx="minor">
+            <a:schemeClr val="lt1"/>
+          </a:fontRef>
+        </p:style>
+        <p:txBody>
+          <a:bodyPr rtlCol="0" anchor="ctr"/>
+          <a:lstStyle/>
+          <a:p>
+            <a:pPr algn="ctr"/>
+            <a:endParaRPr lang="zh-CN" altLang="en-US"/>
+          </a:p>
+        </p:txBody>
+      </p:sp>
+      <p:sp>
+        <p:nvSpPr>
+          <p:cNvPr id="29" name="椭圆 28"/>
+          <p:cNvSpPr/>
+          <p:nvPr/>
+        </p:nvSpPr>
+        <p:spPr>
+          <a:xfrm>
+            <a:off x="6803965" y="2977742"/>
+            <a:ext cx="45719" cy="45719"/>
+          </a:xfrm>
+          <a:prstGeom prst="ellipse">
+            <a:avLst/>
+          </a:prstGeom>
+        </p:spPr>
+        <p:style>
+          <a:lnRef idx="2">
+            <a:schemeClr val="accent2">
+              <a:shade val="50000"/>
+            </a:schemeClr>
+          </a:lnRef>
+          <a:fillRef idx="1">
+            <a:schemeClr val="accent2"/>
+          </a:fillRef>
+          <a:effectRef idx="0">
+            <a:schemeClr val="accent2"/>
+          </a:effectRef>
+          <a:fontRef idx="minor">
+            <a:schemeClr val="lt1"/>
+          </a:fontRef>
+        </p:style>
+        <p:txBody>
+          <a:bodyPr rtlCol="0" anchor="ctr"/>
+          <a:lstStyle/>
+          <a:p>
+            <a:pPr algn="ctr"/>
+            <a:endParaRPr lang="zh-CN" altLang="en-US"/>
+          </a:p>
+        </p:txBody>
+      </p:sp>
+      <p:sp>
+        <p:nvSpPr>
+          <p:cNvPr id="30" name="加号 29"/>
+          <p:cNvSpPr/>
+          <p:nvPr/>
+        </p:nvSpPr>
+        <p:spPr>
+          <a:xfrm>
+            <a:off x="5025042" y="2734887"/>
+            <a:ext cx="266007" cy="234542"/>
+          </a:xfrm>
+          <a:prstGeom prst="mathPlus">
+            <a:avLst/>
+          </a:prstGeom>
+          <a:solidFill>
+            <a:schemeClr val="accent2"/>
+          </a:solidFill>
+          <a:ln>
+            <a:noFill/>
+          </a:ln>
+        </p:spPr>
+        <p:style>
+          <a:lnRef idx="0">
+            <a:scrgbClr r="0" g="0" b="0"/>
+          </a:lnRef>
+          <a:fillRef idx="0">
+            <a:scrgbClr r="0" g="0" b="0"/>
+          </a:fillRef>
+          <a:effectRef idx="0">
+            <a:scrgbClr r="0" g="0" b="0"/>
+          </a:effectRef>
+          <a:fontRef idx="minor">
+            <a:schemeClr val="lt1"/>
+          </a:fontRef>
+        </p:style>
+        <p:txBody>
+          <a:bodyPr rtlCol="0" anchor="ctr"/>
+          <a:lstStyle/>
+          <a:p>
+            <a:pPr algn="ctr"/>
+            <a:endParaRPr lang="zh-CN" altLang="en-US"/>
+          </a:p>
+        </p:txBody>
+      </p:sp>
+      <p:sp>
+        <p:nvSpPr>
+          <p:cNvPr id="31" name="加号 30"/>
+          <p:cNvSpPr/>
+          <p:nvPr/>
+        </p:nvSpPr>
+        <p:spPr>
+          <a:xfrm>
+            <a:off x="7020096" y="2734887"/>
+            <a:ext cx="266007" cy="234542"/>
+          </a:xfrm>
+          <a:prstGeom prst="mathPlus">
+            <a:avLst/>
+          </a:prstGeom>
+          <a:gradFill flip="none" rotWithShape="1">
+            <a:gsLst>
+              <a:gs pos="0">
+                <a:schemeClr val="accent2">
+                  <a:lumMod val="67000"/>
+                </a:schemeClr>
+              </a:gs>
+              <a:gs pos="48000">
+                <a:schemeClr val="accent2">
+                  <a:lumMod val="97000"/>
+                  <a:lumOff val="3000"/>
+                </a:schemeClr>
+              </a:gs>
+              <a:gs pos="100000">
+                <a:schemeClr val="accent2">
+                  <a:lumMod val="60000"/>
+                  <a:lumOff val="40000"/>
+                </a:schemeClr>
+              </a:gs>
+            </a:gsLst>
+            <a:lin ang="16200000" scaled="1"/>
+            <a:tileRect/>
+          </a:gradFill>
+          <a:ln>
+            <a:noFill/>
+          </a:ln>
+        </p:spPr>
+        <p:style>
+          <a:lnRef idx="0">
+            <a:scrgbClr r="0" g="0" b="0"/>
+          </a:lnRef>
+          <a:fillRef idx="0">
+            <a:scrgbClr r="0" g="0" b="0"/>
+          </a:fillRef>
+          <a:effectRef idx="0">
+            <a:scrgbClr r="0" g="0" b="0"/>
+          </a:effectRef>
+          <a:fontRef idx="minor">
+            <a:schemeClr val="lt1"/>
+          </a:fontRef>
+        </p:style>
+        <p:txBody>
+          <a:bodyPr rtlCol="0" anchor="ctr"/>
+          <a:lstStyle/>
+          <a:p>
+            <a:pPr algn="ctr"/>
+            <a:endParaRPr lang="zh-CN" altLang="en-US"/>
+          </a:p>
+        </p:txBody>
+      </p:sp>
+      <p:sp>
+        <p:nvSpPr>
+          <p:cNvPr id="32" name="圆角矩形 31"/>
+          <p:cNvSpPr/>
+          <p:nvPr/>
+        </p:nvSpPr>
+        <p:spPr>
+          <a:xfrm>
+            <a:off x="5507181" y="2410691"/>
+            <a:ext cx="1296784" cy="351503"/>
+          </a:xfrm>
+          <a:prstGeom prst="roundRect">
+            <a:avLst/>
+          </a:prstGeom>
+          <a:gradFill flip="none" rotWithShape="1">
+            <a:gsLst>
+              <a:gs pos="0">
+                <a:schemeClr val="accent5">
+                  <a:lumMod val="67000"/>
+                </a:schemeClr>
+              </a:gs>
+              <a:gs pos="48000">
+                <a:schemeClr val="accent5">
+                  <a:lumMod val="97000"/>
+                  <a:lumOff val="3000"/>
+                </a:schemeClr>
+              </a:gs>
+              <a:gs pos="100000">
+                <a:schemeClr val="accent5">
+                  <a:lumMod val="60000"/>
+                  <a:lumOff val="40000"/>
+                </a:schemeClr>
+              </a:gs>
+            </a:gsLst>
+            <a:lin ang="16200000" scaled="1"/>
+            <a:tileRect/>
+          </a:gradFill>
+          <a:ln>
+            <a:noFill/>
+          </a:ln>
+        </p:spPr>
+        <p:style>
+          <a:lnRef idx="0">
+            <a:scrgbClr r="0" g="0" b="0"/>
+          </a:lnRef>
+          <a:fillRef idx="0">
+            <a:scrgbClr r="0" g="0" b="0"/>
+          </a:fillRef>
+          <a:effectRef idx="0">
+            <a:scrgbClr r="0" g="0" b="0"/>
+          </a:effectRef>
+          <a:fontRef idx="minor">
+            <a:schemeClr val="lt1"/>
+          </a:fontRef>
+        </p:style>
+        <p:txBody>
+          <a:bodyPr rtlCol="0" anchor="ctr"/>
+          <a:lstStyle/>
+          <a:p>
+            <a:pPr algn="ctr"/>
+            <a:r>
+              <a:rPr lang="en-US" altLang="zh-CN" dirty="0" smtClean="0"/>
+              <a:t>“B”</a:t>
+            </a:r>
+            <a:endParaRPr lang="zh-CN" altLang="en-US" dirty="0"/>
+          </a:p>
+        </p:txBody>
+      </p:sp>
+      <p:cxnSp>
+        <p:nvCxnSpPr>
+          <p:cNvPr id="33" name="直接箭头连接符 32"/>
+          <p:cNvCxnSpPr>
+            <a:endCxn id="30" idx="2"/>
+          </p:cNvCxnSpPr>
+          <p:nvPr/>
+        </p:nvCxnSpPr>
+        <p:spPr>
+          <a:xfrm flipV="1">
+            <a:off x="4655972" y="2852158"/>
+            <a:ext cx="404329" cy="9206"/>
+          </a:xfrm>
+          <a:prstGeom prst="straightConnector1">
+            <a:avLst/>
+          </a:prstGeom>
+          <a:ln w="28575">
+            <a:tailEnd type="triangle"/>
+          </a:ln>
+        </p:spPr>
+        <p:style>
+          <a:lnRef idx="3">
+            <a:schemeClr val="dk1"/>
+          </a:lnRef>
+          <a:fillRef idx="0">
+            <a:schemeClr val="dk1"/>
+          </a:fillRef>
+          <a:effectRef idx="2">
+            <a:schemeClr val="dk1"/>
+          </a:effectRef>
+          <a:fontRef idx="minor">
+            <a:schemeClr val="tx1"/>
+          </a:fontRef>
+        </p:style>
+      </p:cxnSp>
+      <p:sp>
+        <p:nvSpPr>
+          <p:cNvPr id="34" name="矩形 33"/>
+          <p:cNvSpPr/>
+          <p:nvPr/>
+        </p:nvSpPr>
+        <p:spPr>
+          <a:xfrm>
+            <a:off x="8021778" y="2774082"/>
+            <a:ext cx="1454727" cy="99753"/>
+          </a:xfrm>
+          <a:prstGeom prst="rect">
+            <a:avLst/>
+          </a:prstGeom>
+        </p:spPr>
+        <p:style>
+          <a:lnRef idx="2">
+            <a:schemeClr val="accent1">
+              <a:shade val="50000"/>
+            </a:schemeClr>
+          </a:lnRef>
+          <a:fillRef idx="1">
+            <a:schemeClr val="accent1"/>
+          </a:fillRef>
+          <a:effectRef idx="0">
+            <a:schemeClr val="accent1"/>
+          </a:effectRef>
+          <a:fontRef idx="minor">
+            <a:schemeClr val="lt1"/>
+          </a:fontRef>
+        </p:style>
+        <p:txBody>
+          <a:bodyPr rtlCol="0" anchor="ctr"/>
+          <a:lstStyle/>
+          <a:p>
+            <a:pPr algn="ctr"/>
+            <a:endParaRPr lang="zh-CN" altLang="en-US"/>
+          </a:p>
+        </p:txBody>
+      </p:sp>
+      <p:sp>
+        <p:nvSpPr>
+          <p:cNvPr id="35" name="矩形 34"/>
+          <p:cNvSpPr/>
+          <p:nvPr/>
+        </p:nvSpPr>
+        <p:spPr>
+          <a:xfrm>
+            <a:off x="7930338" y="2566264"/>
+            <a:ext cx="91440" cy="307571"/>
+          </a:xfrm>
+          <a:prstGeom prst="rect">
+            <a:avLst/>
+          </a:prstGeom>
+        </p:spPr>
+        <p:style>
+          <a:lnRef idx="2">
+            <a:schemeClr val="accent1">
+              <a:shade val="50000"/>
+            </a:schemeClr>
+          </a:lnRef>
+          <a:fillRef idx="1">
+            <a:schemeClr val="accent1"/>
+          </a:fillRef>
+          <a:effectRef idx="0">
+            <a:schemeClr val="accent1"/>
+          </a:effectRef>
+          <a:fontRef idx="minor">
+            <a:schemeClr val="lt1"/>
+          </a:fontRef>
+        </p:style>
+        <p:txBody>
+          <a:bodyPr rtlCol="0" anchor="ctr"/>
+          <a:lstStyle/>
+          <a:p>
+            <a:pPr algn="ctr"/>
+            <a:endParaRPr lang="zh-CN" altLang="en-US"/>
+          </a:p>
+        </p:txBody>
+      </p:sp>
+      <p:sp>
+        <p:nvSpPr>
+          <p:cNvPr id="36" name="矩形 35"/>
+          <p:cNvSpPr/>
+          <p:nvPr/>
+        </p:nvSpPr>
+        <p:spPr>
+          <a:xfrm>
+            <a:off x="9476505" y="2566264"/>
+            <a:ext cx="91440" cy="307571"/>
+          </a:xfrm>
+          <a:prstGeom prst="rect">
+            <a:avLst/>
+          </a:prstGeom>
+        </p:spPr>
+        <p:style>
+          <a:lnRef idx="2">
+            <a:schemeClr val="accent1">
+              <a:shade val="50000"/>
+            </a:schemeClr>
+          </a:lnRef>
+          <a:fillRef idx="1">
+            <a:schemeClr val="accent1"/>
+          </a:fillRef>
+          <a:effectRef idx="0">
+            <a:schemeClr val="accent1"/>
+          </a:effectRef>
+          <a:fontRef idx="minor">
+            <a:schemeClr val="lt1"/>
+          </a:fontRef>
+        </p:style>
+        <p:txBody>
+          <a:bodyPr rtlCol="0" anchor="ctr"/>
+          <a:lstStyle/>
+          <a:p>
+            <a:pPr algn="ctr"/>
+            <a:endParaRPr lang="zh-CN" altLang="en-US"/>
+          </a:p>
+        </p:txBody>
+      </p:sp>
+      <p:sp>
+        <p:nvSpPr>
+          <p:cNvPr id="37" name="椭圆 36"/>
+          <p:cNvSpPr/>
+          <p:nvPr/>
+        </p:nvSpPr>
+        <p:spPr>
+          <a:xfrm>
+            <a:off x="8021778" y="2873835"/>
+            <a:ext cx="157942" cy="153201"/>
+          </a:xfrm>
+          <a:prstGeom prst="ellipse">
+            <a:avLst/>
+          </a:prstGeom>
+        </p:spPr>
+        <p:style>
+          <a:lnRef idx="2">
+            <a:schemeClr val="accent6">
+              <a:shade val="50000"/>
+            </a:schemeClr>
+          </a:lnRef>
+          <a:fillRef idx="1">
+            <a:schemeClr val="accent6"/>
+          </a:fillRef>
+          <a:effectRef idx="0">
+            <a:schemeClr val="accent6"/>
+          </a:effectRef>
+          <a:fontRef idx="minor">
+            <a:schemeClr val="lt1"/>
+          </a:fontRef>
+        </p:style>
+        <p:txBody>
+          <a:bodyPr rtlCol="0" anchor="ctr"/>
+          <a:lstStyle/>
+          <a:p>
+            <a:pPr algn="ctr"/>
+            <a:endParaRPr lang="zh-CN" altLang="en-US"/>
+          </a:p>
+        </p:txBody>
+      </p:sp>
+      <p:sp>
+        <p:nvSpPr>
+          <p:cNvPr id="38" name="椭圆 37"/>
+          <p:cNvSpPr/>
+          <p:nvPr/>
+        </p:nvSpPr>
+        <p:spPr>
+          <a:xfrm>
+            <a:off x="8100749" y="2950435"/>
+            <a:ext cx="45719" cy="45719"/>
+          </a:xfrm>
+          <a:prstGeom prst="ellipse">
+            <a:avLst/>
+          </a:prstGeom>
+        </p:spPr>
+        <p:style>
+          <a:lnRef idx="2">
+            <a:schemeClr val="accent2">
+              <a:shade val="50000"/>
+            </a:schemeClr>
+          </a:lnRef>
+          <a:fillRef idx="1">
+            <a:schemeClr val="accent2"/>
+          </a:fillRef>
+          <a:effectRef idx="0">
+            <a:schemeClr val="accent2"/>
+          </a:effectRef>
+          <a:fontRef idx="minor">
+            <a:schemeClr val="lt1"/>
+          </a:fontRef>
+        </p:style>
+        <p:txBody>
+          <a:bodyPr rtlCol="0" anchor="ctr"/>
+          <a:lstStyle/>
+          <a:p>
+            <a:pPr algn="ctr"/>
+            <a:endParaRPr lang="zh-CN" altLang="en-US"/>
+          </a:p>
+        </p:txBody>
+      </p:sp>
+      <p:sp>
+        <p:nvSpPr>
+          <p:cNvPr id="39" name="椭圆 38"/>
+          <p:cNvSpPr/>
+          <p:nvPr/>
+        </p:nvSpPr>
+        <p:spPr>
+          <a:xfrm>
+            <a:off x="8683486" y="2873835"/>
+            <a:ext cx="157942" cy="153201"/>
+          </a:xfrm>
+          <a:prstGeom prst="ellipse">
+            <a:avLst/>
+          </a:prstGeom>
+        </p:spPr>
+        <p:style>
+          <a:lnRef idx="2">
+            <a:schemeClr val="accent6">
+              <a:shade val="50000"/>
+            </a:schemeClr>
+          </a:lnRef>
+          <a:fillRef idx="1">
+            <a:schemeClr val="accent6"/>
+          </a:fillRef>
+          <a:effectRef idx="0">
+            <a:schemeClr val="accent6"/>
+          </a:effectRef>
+          <a:fontRef idx="minor">
+            <a:schemeClr val="lt1"/>
+          </a:fontRef>
+        </p:style>
+        <p:txBody>
+          <a:bodyPr rtlCol="0" anchor="ctr"/>
+          <a:lstStyle/>
+          <a:p>
+            <a:pPr algn="ctr"/>
+            <a:endParaRPr lang="zh-CN" altLang="en-US"/>
+          </a:p>
+        </p:txBody>
+      </p:sp>
+      <p:sp>
+        <p:nvSpPr>
+          <p:cNvPr id="40" name="椭圆 39"/>
+          <p:cNvSpPr/>
+          <p:nvPr/>
+        </p:nvSpPr>
+        <p:spPr>
+          <a:xfrm>
+            <a:off x="8762457" y="2950435"/>
+            <a:ext cx="45719" cy="45719"/>
+          </a:xfrm>
+          <a:prstGeom prst="ellipse">
+            <a:avLst/>
+          </a:prstGeom>
+        </p:spPr>
+        <p:style>
+          <a:lnRef idx="2">
+            <a:schemeClr val="accent2">
+              <a:shade val="50000"/>
+            </a:schemeClr>
+          </a:lnRef>
+          <a:fillRef idx="1">
+            <a:schemeClr val="accent2"/>
+          </a:fillRef>
+          <a:effectRef idx="0">
+            <a:schemeClr val="accent2"/>
+          </a:effectRef>
+          <a:fontRef idx="minor">
+            <a:schemeClr val="lt1"/>
+          </a:fontRef>
+        </p:style>
+        <p:txBody>
+          <a:bodyPr rtlCol="0" anchor="ctr"/>
+          <a:lstStyle/>
+          <a:p>
+            <a:pPr algn="ctr"/>
+            <a:endParaRPr lang="zh-CN" altLang="en-US"/>
+          </a:p>
+        </p:txBody>
+      </p:sp>
+      <p:sp>
+        <p:nvSpPr>
+          <p:cNvPr id="41" name="椭圆 40"/>
+          <p:cNvSpPr/>
+          <p:nvPr/>
+        </p:nvSpPr>
+        <p:spPr>
+          <a:xfrm>
+            <a:off x="9318563" y="2882148"/>
+            <a:ext cx="157942" cy="153201"/>
+          </a:xfrm>
+          <a:prstGeom prst="ellipse">
+            <a:avLst/>
+          </a:prstGeom>
+        </p:spPr>
+        <p:style>
+          <a:lnRef idx="2">
+            <a:schemeClr val="accent6">
+              <a:shade val="50000"/>
+            </a:schemeClr>
+          </a:lnRef>
+          <a:fillRef idx="1">
+            <a:schemeClr val="accent6"/>
+          </a:fillRef>
+          <a:effectRef idx="0">
+            <a:schemeClr val="accent6"/>
+          </a:effectRef>
+          <a:fontRef idx="minor">
+            <a:schemeClr val="lt1"/>
+          </a:fontRef>
+        </p:style>
+        <p:txBody>
+          <a:bodyPr rtlCol="0" anchor="ctr"/>
+          <a:lstStyle/>
+          <a:p>
+            <a:pPr algn="ctr"/>
+            <a:endParaRPr lang="zh-CN" altLang="en-US"/>
+          </a:p>
+        </p:txBody>
+      </p:sp>
+      <p:sp>
+        <p:nvSpPr>
+          <p:cNvPr id="42" name="椭圆 41"/>
+          <p:cNvSpPr/>
+          <p:nvPr/>
+        </p:nvSpPr>
+        <p:spPr>
+          <a:xfrm>
+            <a:off x="9397534" y="2958748"/>
+            <a:ext cx="45719" cy="45719"/>
+          </a:xfrm>
+          <a:prstGeom prst="ellipse">
+            <a:avLst/>
+          </a:prstGeom>
+        </p:spPr>
+        <p:style>
+          <a:lnRef idx="2">
+            <a:schemeClr val="accent2">
+              <a:shade val="50000"/>
+            </a:schemeClr>
+          </a:lnRef>
+          <a:fillRef idx="1">
+            <a:schemeClr val="accent2"/>
+          </a:fillRef>
+          <a:effectRef idx="0">
+            <a:schemeClr val="accent2"/>
+          </a:effectRef>
+          <a:fontRef idx="minor">
+            <a:schemeClr val="lt1"/>
+          </a:fontRef>
+        </p:style>
+        <p:txBody>
+          <a:bodyPr rtlCol="0" anchor="ctr"/>
+          <a:lstStyle/>
+          <a:p>
+            <a:pPr algn="ctr"/>
+            <a:endParaRPr lang="zh-CN" altLang="en-US"/>
+          </a:p>
+        </p:txBody>
+      </p:sp>
+      <p:sp>
+        <p:nvSpPr>
+          <p:cNvPr id="43" name="加号 42"/>
+          <p:cNvSpPr/>
+          <p:nvPr/>
+        </p:nvSpPr>
+        <p:spPr>
+          <a:xfrm>
+            <a:off x="7618611" y="2715893"/>
+            <a:ext cx="266007" cy="234542"/>
+          </a:xfrm>
+          <a:prstGeom prst="mathPlus">
+            <a:avLst/>
+          </a:prstGeom>
+          <a:solidFill>
+            <a:schemeClr val="accent2"/>
+          </a:solidFill>
+          <a:ln>
+            <a:noFill/>
+          </a:ln>
+        </p:spPr>
+        <p:style>
+          <a:lnRef idx="0">
+            <a:scrgbClr r="0" g="0" b="0"/>
+          </a:lnRef>
+          <a:fillRef idx="0">
+            <a:scrgbClr r="0" g="0" b="0"/>
+          </a:fillRef>
+          <a:effectRef idx="0">
+            <a:scrgbClr r="0" g="0" b="0"/>
+          </a:effectRef>
+          <a:fontRef idx="minor">
+            <a:schemeClr val="lt1"/>
+          </a:fontRef>
+        </p:style>
+        <p:txBody>
+          <a:bodyPr rtlCol="0" anchor="ctr"/>
+          <a:lstStyle/>
+          <a:p>
+            <a:pPr algn="ctr"/>
+            <a:endParaRPr lang="zh-CN" altLang="en-US"/>
+          </a:p>
+        </p:txBody>
+      </p:sp>
+      <p:sp>
+        <p:nvSpPr>
+          <p:cNvPr id="44" name="加号 43"/>
+          <p:cNvSpPr/>
+          <p:nvPr/>
+        </p:nvSpPr>
+        <p:spPr>
+          <a:xfrm>
+            <a:off x="9613665" y="2715893"/>
+            <a:ext cx="266007" cy="234542"/>
+          </a:xfrm>
+          <a:prstGeom prst="mathPlus">
+            <a:avLst/>
+          </a:prstGeom>
+          <a:gradFill flip="none" rotWithShape="1">
+            <a:gsLst>
+              <a:gs pos="0">
+                <a:schemeClr val="accent2">
+                  <a:lumMod val="67000"/>
+                </a:schemeClr>
+              </a:gs>
+              <a:gs pos="48000">
+                <a:schemeClr val="accent2">
+                  <a:lumMod val="97000"/>
+                  <a:lumOff val="3000"/>
+                </a:schemeClr>
+              </a:gs>
+              <a:gs pos="100000">
+                <a:schemeClr val="accent2">
+                  <a:lumMod val="60000"/>
+                  <a:lumOff val="40000"/>
+                </a:schemeClr>
+              </a:gs>
+            </a:gsLst>
+            <a:lin ang="16200000" scaled="1"/>
+            <a:tileRect/>
+          </a:gradFill>
+          <a:ln>
+            <a:noFill/>
+          </a:ln>
+        </p:spPr>
+        <p:style>
+          <a:lnRef idx="0">
+            <a:scrgbClr r="0" g="0" b="0"/>
+          </a:lnRef>
+          <a:fillRef idx="0">
+            <a:scrgbClr r="0" g="0" b="0"/>
+          </a:fillRef>
+          <a:effectRef idx="0">
+            <a:scrgbClr r="0" g="0" b="0"/>
+          </a:effectRef>
+          <a:fontRef idx="minor">
+            <a:schemeClr val="lt1"/>
+          </a:fontRef>
+        </p:style>
+        <p:txBody>
+          <a:bodyPr rtlCol="0" anchor="ctr"/>
+          <a:lstStyle/>
+          <a:p>
+            <a:pPr algn="ctr"/>
+            <a:endParaRPr lang="zh-CN" altLang="en-US"/>
+          </a:p>
+        </p:txBody>
+      </p:sp>
+      <p:sp>
+        <p:nvSpPr>
+          <p:cNvPr id="45" name="圆角矩形 44"/>
+          <p:cNvSpPr/>
+          <p:nvPr/>
+        </p:nvSpPr>
+        <p:spPr>
+          <a:xfrm>
+            <a:off x="8100750" y="2391697"/>
+            <a:ext cx="1296784" cy="351503"/>
+          </a:xfrm>
+          <a:prstGeom prst="roundRect">
+            <a:avLst/>
+          </a:prstGeom>
+          <a:gradFill flip="none" rotWithShape="1">
+            <a:gsLst>
+              <a:gs pos="0">
+                <a:schemeClr val="accent5">
+                  <a:lumMod val="67000"/>
+                </a:schemeClr>
+              </a:gs>
+              <a:gs pos="48000">
+                <a:schemeClr val="accent5">
+                  <a:lumMod val="97000"/>
+                  <a:lumOff val="3000"/>
+                </a:schemeClr>
+              </a:gs>
+              <a:gs pos="100000">
+                <a:schemeClr val="accent5">
+                  <a:lumMod val="60000"/>
+                  <a:lumOff val="40000"/>
+                </a:schemeClr>
+              </a:gs>
+            </a:gsLst>
+            <a:lin ang="16200000" scaled="1"/>
+            <a:tileRect/>
+          </a:gradFill>
+          <a:ln>
+            <a:noFill/>
+          </a:ln>
+        </p:spPr>
+        <p:style>
+          <a:lnRef idx="0">
+            <a:scrgbClr r="0" g="0" b="0"/>
+          </a:lnRef>
+          <a:fillRef idx="0">
+            <a:scrgbClr r="0" g="0" b="0"/>
+          </a:fillRef>
+          <a:effectRef idx="0">
+            <a:scrgbClr r="0" g="0" b="0"/>
+          </a:effectRef>
+          <a:fontRef idx="minor">
+            <a:schemeClr val="lt1"/>
+          </a:fontRef>
+        </p:style>
+        <p:txBody>
+          <a:bodyPr rtlCol="0" anchor="ctr"/>
+          <a:lstStyle/>
+          <a:p>
+            <a:pPr algn="ctr"/>
+            <a:r>
+              <a:rPr lang="en-US" altLang="zh-CN" dirty="0" smtClean="0"/>
+              <a:t>“C”</a:t>
+            </a:r>
+            <a:endParaRPr lang="zh-CN" altLang="en-US" dirty="0"/>
+          </a:p>
+        </p:txBody>
+      </p:sp>
+      <p:cxnSp>
+        <p:nvCxnSpPr>
+          <p:cNvPr id="46" name="直接箭头连接符 45"/>
+          <p:cNvCxnSpPr>
+            <a:endCxn id="43" idx="2"/>
+          </p:cNvCxnSpPr>
+          <p:nvPr/>
+        </p:nvCxnSpPr>
+        <p:spPr>
+          <a:xfrm flipV="1">
+            <a:off x="7249541" y="2833164"/>
+            <a:ext cx="404329" cy="9206"/>
+          </a:xfrm>
+          <a:prstGeom prst="straightConnector1">
+            <a:avLst/>
+          </a:prstGeom>
+          <a:ln w="28575">
+            <a:tailEnd type="triangle"/>
+          </a:ln>
+        </p:spPr>
+        <p:style>
+          <a:lnRef idx="3">
+            <a:schemeClr val="dk1"/>
+          </a:lnRef>
+          <a:fillRef idx="0">
+            <a:schemeClr val="dk1"/>
+          </a:fillRef>
+          <a:effectRef idx="2">
+            <a:schemeClr val="dk1"/>
+          </a:effectRef>
+          <a:fontRef idx="minor">
+            <a:schemeClr val="tx1"/>
+          </a:fontRef>
+        </p:style>
+      </p:cxnSp>
+      <p:sp>
+        <p:nvSpPr>
+          <p:cNvPr id="61" name="文本框 60"/>
+          <p:cNvSpPr txBox="1"/>
+          <p:nvPr/>
+        </p:nvSpPr>
+        <p:spPr>
+          <a:xfrm>
+            <a:off x="10310909" y="2654129"/>
+            <a:ext cx="540533" cy="369332"/>
+          </a:xfrm>
+          <a:prstGeom prst="rect">
+            <a:avLst/>
+          </a:prstGeom>
+          <a:noFill/>
+        </p:spPr>
+        <p:txBody>
+          <a:bodyPr wrap="none" rtlCol="0">
+            <a:spAutoFit/>
+          </a:bodyPr>
+          <a:lstStyle/>
+          <a:p>
+            <a:r>
+              <a:rPr lang="en-US" altLang="zh-CN" dirty="0" smtClean="0"/>
+              <a:t>null</a:t>
+            </a:r>
+            <a:endParaRPr lang="zh-CN" altLang="en-US" dirty="0"/>
+          </a:p>
+        </p:txBody>
+      </p:sp>
+      <p:cxnSp>
+        <p:nvCxnSpPr>
+          <p:cNvPr id="65" name="直接箭头连接符 64"/>
+          <p:cNvCxnSpPr>
+            <a:endCxn id="61" idx="1"/>
+          </p:cNvCxnSpPr>
+          <p:nvPr/>
+        </p:nvCxnSpPr>
+        <p:spPr>
+          <a:xfrm>
+            <a:off x="9844413" y="2823958"/>
+            <a:ext cx="466496" cy="14837"/>
+          </a:xfrm>
+          <a:prstGeom prst="straightConnector1">
+            <a:avLst/>
+          </a:prstGeom>
+          <a:ln w="28575">
+            <a:tailEnd type="triangle"/>
+          </a:ln>
+        </p:spPr>
+        <p:style>
+          <a:lnRef idx="3">
+            <a:schemeClr val="dk1"/>
+          </a:lnRef>
+          <a:fillRef idx="0">
+            <a:schemeClr val="dk1"/>
+          </a:fillRef>
+          <a:effectRef idx="2">
+            <a:schemeClr val="dk1"/>
+          </a:effectRef>
+          <a:fontRef idx="minor">
+            <a:schemeClr val="tx1"/>
+          </a:fontRef>
+        </p:style>
+      </p:cxnSp>
+      <p:sp>
+        <p:nvSpPr>
+          <p:cNvPr id="2" name="圆角矩形 1"/>
+          <p:cNvSpPr/>
+          <p:nvPr/>
+        </p:nvSpPr>
+        <p:spPr>
+          <a:xfrm>
+            <a:off x="3809679" y="4887883"/>
+            <a:ext cx="1375756" cy="407324"/>
+          </a:xfrm>
+          <a:prstGeom prst="roundRect">
+            <a:avLst/>
+          </a:prstGeom>
+        </p:spPr>
+        <p:style>
+          <a:lnRef idx="1">
+            <a:schemeClr val="accent2"/>
+          </a:lnRef>
+          <a:fillRef idx="3">
+            <a:schemeClr val="accent2"/>
+          </a:fillRef>
+          <a:effectRef idx="2">
+            <a:schemeClr val="accent2"/>
+          </a:effectRef>
+          <a:fontRef idx="minor">
+            <a:schemeClr val="lt1"/>
+          </a:fontRef>
+        </p:style>
+        <p:txBody>
+          <a:bodyPr rtlCol="0" anchor="ctr"/>
+          <a:lstStyle/>
+          <a:p>
+            <a:pPr algn="ctr"/>
+            <a:r>
+              <a:rPr lang="zh-CN" altLang="en-US" dirty="0" smtClean="0"/>
+              <a:t>“</a:t>
+            </a:r>
+            <a:r>
+              <a:rPr lang="en-US" altLang="zh-CN" dirty="0" smtClean="0"/>
+              <a:t>A</a:t>
+            </a:r>
+            <a:r>
+              <a:rPr lang="zh-CN" altLang="en-US" dirty="0" smtClean="0"/>
+              <a:t>”</a:t>
+            </a:r>
+            <a:endParaRPr lang="zh-CN" altLang="en-US" dirty="0"/>
+          </a:p>
+        </p:txBody>
+      </p:sp>
+      <p:sp>
+        <p:nvSpPr>
+          <p:cNvPr id="53" name="圆角矩形 52"/>
+          <p:cNvSpPr/>
+          <p:nvPr/>
+        </p:nvSpPr>
+        <p:spPr>
+          <a:xfrm>
+            <a:off x="5189590" y="4887883"/>
+            <a:ext cx="1375756" cy="407324"/>
+          </a:xfrm>
+          <a:prstGeom prst="roundRect">
+            <a:avLst/>
+          </a:prstGeom>
+        </p:spPr>
+        <p:style>
+          <a:lnRef idx="1">
+            <a:schemeClr val="accent2"/>
+          </a:lnRef>
+          <a:fillRef idx="3">
+            <a:schemeClr val="accent2"/>
+          </a:fillRef>
+          <a:effectRef idx="2">
+            <a:schemeClr val="accent2"/>
+          </a:effectRef>
+          <a:fontRef idx="minor">
+            <a:schemeClr val="lt1"/>
+          </a:fontRef>
+        </p:style>
+        <p:txBody>
+          <a:bodyPr rtlCol="0" anchor="ctr"/>
+          <a:lstStyle/>
+          <a:p>
+            <a:pPr algn="ctr"/>
+            <a:r>
+              <a:rPr lang="zh-CN" altLang="en-US" dirty="0" smtClean="0"/>
+              <a:t>“</a:t>
+            </a:r>
+            <a:r>
+              <a:rPr lang="en-US" altLang="zh-CN" dirty="0" smtClean="0"/>
+              <a:t>B</a:t>
+            </a:r>
+            <a:r>
+              <a:rPr lang="zh-CN" altLang="en-US" dirty="0" smtClean="0"/>
+              <a:t>”</a:t>
+            </a:r>
+            <a:endParaRPr lang="zh-CN" altLang="en-US" dirty="0"/>
+          </a:p>
+        </p:txBody>
+      </p:sp>
+      <p:sp>
+        <p:nvSpPr>
+          <p:cNvPr id="58" name="圆角矩形 57"/>
+          <p:cNvSpPr/>
+          <p:nvPr/>
+        </p:nvSpPr>
+        <p:spPr>
+          <a:xfrm>
+            <a:off x="6569501" y="4887883"/>
+            <a:ext cx="1375756" cy="407324"/>
+          </a:xfrm>
+          <a:prstGeom prst="roundRect">
+            <a:avLst/>
+          </a:prstGeom>
+        </p:spPr>
+        <p:style>
+          <a:lnRef idx="1">
+            <a:schemeClr val="accent2"/>
+          </a:lnRef>
+          <a:fillRef idx="3">
+            <a:schemeClr val="accent2"/>
+          </a:fillRef>
+          <a:effectRef idx="2">
+            <a:schemeClr val="accent2"/>
+          </a:effectRef>
+          <a:fontRef idx="minor">
+            <a:schemeClr val="lt1"/>
+          </a:fontRef>
+        </p:style>
+        <p:txBody>
+          <a:bodyPr rtlCol="0" anchor="ctr"/>
+          <a:lstStyle/>
+          <a:p>
+            <a:pPr algn="ctr"/>
+            <a:r>
+              <a:rPr lang="zh-CN" altLang="en-US" dirty="0" smtClean="0"/>
+              <a:t>“</a:t>
+            </a:r>
+            <a:r>
+              <a:rPr lang="en-US" altLang="zh-CN" dirty="0" smtClean="0"/>
+              <a:t>C</a:t>
+            </a:r>
+            <a:r>
+              <a:rPr lang="zh-CN" altLang="en-US" dirty="0" smtClean="0"/>
+              <a:t>”</a:t>
+            </a:r>
+            <a:endParaRPr lang="zh-CN" altLang="en-US" dirty="0"/>
+          </a:p>
+        </p:txBody>
+      </p:sp>
+      <p:sp>
+        <p:nvSpPr>
+          <p:cNvPr id="59" name="上箭头 58"/>
+          <p:cNvSpPr/>
+          <p:nvPr/>
+        </p:nvSpPr>
+        <p:spPr>
+          <a:xfrm rot="10800000">
+            <a:off x="6056203" y="1872794"/>
+            <a:ext cx="271088" cy="461297"/>
+          </a:xfrm>
+          <a:prstGeom prst="upArrow">
+            <a:avLst/>
+          </a:prstGeom>
+        </p:spPr>
+        <p:style>
+          <a:lnRef idx="2">
+            <a:schemeClr val="accent1">
+              <a:shade val="50000"/>
+            </a:schemeClr>
+          </a:lnRef>
+          <a:fillRef idx="1">
+            <a:schemeClr val="accent1"/>
+          </a:fillRef>
+          <a:effectRef idx="0">
+            <a:schemeClr val="accent1"/>
+          </a:effectRef>
+          <a:fontRef idx="minor">
+            <a:schemeClr val="lt1"/>
+          </a:fontRef>
+        </p:style>
+        <p:txBody>
+          <a:bodyPr rtlCol="0" anchor="ctr"/>
+          <a:lstStyle/>
+          <a:p>
+            <a:pPr algn="ctr"/>
+            <a:endParaRPr lang="zh-CN" altLang="en-US"/>
+          </a:p>
+        </p:txBody>
+      </p:sp>
+      <p:sp>
+        <p:nvSpPr>
+          <p:cNvPr id="60" name="上箭头 59"/>
+          <p:cNvSpPr/>
+          <p:nvPr/>
+        </p:nvSpPr>
+        <p:spPr>
+          <a:xfrm rot="10800000">
+            <a:off x="8613597" y="1853800"/>
+            <a:ext cx="271088" cy="461297"/>
+          </a:xfrm>
+          <a:prstGeom prst="upArrow">
+            <a:avLst/>
+          </a:prstGeom>
+        </p:spPr>
+        <p:style>
+          <a:lnRef idx="2">
+            <a:schemeClr val="accent1">
+              <a:shade val="50000"/>
+            </a:schemeClr>
+          </a:lnRef>
+          <a:fillRef idx="1">
+            <a:schemeClr val="accent1"/>
+          </a:fillRef>
+          <a:effectRef idx="0">
+            <a:schemeClr val="accent1"/>
+          </a:effectRef>
+          <a:fontRef idx="minor">
+            <a:schemeClr val="lt1"/>
+          </a:fontRef>
+        </p:style>
+        <p:txBody>
+          <a:bodyPr rtlCol="0" anchor="ctr"/>
+          <a:lstStyle/>
+          <a:p>
+            <a:pPr algn="ctr"/>
+            <a:endParaRPr lang="zh-CN" altLang="en-US"/>
+          </a:p>
+        </p:txBody>
+      </p:sp>
+      <p:sp>
+        <p:nvSpPr>
+          <p:cNvPr id="62" name="上箭头 61"/>
+          <p:cNvSpPr/>
+          <p:nvPr/>
+        </p:nvSpPr>
+        <p:spPr>
+          <a:xfrm rot="10800000">
+            <a:off x="3439775" y="1853800"/>
+            <a:ext cx="271088" cy="461297"/>
+          </a:xfrm>
+          <a:prstGeom prst="upArrow">
+            <a:avLst/>
+          </a:prstGeom>
+        </p:spPr>
+        <p:style>
+          <a:lnRef idx="2">
+            <a:schemeClr val="accent1">
+              <a:shade val="50000"/>
+            </a:schemeClr>
+          </a:lnRef>
+          <a:fillRef idx="1">
+            <a:schemeClr val="accent1"/>
+          </a:fillRef>
+          <a:effectRef idx="0">
+            <a:schemeClr val="accent1"/>
+          </a:effectRef>
+          <a:fontRef idx="minor">
+            <a:schemeClr val="lt1"/>
+          </a:fontRef>
+        </p:style>
+        <p:txBody>
+          <a:bodyPr rtlCol="0" anchor="ctr"/>
+          <a:lstStyle/>
+          <a:p>
+            <a:pPr algn="ctr"/>
+            <a:endParaRPr lang="zh-CN" altLang="en-US"/>
+          </a:p>
+        </p:txBody>
+      </p:sp>
+      <p:sp>
+        <p:nvSpPr>
+          <p:cNvPr id="6" name="文本框 5"/>
+          <p:cNvSpPr txBox="1"/>
+          <p:nvPr/>
+        </p:nvSpPr>
+        <p:spPr>
+          <a:xfrm>
+            <a:off x="3303448" y="1507723"/>
+            <a:ext cx="543739" cy="307777"/>
+          </a:xfrm>
+          <a:prstGeom prst="rect">
+            <a:avLst/>
+          </a:prstGeom>
+          <a:noFill/>
+        </p:spPr>
+        <p:txBody>
+          <a:bodyPr wrap="none" rtlCol="0">
+            <a:spAutoFit/>
+          </a:bodyPr>
+          <a:lstStyle/>
+          <a:p>
+            <a:r>
+              <a:rPr lang="zh-CN" altLang="en-US" sz="1400" dirty="0" smtClean="0">
+                <a:latin typeface="微软雅黑 Light" panose="020B0502040204020203" pitchFamily="34" charset="-122"/>
+                <a:ea typeface="微软雅黑 Light" panose="020B0502040204020203" pitchFamily="34" charset="-122"/>
+              </a:rPr>
+              <a:t>用户</a:t>
+            </a:r>
+            <a:endParaRPr lang="zh-CN" altLang="en-US" sz="1400" dirty="0">
+              <a:latin typeface="微软雅黑 Light" panose="020B0502040204020203" pitchFamily="34" charset="-122"/>
+              <a:ea typeface="微软雅黑 Light" panose="020B0502040204020203" pitchFamily="34" charset="-122"/>
+            </a:endParaRPr>
+          </a:p>
+        </p:txBody>
+      </p:sp>
+      <p:sp>
+        <p:nvSpPr>
+          <p:cNvPr id="63" name="文本框 62"/>
+          <p:cNvSpPr txBox="1"/>
+          <p:nvPr/>
+        </p:nvSpPr>
+        <p:spPr>
+          <a:xfrm>
+            <a:off x="5919877" y="1462834"/>
+            <a:ext cx="543739" cy="307777"/>
+          </a:xfrm>
+          <a:prstGeom prst="rect">
+            <a:avLst/>
+          </a:prstGeom>
+          <a:noFill/>
+        </p:spPr>
+        <p:txBody>
+          <a:bodyPr wrap="none" rtlCol="0">
+            <a:spAutoFit/>
+          </a:bodyPr>
+          <a:lstStyle/>
+          <a:p>
+            <a:r>
+              <a:rPr lang="zh-CN" altLang="en-US" sz="1400" dirty="0" smtClean="0">
+                <a:latin typeface="微软雅黑 Light" panose="020B0502040204020203" pitchFamily="34" charset="-122"/>
+                <a:ea typeface="微软雅黑 Light" panose="020B0502040204020203" pitchFamily="34" charset="-122"/>
+              </a:rPr>
+              <a:t>用户</a:t>
+            </a:r>
+            <a:endParaRPr lang="zh-CN" altLang="en-US" sz="1400" dirty="0">
+              <a:latin typeface="微软雅黑 Light" panose="020B0502040204020203" pitchFamily="34" charset="-122"/>
+              <a:ea typeface="微软雅黑 Light" panose="020B0502040204020203" pitchFamily="34" charset="-122"/>
+            </a:endParaRPr>
+          </a:p>
+        </p:txBody>
+      </p:sp>
+      <p:sp>
+        <p:nvSpPr>
+          <p:cNvPr id="64" name="文本框 63"/>
+          <p:cNvSpPr txBox="1"/>
+          <p:nvPr/>
+        </p:nvSpPr>
+        <p:spPr>
+          <a:xfrm>
+            <a:off x="8477271" y="1462834"/>
+            <a:ext cx="543739" cy="307777"/>
+          </a:xfrm>
+          <a:prstGeom prst="rect">
+            <a:avLst/>
+          </a:prstGeom>
+          <a:noFill/>
+        </p:spPr>
+        <p:txBody>
+          <a:bodyPr wrap="none" rtlCol="0">
+            <a:spAutoFit/>
+          </a:bodyPr>
+          <a:lstStyle/>
+          <a:p>
+            <a:r>
+              <a:rPr lang="zh-CN" altLang="en-US" sz="1400" dirty="0" smtClean="0">
+                <a:latin typeface="微软雅黑 Light" panose="020B0502040204020203" pitchFamily="34" charset="-122"/>
+                <a:ea typeface="微软雅黑 Light" panose="020B0502040204020203" pitchFamily="34" charset="-122"/>
+              </a:rPr>
+              <a:t>用户</a:t>
+            </a:r>
+            <a:endParaRPr lang="zh-CN" altLang="en-US" sz="1400" dirty="0">
+              <a:latin typeface="微软雅黑 Light" panose="020B0502040204020203" pitchFamily="34" charset="-122"/>
+              <a:ea typeface="微软雅黑 Light" panose="020B0502040204020203" pitchFamily="34" charset="-122"/>
+            </a:endParaRPr>
+          </a:p>
+        </p:txBody>
+      </p:sp>
+      <p:cxnSp>
+        <p:nvCxnSpPr>
+          <p:cNvPr id="20" name="曲线连接符 19"/>
+          <p:cNvCxnSpPr>
+            <a:stCxn id="17" idx="2"/>
+            <a:endCxn id="2" idx="0"/>
+          </p:cNvCxnSpPr>
+          <p:nvPr/>
+        </p:nvCxnSpPr>
+        <p:spPr>
+          <a:xfrm rot="16200000" flipH="1">
+            <a:off x="2971092" y="3361418"/>
+            <a:ext cx="2117376" cy="935553"/>
+          </a:xfrm>
+          <a:prstGeom prst="curvedConnector3">
+            <a:avLst/>
+          </a:prstGeom>
+          <a:ln w="28575">
+            <a:tailEnd type="triangle"/>
+          </a:ln>
+        </p:spPr>
+        <p:style>
+          <a:lnRef idx="3">
+            <a:schemeClr val="accent3"/>
+          </a:lnRef>
+          <a:fillRef idx="0">
+            <a:schemeClr val="accent3"/>
+          </a:fillRef>
+          <a:effectRef idx="2">
+            <a:schemeClr val="accent3"/>
+          </a:effectRef>
+          <a:fontRef idx="minor">
+            <a:schemeClr val="tx1"/>
+          </a:fontRef>
+        </p:style>
+      </p:cxnSp>
+      <p:cxnSp>
+        <p:nvCxnSpPr>
+          <p:cNvPr id="66" name="曲线连接符 65"/>
+          <p:cNvCxnSpPr>
+            <a:stCxn id="32" idx="2"/>
+            <a:endCxn id="53" idx="0"/>
+          </p:cNvCxnSpPr>
+          <p:nvPr/>
+        </p:nvCxnSpPr>
+        <p:spPr>
+          <a:xfrm rot="5400000">
+            <a:off x="4953677" y="3685986"/>
+            <a:ext cx="2125689" cy="278105"/>
+          </a:xfrm>
+          <a:prstGeom prst="curvedConnector3">
+            <a:avLst/>
+          </a:prstGeom>
+          <a:ln w="28575">
+            <a:tailEnd type="triangle"/>
+          </a:ln>
+        </p:spPr>
+        <p:style>
+          <a:lnRef idx="3">
+            <a:schemeClr val="accent3"/>
+          </a:lnRef>
+          <a:fillRef idx="0">
+            <a:schemeClr val="accent3"/>
+          </a:fillRef>
+          <a:effectRef idx="2">
+            <a:schemeClr val="accent3"/>
+          </a:effectRef>
+          <a:fontRef idx="minor">
+            <a:schemeClr val="tx1"/>
+          </a:fontRef>
+        </p:style>
+      </p:cxnSp>
+      <p:cxnSp>
+        <p:nvCxnSpPr>
+          <p:cNvPr id="67" name="曲线连接符 66"/>
+          <p:cNvCxnSpPr>
+            <a:stCxn id="45" idx="2"/>
+            <a:endCxn id="58" idx="0"/>
+          </p:cNvCxnSpPr>
+          <p:nvPr/>
+        </p:nvCxnSpPr>
+        <p:spPr>
+          <a:xfrm rot="5400000">
+            <a:off x="6930920" y="3069660"/>
+            <a:ext cx="2144683" cy="1491763"/>
+          </a:xfrm>
+          <a:prstGeom prst="curvedConnector3">
+            <a:avLst/>
+          </a:prstGeom>
+          <a:ln w="28575">
+            <a:tailEnd type="triangle"/>
+          </a:ln>
+        </p:spPr>
+        <p:style>
+          <a:lnRef idx="3">
+            <a:schemeClr val="accent3"/>
+          </a:lnRef>
+          <a:fillRef idx="0">
+            <a:schemeClr val="accent3"/>
+          </a:fillRef>
+          <a:effectRef idx="2">
+            <a:schemeClr val="accent3"/>
+          </a:effectRef>
+          <a:fontRef idx="minor">
+            <a:schemeClr val="tx1"/>
+          </a:fontRef>
+        </p:style>
+      </p:cxnSp>
+      <p:sp>
+        <p:nvSpPr>
+          <p:cNvPr id="70" name="文本框 69"/>
+          <p:cNvSpPr txBox="1"/>
+          <p:nvPr/>
+        </p:nvSpPr>
+        <p:spPr>
+          <a:xfrm>
+            <a:off x="8025865" y="4958126"/>
+            <a:ext cx="2012089" cy="307777"/>
+          </a:xfrm>
+          <a:prstGeom prst="rect">
+            <a:avLst/>
+          </a:prstGeom>
+          <a:noFill/>
+        </p:spPr>
+        <p:txBody>
+          <a:bodyPr wrap="none" rtlCol="0">
+            <a:spAutoFit/>
+          </a:bodyPr>
+          <a:lstStyle/>
+          <a:p>
+            <a:r>
+              <a:rPr lang="zh-CN" altLang="en-US" sz="1400" dirty="0" smtClean="0">
+                <a:latin typeface="微软雅黑 Light" panose="020B0502040204020203" pitchFamily="34" charset="-122"/>
+                <a:ea typeface="微软雅黑 Light" panose="020B0502040204020203" pitchFamily="34" charset="-122"/>
+              </a:rPr>
+              <a:t>对象数组</a:t>
+            </a:r>
+            <a:r>
+              <a:rPr lang="en-US" altLang="zh-CN" sz="1400" dirty="0" smtClean="0">
+                <a:latin typeface="微软雅黑 Light" panose="020B0502040204020203" pitchFamily="34" charset="-122"/>
+                <a:ea typeface="微软雅黑 Light" panose="020B0502040204020203" pitchFamily="34" charset="-122"/>
+              </a:rPr>
+              <a:t>(</a:t>
+            </a:r>
+            <a:r>
+              <a:rPr lang="zh-CN" altLang="en-US" sz="1400" dirty="0" smtClean="0">
+                <a:latin typeface="微软雅黑 Light" panose="020B0502040204020203" pitchFamily="34" charset="-122"/>
+                <a:ea typeface="微软雅黑 Light" panose="020B0502040204020203" pitchFamily="34" charset="-122"/>
+              </a:rPr>
+              <a:t>长度为</a:t>
+            </a:r>
+            <a:r>
+              <a:rPr lang="en-US" altLang="zh-CN" sz="1400" dirty="0" smtClean="0">
+                <a:latin typeface="微软雅黑 Light" panose="020B0502040204020203" pitchFamily="34" charset="-122"/>
+                <a:ea typeface="微软雅黑 Light" panose="020B0502040204020203" pitchFamily="34" charset="-122"/>
+              </a:rPr>
+              <a:t>count)</a:t>
+            </a:r>
+            <a:endParaRPr lang="zh-CN" altLang="en-US" sz="1400" dirty="0">
+              <a:latin typeface="微软雅黑 Light" panose="020B0502040204020203" pitchFamily="34" charset="-122"/>
+              <a:ea typeface="微软雅黑 Light" panose="020B0502040204020203" pitchFamily="34" charset="-122"/>
+            </a:endParaRPr>
+          </a:p>
+        </p:txBody>
+      </p:sp>
+      <p:sp>
+        <p:nvSpPr>
+          <p:cNvPr id="71" name="文本框 70"/>
+          <p:cNvSpPr txBox="1"/>
+          <p:nvPr/>
+        </p:nvSpPr>
+        <p:spPr>
+          <a:xfrm>
+            <a:off x="4029780" y="5338831"/>
+            <a:ext cx="845103" cy="307777"/>
+          </a:xfrm>
+          <a:prstGeom prst="rect">
+            <a:avLst/>
+          </a:prstGeom>
+          <a:noFill/>
+        </p:spPr>
+        <p:txBody>
+          <a:bodyPr wrap="none" rtlCol="0">
+            <a:spAutoFit/>
+          </a:bodyPr>
+          <a:lstStyle/>
+          <a:p>
+            <a:r>
+              <a:rPr lang="en-US" altLang="zh-CN" sz="1400" dirty="0">
+                <a:latin typeface="微软雅黑 Light" panose="020B0502040204020203" pitchFamily="34" charset="-122"/>
+                <a:ea typeface="微软雅黑 Light" panose="020B0502040204020203" pitchFamily="34" charset="-122"/>
+              </a:rPr>
+              <a:t>f</a:t>
+            </a:r>
+            <a:r>
+              <a:rPr lang="en-US" altLang="zh-CN" sz="1400" dirty="0" smtClean="0">
+                <a:latin typeface="微软雅黑 Light" panose="020B0502040204020203" pitchFamily="34" charset="-122"/>
+                <a:ea typeface="微软雅黑 Light" panose="020B0502040204020203" pitchFamily="34" charset="-122"/>
+              </a:rPr>
+              <a:t>oot = 0</a:t>
+            </a:r>
+            <a:endParaRPr lang="zh-CN" altLang="en-US" sz="1400" dirty="0">
+              <a:latin typeface="微软雅黑 Light" panose="020B0502040204020203" pitchFamily="34" charset="-122"/>
+              <a:ea typeface="微软雅黑 Light" panose="020B0502040204020203" pitchFamily="34" charset="-122"/>
+            </a:endParaRPr>
+          </a:p>
+        </p:txBody>
+      </p:sp>
+      <p:sp>
+        <p:nvSpPr>
+          <p:cNvPr id="72" name="文本框 71"/>
+          <p:cNvSpPr txBox="1"/>
+          <p:nvPr/>
+        </p:nvSpPr>
+        <p:spPr>
+          <a:xfrm>
+            <a:off x="5428209" y="5347144"/>
+            <a:ext cx="814647" cy="307777"/>
+          </a:xfrm>
+          <a:prstGeom prst="rect">
+            <a:avLst/>
+          </a:prstGeom>
+          <a:noFill/>
+        </p:spPr>
+        <p:txBody>
+          <a:bodyPr wrap="none" rtlCol="0">
+            <a:spAutoFit/>
+          </a:bodyPr>
+          <a:lstStyle/>
+          <a:p>
+            <a:r>
+              <a:rPr lang="en-US" altLang="zh-CN" sz="1400" dirty="0">
+                <a:latin typeface="微软雅黑 Light" panose="020B0502040204020203" pitchFamily="34" charset="-122"/>
+                <a:ea typeface="微软雅黑 Light" panose="020B0502040204020203" pitchFamily="34" charset="-122"/>
+              </a:rPr>
+              <a:t>f</a:t>
+            </a:r>
+            <a:r>
+              <a:rPr lang="en-US" altLang="zh-CN" sz="1400" dirty="0" smtClean="0">
+                <a:latin typeface="微软雅黑 Light" panose="020B0502040204020203" pitchFamily="34" charset="-122"/>
+                <a:ea typeface="微软雅黑 Light" panose="020B0502040204020203" pitchFamily="34" charset="-122"/>
+              </a:rPr>
+              <a:t>oot = 1</a:t>
+            </a:r>
+            <a:endParaRPr lang="zh-CN" altLang="en-US" sz="1400" dirty="0">
+              <a:latin typeface="微软雅黑 Light" panose="020B0502040204020203" pitchFamily="34" charset="-122"/>
+              <a:ea typeface="微软雅黑 Light" panose="020B0502040204020203" pitchFamily="34" charset="-122"/>
+            </a:endParaRPr>
+          </a:p>
+        </p:txBody>
+      </p:sp>
+      <p:sp>
+        <p:nvSpPr>
+          <p:cNvPr id="73" name="文本框 72"/>
+          <p:cNvSpPr txBox="1"/>
+          <p:nvPr/>
+        </p:nvSpPr>
+        <p:spPr>
+          <a:xfrm>
+            <a:off x="6931241" y="5338830"/>
+            <a:ext cx="845103" cy="307777"/>
+          </a:xfrm>
+          <a:prstGeom prst="rect">
+            <a:avLst/>
+          </a:prstGeom>
+          <a:noFill/>
+        </p:spPr>
+        <p:txBody>
+          <a:bodyPr wrap="none" rtlCol="0">
+            <a:spAutoFit/>
+          </a:bodyPr>
+          <a:lstStyle/>
+          <a:p>
+            <a:r>
+              <a:rPr lang="en-US" altLang="zh-CN" sz="1400" dirty="0">
+                <a:latin typeface="微软雅黑 Light" panose="020B0502040204020203" pitchFamily="34" charset="-122"/>
+                <a:ea typeface="微软雅黑 Light" panose="020B0502040204020203" pitchFamily="34" charset="-122"/>
+              </a:rPr>
+              <a:t>f</a:t>
+            </a:r>
+            <a:r>
+              <a:rPr lang="en-US" altLang="zh-CN" sz="1400" dirty="0" smtClean="0">
+                <a:latin typeface="微软雅黑 Light" panose="020B0502040204020203" pitchFamily="34" charset="-122"/>
+                <a:ea typeface="微软雅黑 Light" panose="020B0502040204020203" pitchFamily="34" charset="-122"/>
+              </a:rPr>
+              <a:t>oot = 2</a:t>
+            </a:r>
+            <a:endParaRPr lang="zh-CN" altLang="en-US" sz="1400" dirty="0">
+              <a:latin typeface="微软雅黑 Light" panose="020B0502040204020203" pitchFamily="34" charset="-122"/>
+              <a:ea typeface="微软雅黑 Light" panose="020B0502040204020203" pitchFamily="34" charset="-122"/>
+            </a:endParaRPr>
+          </a:p>
+        </p:txBody>
+      </p:sp>
+    </p:spTree>
+    <p:extLst>
+      <p:ext uri="{BB962C8B-B14F-4D97-AF65-F5344CB8AC3E}">
+        <p14:creationId xmlns:p14="http://schemas.microsoft.com/office/powerpoint/2010/main" val="2883968906"/>
+      </p:ext>
+    </p:extLst>
+  </p:cSld>
+  <p:clrMapOvr>
+    <a:masterClrMapping/>
+  </p:clrMapOvr>
+</p:sld>
+</file>
+
+<file path=ppt/slides/slide9.xml><?xml version="1.0" encoding="utf-8"?>
+<p:sld xmlns:a="http://schemas.openxmlformats.org/drawingml/2006/main" xmlns:r="http://schemas.openxmlformats.org/officeDocument/2006/relationships" xmlns:p="http://schemas.openxmlformats.org/presentationml/2006/main">
+  <p:cSld>
+    <p:spTree>
+      <p:nvGrpSpPr>
+        <p:cNvPr id="1" name=""/>
+        <p:cNvGrpSpPr/>
+        <p:nvPr/>
+      </p:nvGrpSpPr>
+      <p:grpSpPr>
+        <a:xfrm>
+          <a:off x="0" y="0"/>
+          <a:ext cx="0" cy="0"/>
+          <a:chOff x="0" y="0"/>
+          <a:chExt cx="0" cy="0"/>
+        </a:xfrm>
+      </p:grpSpPr>
+      <p:sp>
+        <p:nvSpPr>
+          <p:cNvPr id="4" name="矩形 3"/>
+          <p:cNvSpPr/>
+          <p:nvPr/>
+        </p:nvSpPr>
+        <p:spPr>
+          <a:xfrm>
+            <a:off x="1895300" y="3059084"/>
+            <a:ext cx="1753986" cy="515389"/>
+          </a:xfrm>
+          <a:prstGeom prst="rect">
+            <a:avLst/>
+          </a:prstGeom>
+        </p:spPr>
+        <p:style>
+          <a:lnRef idx="2">
+            <a:schemeClr val="accent1">
+              <a:shade val="50000"/>
+            </a:schemeClr>
+          </a:lnRef>
+          <a:fillRef idx="1">
+            <a:schemeClr val="accent1"/>
+          </a:fillRef>
+          <a:effectRef idx="0">
+            <a:schemeClr val="accent1"/>
+          </a:effectRef>
+          <a:fontRef idx="minor">
+            <a:schemeClr val="lt1"/>
+          </a:fontRef>
+        </p:style>
+        <p:txBody>
+          <a:bodyPr rtlCol="0" anchor="ctr"/>
+          <a:lstStyle/>
+          <a:p>
+            <a:pPr algn="ctr"/>
+            <a:r>
+              <a:rPr lang="zh-CN" altLang="en-US" sz="1400" dirty="0" smtClean="0">
+                <a:latin typeface="微软雅黑 Light" panose="020B0502040204020203" pitchFamily="34" charset="-122"/>
+                <a:ea typeface="微软雅黑 Light" panose="020B0502040204020203" pitchFamily="34" charset="-122"/>
+              </a:rPr>
+              <a:t>图书大厦</a:t>
+            </a:r>
+            <a:endParaRPr lang="zh-CN" altLang="en-US" sz="1400" dirty="0">
+              <a:latin typeface="微软雅黑 Light" panose="020B0502040204020203" pitchFamily="34" charset="-122"/>
+              <a:ea typeface="微软雅黑 Light" panose="020B0502040204020203" pitchFamily="34" charset="-122"/>
+            </a:endParaRPr>
+          </a:p>
+        </p:txBody>
+      </p:sp>
+      <p:sp>
+        <p:nvSpPr>
+          <p:cNvPr id="5" name="矩形 4"/>
+          <p:cNvSpPr/>
+          <p:nvPr/>
+        </p:nvSpPr>
+        <p:spPr>
+          <a:xfrm>
+            <a:off x="1895300" y="3574474"/>
+            <a:ext cx="1753986" cy="207817"/>
+          </a:xfrm>
+          <a:prstGeom prst="rect">
+            <a:avLst/>
+          </a:prstGeom>
+        </p:spPr>
+        <p:style>
+          <a:lnRef idx="2">
+            <a:schemeClr val="accent2"/>
+          </a:lnRef>
+          <a:fillRef idx="1">
+            <a:schemeClr val="lt1"/>
+          </a:fillRef>
+          <a:effectRef idx="0">
+            <a:schemeClr val="accent2"/>
+          </a:effectRef>
+          <a:fontRef idx="minor">
+            <a:schemeClr val="dk1"/>
+          </a:fontRef>
+        </p:style>
+        <p:txBody>
+          <a:bodyPr rtlCol="0" anchor="ctr"/>
+          <a:lstStyle/>
+          <a:p>
+            <a:pPr algn="ctr"/>
+            <a:endParaRPr lang="zh-CN" altLang="en-US"/>
+          </a:p>
+        </p:txBody>
+      </p:sp>
+      <p:sp>
+        <p:nvSpPr>
+          <p:cNvPr id="6" name="矩形 5"/>
+          <p:cNvSpPr/>
+          <p:nvPr/>
+        </p:nvSpPr>
+        <p:spPr>
+          <a:xfrm>
+            <a:off x="1895300" y="3782291"/>
+            <a:ext cx="1753986" cy="207817"/>
+          </a:xfrm>
+          <a:prstGeom prst="rect">
+            <a:avLst/>
+          </a:prstGeom>
+        </p:spPr>
+        <p:style>
+          <a:lnRef idx="2">
+            <a:schemeClr val="accent2"/>
+          </a:lnRef>
+          <a:fillRef idx="1">
+            <a:schemeClr val="lt1"/>
+          </a:fillRef>
+          <a:effectRef idx="0">
+            <a:schemeClr val="accent2"/>
+          </a:effectRef>
+          <a:fontRef idx="minor">
+            <a:schemeClr val="dk1"/>
+          </a:fontRef>
+        </p:style>
+        <p:txBody>
+          <a:bodyPr rtlCol="0" anchor="ctr"/>
+          <a:lstStyle/>
+          <a:p>
+            <a:pPr algn="ctr"/>
+            <a:endParaRPr lang="zh-CN" altLang="en-US"/>
+          </a:p>
+        </p:txBody>
+      </p:sp>
+      <p:sp>
+        <p:nvSpPr>
+          <p:cNvPr id="7" name="矩形 6"/>
+          <p:cNvSpPr/>
+          <p:nvPr/>
+        </p:nvSpPr>
+        <p:spPr>
+          <a:xfrm>
+            <a:off x="8329350" y="4281055"/>
+            <a:ext cx="1753986" cy="515389"/>
+          </a:xfrm>
+          <a:prstGeom prst="rect">
+            <a:avLst/>
+          </a:prstGeom>
+        </p:spPr>
+        <p:style>
+          <a:lnRef idx="2">
+            <a:schemeClr val="accent1">
+              <a:shade val="50000"/>
+            </a:schemeClr>
+          </a:lnRef>
+          <a:fillRef idx="1">
+            <a:schemeClr val="accent1"/>
+          </a:fillRef>
+          <a:effectRef idx="0">
+            <a:schemeClr val="accent1"/>
+          </a:effectRef>
+          <a:fontRef idx="minor">
+            <a:schemeClr val="lt1"/>
+          </a:fontRef>
+        </p:style>
+        <p:txBody>
+          <a:bodyPr rtlCol="0" anchor="ctr"/>
+          <a:lstStyle/>
+          <a:p>
+            <a:pPr algn="ctr"/>
+            <a:r>
+              <a:rPr lang="zh-CN" altLang="en-US" sz="1400" dirty="0" smtClean="0">
+                <a:latin typeface="微软雅黑 Light" panose="020B0502040204020203" pitchFamily="34" charset="-122"/>
+                <a:ea typeface="微软雅黑 Light" panose="020B0502040204020203" pitchFamily="34" charset="-122"/>
+              </a:rPr>
+              <a:t>计算机类图书</a:t>
+            </a:r>
+            <a:endParaRPr lang="zh-CN" altLang="en-US" sz="1400" dirty="0">
+              <a:latin typeface="微软雅黑 Light" panose="020B0502040204020203" pitchFamily="34" charset="-122"/>
+              <a:ea typeface="微软雅黑 Light" panose="020B0502040204020203" pitchFamily="34" charset="-122"/>
+            </a:endParaRPr>
+          </a:p>
+        </p:txBody>
+      </p:sp>
+      <p:sp>
+        <p:nvSpPr>
+          <p:cNvPr id="8" name="矩形 7"/>
+          <p:cNvSpPr/>
+          <p:nvPr/>
+        </p:nvSpPr>
+        <p:spPr>
+          <a:xfrm>
+            <a:off x="8329350" y="4796445"/>
+            <a:ext cx="1753986" cy="207817"/>
+          </a:xfrm>
+          <a:prstGeom prst="rect">
+            <a:avLst/>
+          </a:prstGeom>
+        </p:spPr>
+        <p:style>
+          <a:lnRef idx="2">
+            <a:schemeClr val="accent2"/>
+          </a:lnRef>
+          <a:fillRef idx="1">
+            <a:schemeClr val="lt1"/>
+          </a:fillRef>
+          <a:effectRef idx="0">
+            <a:schemeClr val="accent2"/>
+          </a:effectRef>
+          <a:fontRef idx="minor">
+            <a:schemeClr val="dk1"/>
+          </a:fontRef>
+        </p:style>
+        <p:txBody>
+          <a:bodyPr rtlCol="0" anchor="ctr"/>
+          <a:lstStyle/>
+          <a:p>
+            <a:pPr algn="ctr"/>
+            <a:endParaRPr lang="zh-CN" altLang="en-US"/>
+          </a:p>
+        </p:txBody>
+      </p:sp>
+      <p:sp>
+        <p:nvSpPr>
+          <p:cNvPr id="9" name="矩形 8"/>
+          <p:cNvSpPr/>
+          <p:nvPr/>
+        </p:nvSpPr>
+        <p:spPr>
+          <a:xfrm>
+            <a:off x="8329350" y="5004262"/>
+            <a:ext cx="1753986" cy="207817"/>
+          </a:xfrm>
+          <a:prstGeom prst="rect">
+            <a:avLst/>
+          </a:prstGeom>
+        </p:spPr>
+        <p:style>
+          <a:lnRef idx="2">
+            <a:schemeClr val="accent2"/>
+          </a:lnRef>
+          <a:fillRef idx="1">
+            <a:schemeClr val="lt1"/>
+          </a:fillRef>
+          <a:effectRef idx="0">
+            <a:schemeClr val="accent2"/>
+          </a:effectRef>
+          <a:fontRef idx="minor">
+            <a:schemeClr val="dk1"/>
+          </a:fontRef>
+        </p:style>
+        <p:txBody>
+          <a:bodyPr rtlCol="0" anchor="ctr"/>
+          <a:lstStyle/>
+          <a:p>
+            <a:pPr algn="ctr"/>
+            <a:endParaRPr lang="zh-CN" altLang="en-US"/>
+          </a:p>
+        </p:txBody>
+      </p:sp>
+      <p:sp>
+        <p:nvSpPr>
+          <p:cNvPr id="10" name="矩形 9"/>
+          <p:cNvSpPr/>
+          <p:nvPr/>
+        </p:nvSpPr>
+        <p:spPr>
+          <a:xfrm>
+            <a:off x="8329350" y="1687484"/>
+            <a:ext cx="1753986" cy="515389"/>
+          </a:xfrm>
+          <a:prstGeom prst="rect">
+            <a:avLst/>
+          </a:prstGeom>
+        </p:spPr>
+        <p:style>
+          <a:lnRef idx="2">
+            <a:schemeClr val="accent1">
+              <a:shade val="50000"/>
+            </a:schemeClr>
+          </a:lnRef>
+          <a:fillRef idx="1">
+            <a:schemeClr val="accent1"/>
+          </a:fillRef>
+          <a:effectRef idx="0">
+            <a:schemeClr val="accent1"/>
+          </a:effectRef>
+          <a:fontRef idx="minor">
+            <a:schemeClr val="lt1"/>
+          </a:fontRef>
+        </p:style>
+        <p:txBody>
+          <a:bodyPr rtlCol="0" anchor="ctr"/>
+          <a:lstStyle/>
+          <a:p>
+            <a:pPr algn="ctr"/>
+            <a:r>
+              <a:rPr lang="zh-CN" altLang="en-US" sz="1400" dirty="0" smtClean="0">
+                <a:latin typeface="微软雅黑 Light" panose="020B0502040204020203" pitchFamily="34" charset="-122"/>
+                <a:ea typeface="微软雅黑 Light" panose="020B0502040204020203" pitchFamily="34" charset="-122"/>
+              </a:rPr>
+              <a:t>数学类图书</a:t>
+            </a:r>
+            <a:endParaRPr lang="zh-CN" altLang="en-US" sz="1400" dirty="0">
+              <a:latin typeface="微软雅黑 Light" panose="020B0502040204020203" pitchFamily="34" charset="-122"/>
+              <a:ea typeface="微软雅黑 Light" panose="020B0502040204020203" pitchFamily="34" charset="-122"/>
+            </a:endParaRPr>
+          </a:p>
+        </p:txBody>
+      </p:sp>
+      <p:sp>
+        <p:nvSpPr>
+          <p:cNvPr id="11" name="矩形 10"/>
+          <p:cNvSpPr/>
+          <p:nvPr/>
+        </p:nvSpPr>
+        <p:spPr>
+          <a:xfrm>
+            <a:off x="8329350" y="2202874"/>
+            <a:ext cx="1753986" cy="207817"/>
+          </a:xfrm>
+          <a:prstGeom prst="rect">
+            <a:avLst/>
+          </a:prstGeom>
+        </p:spPr>
+        <p:style>
+          <a:lnRef idx="2">
+            <a:schemeClr val="accent2"/>
+          </a:lnRef>
+          <a:fillRef idx="1">
+            <a:schemeClr val="lt1"/>
+          </a:fillRef>
+          <a:effectRef idx="0">
+            <a:schemeClr val="accent2"/>
+          </a:effectRef>
+          <a:fontRef idx="minor">
+            <a:schemeClr val="dk1"/>
+          </a:fontRef>
+        </p:style>
+        <p:txBody>
+          <a:bodyPr rtlCol="0" anchor="ctr"/>
+          <a:lstStyle/>
+          <a:p>
+            <a:pPr algn="ctr"/>
+            <a:endParaRPr lang="zh-CN" altLang="en-US"/>
+          </a:p>
+        </p:txBody>
+      </p:sp>
+      <p:sp>
+        <p:nvSpPr>
+          <p:cNvPr id="12" name="矩形 11"/>
+          <p:cNvSpPr/>
+          <p:nvPr/>
+        </p:nvSpPr>
+        <p:spPr>
+          <a:xfrm>
+            <a:off x="8329350" y="2410691"/>
+            <a:ext cx="1753986" cy="207817"/>
+          </a:xfrm>
+          <a:prstGeom prst="rect">
+            <a:avLst/>
+          </a:prstGeom>
+        </p:spPr>
+        <p:style>
+          <a:lnRef idx="2">
+            <a:schemeClr val="accent2"/>
+          </a:lnRef>
+          <a:fillRef idx="1">
+            <a:schemeClr val="lt1"/>
+          </a:fillRef>
+          <a:effectRef idx="0">
+            <a:schemeClr val="accent2"/>
+          </a:effectRef>
+          <a:fontRef idx="minor">
+            <a:schemeClr val="dk1"/>
+          </a:fontRef>
+        </p:style>
+        <p:txBody>
+          <a:bodyPr rtlCol="0" anchor="ctr"/>
+          <a:lstStyle/>
+          <a:p>
+            <a:pPr algn="ctr"/>
+            <a:endParaRPr lang="zh-CN" altLang="en-US"/>
+          </a:p>
+        </p:txBody>
+      </p:sp>
+      <p:sp>
+        <p:nvSpPr>
+          <p:cNvPr id="13" name="矩形 12"/>
+          <p:cNvSpPr/>
+          <p:nvPr/>
+        </p:nvSpPr>
+        <p:spPr>
+          <a:xfrm>
+            <a:off x="5203766" y="3059084"/>
+            <a:ext cx="1753986" cy="515389"/>
+          </a:xfrm>
+          <a:prstGeom prst="rect">
+            <a:avLst/>
+          </a:prstGeom>
+        </p:spPr>
+        <p:style>
+          <a:lnRef idx="1">
+            <a:schemeClr val="accent2"/>
+          </a:lnRef>
+          <a:fillRef idx="2">
+            <a:schemeClr val="accent2"/>
+          </a:fillRef>
+          <a:effectRef idx="1">
+            <a:schemeClr val="accent2"/>
+          </a:effectRef>
+          <a:fontRef idx="minor">
+            <a:schemeClr val="dk1"/>
+          </a:fontRef>
+        </p:style>
+        <p:txBody>
+          <a:bodyPr rtlCol="0" anchor="ctr"/>
+          <a:lstStyle/>
+          <a:p>
+            <a:pPr algn="ctr"/>
+            <a:r>
+              <a:rPr lang="zh-CN" altLang="en-US" sz="1400" dirty="0" smtClean="0">
+                <a:latin typeface="微软雅黑 Light" panose="020B0502040204020203" pitchFamily="34" charset="-122"/>
+                <a:ea typeface="微软雅黑 Light" panose="020B0502040204020203" pitchFamily="34" charset="-122"/>
+              </a:rPr>
+              <a:t>图书</a:t>
+            </a:r>
+            <a:endParaRPr lang="en-US" altLang="zh-CN" sz="1400" dirty="0" smtClean="0">
+              <a:latin typeface="微软雅黑 Light" panose="020B0502040204020203" pitchFamily="34" charset="-122"/>
+              <a:ea typeface="微软雅黑 Light" panose="020B0502040204020203" pitchFamily="34" charset="-122"/>
+            </a:endParaRPr>
+          </a:p>
+          <a:p>
+            <a:pPr algn="ctr"/>
+            <a:r>
+              <a:rPr lang="en-US" altLang="zh-CN" sz="1400" dirty="0" smtClean="0">
+                <a:latin typeface="微软雅黑 Light" panose="020B0502040204020203" pitchFamily="34" charset="-122"/>
+                <a:ea typeface="微软雅黑 Light" panose="020B0502040204020203" pitchFamily="34" charset="-122"/>
+              </a:rPr>
+              <a:t>&lt;interface&gt;</a:t>
+            </a:r>
+            <a:endParaRPr lang="zh-CN" altLang="en-US" sz="1400" dirty="0">
+              <a:latin typeface="微软雅黑 Light" panose="020B0502040204020203" pitchFamily="34" charset="-122"/>
+              <a:ea typeface="微软雅黑 Light" panose="020B0502040204020203" pitchFamily="34" charset="-122"/>
+            </a:endParaRPr>
+          </a:p>
+        </p:txBody>
+      </p:sp>
+      <p:sp>
+        <p:nvSpPr>
+          <p:cNvPr id="14" name="矩形 13"/>
+          <p:cNvSpPr/>
+          <p:nvPr/>
+        </p:nvSpPr>
+        <p:spPr>
+          <a:xfrm>
+            <a:off x="5203766" y="3574474"/>
+            <a:ext cx="1753986" cy="207817"/>
+          </a:xfrm>
+          <a:prstGeom prst="rect">
+            <a:avLst/>
+          </a:prstGeom>
+        </p:spPr>
+        <p:style>
+          <a:lnRef idx="2">
+            <a:schemeClr val="accent4"/>
+          </a:lnRef>
+          <a:fillRef idx="1">
+            <a:schemeClr val="lt1"/>
+          </a:fillRef>
+          <a:effectRef idx="0">
+            <a:schemeClr val="accent4"/>
+          </a:effectRef>
+          <a:fontRef idx="minor">
+            <a:schemeClr val="dk1"/>
+          </a:fontRef>
+        </p:style>
+        <p:txBody>
+          <a:bodyPr rtlCol="0" anchor="ctr"/>
+          <a:lstStyle/>
+          <a:p>
+            <a:pPr algn="ctr"/>
+            <a:endParaRPr lang="zh-CN" altLang="en-US"/>
+          </a:p>
+        </p:txBody>
+      </p:sp>
+      <p:sp>
+        <p:nvSpPr>
+          <p:cNvPr id="15" name="矩形 14"/>
+          <p:cNvSpPr/>
+          <p:nvPr/>
+        </p:nvSpPr>
+        <p:spPr>
+          <a:xfrm>
+            <a:off x="5203766" y="3782291"/>
+            <a:ext cx="1753986" cy="207817"/>
+          </a:xfrm>
+          <a:prstGeom prst="rect">
+            <a:avLst/>
+          </a:prstGeom>
+        </p:spPr>
+        <p:style>
+          <a:lnRef idx="2">
+            <a:schemeClr val="accent4"/>
+          </a:lnRef>
+          <a:fillRef idx="1">
+            <a:schemeClr val="lt1"/>
+          </a:fillRef>
+          <a:effectRef idx="0">
+            <a:schemeClr val="accent4"/>
+          </a:effectRef>
+          <a:fontRef idx="minor">
+            <a:schemeClr val="dk1"/>
+          </a:fontRef>
+        </p:style>
+        <p:txBody>
+          <a:bodyPr rtlCol="0" anchor="ctr"/>
+          <a:lstStyle/>
+          <a:p>
+            <a:pPr algn="ctr"/>
+            <a:endParaRPr lang="zh-CN" altLang="en-US"/>
+          </a:p>
+        </p:txBody>
+      </p:sp>
+      <p:cxnSp>
+        <p:nvCxnSpPr>
+          <p:cNvPr id="17" name="曲线连接符 16"/>
+          <p:cNvCxnSpPr>
+            <a:stCxn id="10" idx="1"/>
+            <a:endCxn id="13" idx="3"/>
+          </p:cNvCxnSpPr>
+          <p:nvPr/>
+        </p:nvCxnSpPr>
+        <p:spPr>
+          <a:xfrm rot="10800000" flipV="1">
+            <a:off x="6957752" y="1945179"/>
+            <a:ext cx="1371598" cy="1371600"/>
+          </a:xfrm>
+          <a:prstGeom prst="curvedConnector3">
+            <a:avLst/>
+          </a:prstGeom>
+          <a:ln w="12700">
+            <a:prstDash val="dash"/>
+            <a:tailEnd type="triangle"/>
+          </a:ln>
+        </p:spPr>
+        <p:style>
+          <a:lnRef idx="1">
+            <a:schemeClr val="accent1"/>
+          </a:lnRef>
+          <a:fillRef idx="0">
+            <a:schemeClr val="accent1"/>
+          </a:fillRef>
+          <a:effectRef idx="0">
+            <a:schemeClr val="accent1"/>
+          </a:effectRef>
+          <a:fontRef idx="minor">
+            <a:schemeClr val="tx1"/>
+          </a:fontRef>
+        </p:style>
+      </p:cxnSp>
+      <p:cxnSp>
+        <p:nvCxnSpPr>
+          <p:cNvPr id="22" name="曲线连接符 21"/>
+          <p:cNvCxnSpPr>
+            <a:stCxn id="7" idx="1"/>
+            <a:endCxn id="13" idx="3"/>
+          </p:cNvCxnSpPr>
+          <p:nvPr/>
+        </p:nvCxnSpPr>
+        <p:spPr>
+          <a:xfrm rot="10800000">
+            <a:off x="6957752" y="3316780"/>
+            <a:ext cx="1371598" cy="1221971"/>
+          </a:xfrm>
+          <a:prstGeom prst="curvedConnector3">
+            <a:avLst/>
+          </a:prstGeom>
+          <a:ln w="12700">
+            <a:prstDash val="dash"/>
+            <a:tailEnd type="triangle"/>
+          </a:ln>
+        </p:spPr>
+        <p:style>
+          <a:lnRef idx="1">
+            <a:schemeClr val="accent1"/>
+          </a:lnRef>
+          <a:fillRef idx="0">
+            <a:schemeClr val="accent1"/>
+          </a:fillRef>
+          <a:effectRef idx="0">
+            <a:schemeClr val="accent1"/>
+          </a:effectRef>
+          <a:fontRef idx="minor">
+            <a:schemeClr val="tx1"/>
+          </a:fontRef>
+        </p:style>
+      </p:cxnSp>
+      <p:cxnSp>
+        <p:nvCxnSpPr>
+          <p:cNvPr id="26" name="直接箭头连接符 25"/>
+          <p:cNvCxnSpPr>
+            <a:stCxn id="4" idx="3"/>
+            <a:endCxn id="13" idx="1"/>
+          </p:cNvCxnSpPr>
+          <p:nvPr/>
+        </p:nvCxnSpPr>
+        <p:spPr>
+          <a:xfrm>
+            <a:off x="3649286" y="3316779"/>
+            <a:ext cx="1554480" cy="0"/>
+          </a:xfrm>
+          <a:prstGeom prst="straightConnector1">
+            <a:avLst/>
+          </a:prstGeom>
+          <a:ln w="28575">
+            <a:tailEnd type="triangle"/>
+          </a:ln>
+        </p:spPr>
+        <p:style>
+          <a:lnRef idx="1">
+            <a:schemeClr val="accent1"/>
+          </a:lnRef>
+          <a:fillRef idx="0">
+            <a:schemeClr val="accent1"/>
+          </a:fillRef>
+          <a:effectRef idx="0">
+            <a:schemeClr val="accent1"/>
+          </a:effectRef>
+          <a:fontRef idx="minor">
+            <a:schemeClr val="tx1"/>
+          </a:fontRef>
+        </p:style>
+      </p:cxnSp>
+      <p:sp>
+        <p:nvSpPr>
+          <p:cNvPr id="30" name="矩形 29"/>
+          <p:cNvSpPr/>
+          <p:nvPr/>
+        </p:nvSpPr>
+        <p:spPr>
+          <a:xfrm>
+            <a:off x="1895300" y="5286895"/>
+            <a:ext cx="1753986" cy="515389"/>
+          </a:xfrm>
+          <a:prstGeom prst="rect">
+            <a:avLst/>
+          </a:prstGeom>
+        </p:spPr>
+        <p:style>
+          <a:lnRef idx="1">
+            <a:schemeClr val="accent2"/>
+          </a:lnRef>
+          <a:fillRef idx="2">
+            <a:schemeClr val="accent2"/>
+          </a:fillRef>
+          <a:effectRef idx="1">
+            <a:schemeClr val="accent2"/>
+          </a:effectRef>
+          <a:fontRef idx="minor">
+            <a:schemeClr val="dk1"/>
+          </a:fontRef>
+        </p:style>
+        <p:txBody>
+          <a:bodyPr rtlCol="0" anchor="ctr"/>
+          <a:lstStyle/>
+          <a:p>
+            <a:pPr algn="ctr"/>
+            <a:r>
+              <a:rPr lang="en-US" altLang="zh-CN" sz="1400" dirty="0" smtClean="0">
+                <a:latin typeface="微软雅黑 Light" panose="020B0502040204020203" pitchFamily="34" charset="-122"/>
+                <a:ea typeface="微软雅黑 Light" panose="020B0502040204020203" pitchFamily="34" charset="-122"/>
+              </a:rPr>
+              <a:t>Link</a:t>
+            </a:r>
+          </a:p>
+          <a:p>
+            <a:pPr algn="ctr"/>
+            <a:r>
+              <a:rPr lang="en-US" altLang="zh-CN" sz="1400" dirty="0" smtClean="0">
+                <a:latin typeface="微软雅黑 Light" panose="020B0502040204020203" pitchFamily="34" charset="-122"/>
+                <a:ea typeface="微软雅黑 Light" panose="020B0502040204020203" pitchFamily="34" charset="-122"/>
+              </a:rPr>
+              <a:t>&lt;interface&gt;</a:t>
+            </a:r>
+            <a:endParaRPr lang="zh-CN" altLang="en-US" sz="1400" dirty="0">
+              <a:latin typeface="微软雅黑 Light" panose="020B0502040204020203" pitchFamily="34" charset="-122"/>
+              <a:ea typeface="微软雅黑 Light" panose="020B0502040204020203" pitchFamily="34" charset="-122"/>
+            </a:endParaRPr>
+          </a:p>
+        </p:txBody>
+      </p:sp>
+      <p:sp>
+        <p:nvSpPr>
+          <p:cNvPr id="31" name="矩形 30"/>
+          <p:cNvSpPr/>
+          <p:nvPr/>
+        </p:nvSpPr>
+        <p:spPr>
+          <a:xfrm>
+            <a:off x="1895300" y="5802285"/>
+            <a:ext cx="1753986" cy="207817"/>
+          </a:xfrm>
+          <a:prstGeom prst="rect">
+            <a:avLst/>
+          </a:prstGeom>
+        </p:spPr>
+        <p:style>
+          <a:lnRef idx="2">
+            <a:schemeClr val="accent4"/>
+          </a:lnRef>
+          <a:fillRef idx="1">
+            <a:schemeClr val="lt1"/>
+          </a:fillRef>
+          <a:effectRef idx="0">
+            <a:schemeClr val="accent4"/>
+          </a:effectRef>
+          <a:fontRef idx="minor">
+            <a:schemeClr val="dk1"/>
+          </a:fontRef>
+        </p:style>
+        <p:txBody>
+          <a:bodyPr rtlCol="0" anchor="ctr"/>
+          <a:lstStyle/>
+          <a:p>
+            <a:pPr algn="ctr"/>
+            <a:endParaRPr lang="zh-CN" altLang="en-US"/>
+          </a:p>
+        </p:txBody>
+      </p:sp>
+      <p:sp>
+        <p:nvSpPr>
+          <p:cNvPr id="32" name="矩形 31"/>
+          <p:cNvSpPr/>
+          <p:nvPr/>
+        </p:nvSpPr>
+        <p:spPr>
+          <a:xfrm>
+            <a:off x="1895300" y="6010102"/>
+            <a:ext cx="1753986" cy="207817"/>
+          </a:xfrm>
+          <a:prstGeom prst="rect">
+            <a:avLst/>
+          </a:prstGeom>
+        </p:spPr>
+        <p:style>
+          <a:lnRef idx="2">
+            <a:schemeClr val="accent4"/>
+          </a:lnRef>
+          <a:fillRef idx="1">
+            <a:schemeClr val="lt1"/>
+          </a:fillRef>
+          <a:effectRef idx="0">
+            <a:schemeClr val="accent4"/>
+          </a:effectRef>
+          <a:fontRef idx="minor">
+            <a:schemeClr val="dk1"/>
+          </a:fontRef>
+        </p:style>
+        <p:txBody>
+          <a:bodyPr rtlCol="0" anchor="ctr"/>
+          <a:lstStyle/>
+          <a:p>
+            <a:pPr algn="ctr"/>
+            <a:endParaRPr lang="zh-CN" altLang="en-US"/>
+          </a:p>
+        </p:txBody>
+      </p:sp>
+      <p:cxnSp>
+        <p:nvCxnSpPr>
+          <p:cNvPr id="33" name="直接箭头连接符 32"/>
+          <p:cNvCxnSpPr>
+            <a:stCxn id="6" idx="2"/>
+            <a:endCxn id="30" idx="0"/>
+          </p:cNvCxnSpPr>
+          <p:nvPr/>
+        </p:nvCxnSpPr>
+        <p:spPr>
+          <a:xfrm>
+            <a:off x="2772293" y="3990108"/>
+            <a:ext cx="0" cy="1296787"/>
+          </a:xfrm>
+          <a:prstGeom prst="straightConnector1">
+            <a:avLst/>
+          </a:prstGeom>
+          <a:ln w="28575">
+            <a:tailEnd type="triangle"/>
+          </a:ln>
+        </p:spPr>
+        <p:style>
+          <a:lnRef idx="1">
+            <a:schemeClr val="accent1"/>
+          </a:lnRef>
+          <a:fillRef idx="0">
+            <a:schemeClr val="accent1"/>
+          </a:fillRef>
+          <a:effectRef idx="0">
+            <a:schemeClr val="accent1"/>
+          </a:effectRef>
+          <a:fontRef idx="minor">
+            <a:schemeClr val="tx1"/>
+          </a:fontRef>
+        </p:style>
+      </p:cxnSp>
+      <p:cxnSp>
+        <p:nvCxnSpPr>
+          <p:cNvPr id="40" name="肘形连接符 39"/>
+          <p:cNvCxnSpPr>
+            <a:stCxn id="15" idx="2"/>
+            <a:endCxn id="30" idx="3"/>
+          </p:cNvCxnSpPr>
+          <p:nvPr/>
+        </p:nvCxnSpPr>
+        <p:spPr>
+          <a:xfrm rot="5400000">
+            <a:off x="4087782" y="3551613"/>
+            <a:ext cx="1554482" cy="2431473"/>
+          </a:xfrm>
+          <a:prstGeom prst="bentConnector2">
+            <a:avLst/>
+          </a:prstGeom>
+          <a:ln w="28575">
+            <a:tailEnd type="triangle"/>
+          </a:ln>
+        </p:spPr>
+        <p:style>
+          <a:lnRef idx="1">
+            <a:schemeClr val="accent1"/>
+          </a:lnRef>
+          <a:fillRef idx="0">
+            <a:schemeClr val="accent1"/>
+          </a:fillRef>
+          <a:effectRef idx="0">
+            <a:schemeClr val="accent1"/>
+          </a:effectRef>
+          <a:fontRef idx="minor">
+            <a:schemeClr val="tx1"/>
+          </a:fontRef>
+        </p:style>
+      </p:cxnSp>
+      <p:sp>
+        <p:nvSpPr>
+          <p:cNvPr id="42" name="文本框 41"/>
+          <p:cNvSpPr txBox="1"/>
+          <p:nvPr/>
+        </p:nvSpPr>
+        <p:spPr>
+          <a:xfrm>
+            <a:off x="3867634" y="2975753"/>
+            <a:ext cx="997389" cy="307777"/>
+          </a:xfrm>
+          <a:prstGeom prst="rect">
+            <a:avLst/>
+          </a:prstGeom>
+          <a:noFill/>
+        </p:spPr>
+        <p:txBody>
+          <a:bodyPr wrap="none" rtlCol="0">
+            <a:spAutoFit/>
+          </a:bodyPr>
+          <a:lstStyle/>
+          <a:p>
+            <a:r>
+              <a:rPr lang="en-US" altLang="zh-CN" sz="1400" dirty="0" smtClean="0">
+                <a:latin typeface="微软雅黑 Light" panose="020B0502040204020203" pitchFamily="34" charset="-122"/>
+                <a:ea typeface="微软雅黑 Light" panose="020B0502040204020203" pitchFamily="34" charset="-122"/>
+              </a:rPr>
+              <a:t>1</a:t>
+            </a:r>
+            <a:r>
+              <a:rPr lang="zh-CN" altLang="en-US" sz="1400" dirty="0" smtClean="0">
+                <a:latin typeface="微软雅黑 Light" panose="020B0502040204020203" pitchFamily="34" charset="-122"/>
+                <a:ea typeface="微软雅黑 Light" panose="020B0502040204020203" pitchFamily="34" charset="-122"/>
+              </a:rPr>
+              <a:t>对多关系</a:t>
+            </a:r>
+            <a:endParaRPr lang="zh-CN" altLang="en-US" sz="1400" dirty="0">
+              <a:latin typeface="微软雅黑 Light" panose="020B0502040204020203" pitchFamily="34" charset="-122"/>
+              <a:ea typeface="微软雅黑 Light" panose="020B0502040204020203" pitchFamily="34" charset="-122"/>
+            </a:endParaRPr>
+          </a:p>
+        </p:txBody>
+      </p:sp>
+    </p:spTree>
+    <p:extLst>
+      <p:ext uri="{BB962C8B-B14F-4D97-AF65-F5344CB8AC3E}">
+        <p14:creationId xmlns:p14="http://schemas.microsoft.com/office/powerpoint/2010/main" val="3813706070"/>
+      </p:ext>
+    </p:extLst>
+  </p:cSld>
+  <p:clrMapOvr>
+    <a:masterClrMapping/>
+  </p:clrMapOvr>
+</p:sld>
+</file>
+
 <file path=ppt/theme/theme1.xml><?xml version="1.0" encoding="utf-8"?>
 <a:theme xmlns:a="http://schemas.openxmlformats.org/drawingml/2006/main" name="Office 主题​​">
   <a:themeElements>
